--- a/Presentation and CV/DevOps - Rakivnenko D.N. - EPAM.pptx
+++ b/Presentation and CV/DevOps - Rakivnenko D.N. - EPAM.pptx
@@ -1,9 +1,12 @@
 
 <file path=ppt/presentation.xml><?xml version="1.0" encoding="utf-8"?>
-<p:presentation xmlns:a="http://schemas.openxmlformats.org/drawingml/2006/main" xmlns:r="http://schemas.openxmlformats.org/officeDocument/2006/relationships" xmlns:p="http://schemas.openxmlformats.org/presentationml/2006/main" autoCompressPictures="0">
+<p:presentation xmlns:a="http://schemas.openxmlformats.org/drawingml/2006/main" xmlns:r="http://schemas.openxmlformats.org/officeDocument/2006/relationships" xmlns:p="http://schemas.openxmlformats.org/presentationml/2006/main" showSpecialPlsOnTitleSld="0" autoCompressPictures="0">
   <p:sldMasterIdLst>
     <p:sldMasterId id="2147483648" r:id="rId1"/>
   </p:sldMasterIdLst>
+  <p:notesMasterIdLst>
+    <p:notesMasterId r:id="rId14"/>
+  </p:notesMasterIdLst>
   <p:sldIdLst>
     <p:sldId id="256" r:id="rId2"/>
     <p:sldId id="258" r:id="rId3"/>
@@ -121,6 +124,355 @@
     </p:ext>
   </p:extLst>
 </p:presentation>
+</file>
+
+<file path=ppt/notesMasters/notesMaster1.xml><?xml version="1.0" encoding="utf-8"?>
+<p:notesMaster xmlns:a="http://schemas.openxmlformats.org/drawingml/2006/main" xmlns:r="http://schemas.openxmlformats.org/officeDocument/2006/relationships" xmlns:p="http://schemas.openxmlformats.org/presentationml/2006/main">
+  <p:cSld>
+    <p:bg>
+      <p:bgRef idx="1001">
+        <a:schemeClr val="bg1"/>
+      </p:bgRef>
+    </p:bg>
+    <p:spTree>
+      <p:nvGrpSpPr>
+        <p:cNvPr id="1" name=""/>
+        <p:cNvGrpSpPr/>
+        <p:nvPr/>
+      </p:nvGrpSpPr>
+      <p:grpSpPr>
+        <a:xfrm>
+          <a:off x="0" y="0"/>
+          <a:ext cx="0" cy="0"/>
+          <a:chOff x="0" y="0"/>
+          <a:chExt cx="0" cy="0"/>
+        </a:xfrm>
+      </p:grpSpPr>
+      <p:sp>
+        <p:nvSpPr>
+          <p:cNvPr id="2" name="Header Placeholder 1"/>
+          <p:cNvSpPr>
+            <a:spLocks noGrp="1"/>
+          </p:cNvSpPr>
+          <p:nvPr>
+            <p:ph type="hdr" sz="quarter"/>
+          </p:nvPr>
+        </p:nvSpPr>
+        <p:spPr>
+          <a:xfrm>
+            <a:off x="0" y="0"/>
+            <a:ext cx="2971800" cy="458788"/>
+          </a:xfrm>
+          <a:prstGeom prst="rect">
+            <a:avLst/>
+          </a:prstGeom>
+        </p:spPr>
+        <p:txBody>
+          <a:bodyPr vert="horz" lIns="91440" tIns="45720" rIns="91440" bIns="45720" rtlCol="0"/>
+          <a:lstStyle>
+            <a:lvl1pPr algn="l">
+              <a:defRPr sz="1200"/>
+            </a:lvl1pPr>
+          </a:lstStyle>
+          <a:p>
+            <a:endParaRPr lang="en-US"/>
+          </a:p>
+        </p:txBody>
+      </p:sp>
+      <p:sp>
+        <p:nvSpPr>
+          <p:cNvPr id="3" name="Date Placeholder 2"/>
+          <p:cNvSpPr>
+            <a:spLocks noGrp="1"/>
+          </p:cNvSpPr>
+          <p:nvPr>
+            <p:ph type="dt" idx="1"/>
+          </p:nvPr>
+        </p:nvSpPr>
+        <p:spPr>
+          <a:xfrm>
+            <a:off x="3884613" y="0"/>
+            <a:ext cx="2971800" cy="458788"/>
+          </a:xfrm>
+          <a:prstGeom prst="rect">
+            <a:avLst/>
+          </a:prstGeom>
+        </p:spPr>
+        <p:txBody>
+          <a:bodyPr vert="horz" lIns="91440" tIns="45720" rIns="91440" bIns="45720" rtlCol="0"/>
+          <a:lstStyle>
+            <a:lvl1pPr algn="r">
+              <a:defRPr sz="1200"/>
+            </a:lvl1pPr>
+          </a:lstStyle>
+          <a:p>
+            <a:fld id="{CD6EFEA3-2446-4446-9F14-9430D3CC6F96}" type="datetimeFigureOut">
+              <a:rPr lang="en-US" smtClean="0"/>
+              <a:t>11/7/2019</a:t>
+            </a:fld>
+            <a:endParaRPr lang="en-US"/>
+          </a:p>
+        </p:txBody>
+      </p:sp>
+      <p:sp>
+        <p:nvSpPr>
+          <p:cNvPr id="4" name="Slide Image Placeholder 3"/>
+          <p:cNvSpPr>
+            <a:spLocks noGrp="1" noRot="1" noChangeAspect="1"/>
+          </p:cNvSpPr>
+          <p:nvPr>
+            <p:ph type="sldImg" idx="2"/>
+          </p:nvPr>
+        </p:nvSpPr>
+        <p:spPr>
+          <a:xfrm>
+            <a:off x="685800" y="1143000"/>
+            <a:ext cx="5486400" cy="3086100"/>
+          </a:xfrm>
+          <a:prstGeom prst="rect">
+            <a:avLst/>
+          </a:prstGeom>
+          <a:noFill/>
+          <a:ln w="12700">
+            <a:solidFill>
+              <a:prstClr val="black"/>
+            </a:solidFill>
+          </a:ln>
+        </p:spPr>
+        <p:txBody>
+          <a:bodyPr vert="horz" lIns="91440" tIns="45720" rIns="91440" bIns="45720" rtlCol="0" anchor="ctr"/>
+          <a:lstStyle/>
+          <a:p>
+            <a:endParaRPr lang="en-US"/>
+          </a:p>
+        </p:txBody>
+      </p:sp>
+      <p:sp>
+        <p:nvSpPr>
+          <p:cNvPr id="5" name="Notes Placeholder 4"/>
+          <p:cNvSpPr>
+            <a:spLocks noGrp="1"/>
+          </p:cNvSpPr>
+          <p:nvPr>
+            <p:ph type="body" sz="quarter" idx="3"/>
+          </p:nvPr>
+        </p:nvSpPr>
+        <p:spPr>
+          <a:xfrm>
+            <a:off x="685800" y="4400550"/>
+            <a:ext cx="5486400" cy="3600450"/>
+          </a:xfrm>
+          <a:prstGeom prst="rect">
+            <a:avLst/>
+          </a:prstGeom>
+        </p:spPr>
+        <p:txBody>
+          <a:bodyPr vert="horz" lIns="91440" tIns="45720" rIns="91440" bIns="45720" rtlCol="0"/>
+          <a:lstStyle/>
+          <a:p>
+            <a:pPr lvl="0"/>
+            <a:r>
+              <a:rPr lang="en-US"/>
+              <a:t>Click to edit Master text styles</a:t>
+            </a:r>
+          </a:p>
+          <a:p>
+            <a:pPr lvl="1"/>
+            <a:r>
+              <a:rPr lang="en-US"/>
+              <a:t>Second level</a:t>
+            </a:r>
+          </a:p>
+          <a:p>
+            <a:pPr lvl="2"/>
+            <a:r>
+              <a:rPr lang="en-US"/>
+              <a:t>Third level</a:t>
+            </a:r>
+          </a:p>
+          <a:p>
+            <a:pPr lvl="3"/>
+            <a:r>
+              <a:rPr lang="en-US"/>
+              <a:t>Fourth level</a:t>
+            </a:r>
+          </a:p>
+          <a:p>
+            <a:pPr lvl="4"/>
+            <a:r>
+              <a:rPr lang="en-US"/>
+              <a:t>Fifth level</a:t>
+            </a:r>
+          </a:p>
+        </p:txBody>
+      </p:sp>
+      <p:sp>
+        <p:nvSpPr>
+          <p:cNvPr id="6" name="Footer Placeholder 5"/>
+          <p:cNvSpPr>
+            <a:spLocks noGrp="1"/>
+          </p:cNvSpPr>
+          <p:nvPr>
+            <p:ph type="ftr" sz="quarter" idx="4"/>
+          </p:nvPr>
+        </p:nvSpPr>
+        <p:spPr>
+          <a:xfrm>
+            <a:off x="0" y="8685213"/>
+            <a:ext cx="2971800" cy="458787"/>
+          </a:xfrm>
+          <a:prstGeom prst="rect">
+            <a:avLst/>
+          </a:prstGeom>
+        </p:spPr>
+        <p:txBody>
+          <a:bodyPr vert="horz" lIns="91440" tIns="45720" rIns="91440" bIns="45720" rtlCol="0" anchor="b"/>
+          <a:lstStyle>
+            <a:lvl1pPr algn="l">
+              <a:defRPr sz="1200"/>
+            </a:lvl1pPr>
+          </a:lstStyle>
+          <a:p>
+            <a:endParaRPr lang="en-US"/>
+          </a:p>
+        </p:txBody>
+      </p:sp>
+      <p:sp>
+        <p:nvSpPr>
+          <p:cNvPr id="7" name="Slide Number Placeholder 6"/>
+          <p:cNvSpPr>
+            <a:spLocks noGrp="1"/>
+          </p:cNvSpPr>
+          <p:nvPr>
+            <p:ph type="sldNum" sz="quarter" idx="5"/>
+          </p:nvPr>
+        </p:nvSpPr>
+        <p:spPr>
+          <a:xfrm>
+            <a:off x="3884613" y="8685213"/>
+            <a:ext cx="2971800" cy="458787"/>
+          </a:xfrm>
+          <a:prstGeom prst="rect">
+            <a:avLst/>
+          </a:prstGeom>
+        </p:spPr>
+        <p:txBody>
+          <a:bodyPr vert="horz" lIns="91440" tIns="45720" rIns="91440" bIns="45720" rtlCol="0" anchor="b"/>
+          <a:lstStyle>
+            <a:lvl1pPr algn="r">
+              <a:defRPr sz="1200"/>
+            </a:lvl1pPr>
+          </a:lstStyle>
+          <a:p>
+            <a:fld id="{D9DAED22-1960-438D-8196-6BAA578936FA}" type="slidenum">
+              <a:rPr lang="en-US" smtClean="0"/>
+              <a:t>‹#›</a:t>
+            </a:fld>
+            <a:endParaRPr lang="en-US"/>
+          </a:p>
+        </p:txBody>
+      </p:sp>
+    </p:spTree>
+    <p:extLst>
+      <p:ext uri="{BB962C8B-B14F-4D97-AF65-F5344CB8AC3E}">
+        <p14:creationId xmlns:p14="http://schemas.microsoft.com/office/powerpoint/2010/main" val="4047692986"/>
+      </p:ext>
+    </p:extLst>
+  </p:cSld>
+  <p:clrMap bg1="lt1" tx1="dk1" bg2="lt2" tx2="dk2" accent1="accent1" accent2="accent2" accent3="accent3" accent4="accent4" accent5="accent5" accent6="accent6" hlink="hlink" folHlink="folHlink"/>
+  <p:notesStyle>
+    <a:lvl1pPr marL="0" algn="l" defTabSz="914400" rtl="0" eaLnBrk="1" latinLnBrk="0" hangingPunct="1">
+      <a:defRPr sz="1200" kern="1200">
+        <a:solidFill>
+          <a:schemeClr val="tx1"/>
+        </a:solidFill>
+        <a:latin typeface="+mn-lt"/>
+        <a:ea typeface="+mn-ea"/>
+        <a:cs typeface="+mn-cs"/>
+      </a:defRPr>
+    </a:lvl1pPr>
+    <a:lvl2pPr marL="457200" algn="l" defTabSz="914400" rtl="0" eaLnBrk="1" latinLnBrk="0" hangingPunct="1">
+      <a:defRPr sz="1200" kern="1200">
+        <a:solidFill>
+          <a:schemeClr val="tx1"/>
+        </a:solidFill>
+        <a:latin typeface="+mn-lt"/>
+        <a:ea typeface="+mn-ea"/>
+        <a:cs typeface="+mn-cs"/>
+      </a:defRPr>
+    </a:lvl2pPr>
+    <a:lvl3pPr marL="914400" algn="l" defTabSz="914400" rtl="0" eaLnBrk="1" latinLnBrk="0" hangingPunct="1">
+      <a:defRPr sz="1200" kern="1200">
+        <a:solidFill>
+          <a:schemeClr val="tx1"/>
+        </a:solidFill>
+        <a:latin typeface="+mn-lt"/>
+        <a:ea typeface="+mn-ea"/>
+        <a:cs typeface="+mn-cs"/>
+      </a:defRPr>
+    </a:lvl3pPr>
+    <a:lvl4pPr marL="1371600" algn="l" defTabSz="914400" rtl="0" eaLnBrk="1" latinLnBrk="0" hangingPunct="1">
+      <a:defRPr sz="1200" kern="1200">
+        <a:solidFill>
+          <a:schemeClr val="tx1"/>
+        </a:solidFill>
+        <a:latin typeface="+mn-lt"/>
+        <a:ea typeface="+mn-ea"/>
+        <a:cs typeface="+mn-cs"/>
+      </a:defRPr>
+    </a:lvl4pPr>
+    <a:lvl5pPr marL="1828800" algn="l" defTabSz="914400" rtl="0" eaLnBrk="1" latinLnBrk="0" hangingPunct="1">
+      <a:defRPr sz="1200" kern="1200">
+        <a:solidFill>
+          <a:schemeClr val="tx1"/>
+        </a:solidFill>
+        <a:latin typeface="+mn-lt"/>
+        <a:ea typeface="+mn-ea"/>
+        <a:cs typeface="+mn-cs"/>
+      </a:defRPr>
+    </a:lvl5pPr>
+    <a:lvl6pPr marL="2286000" algn="l" defTabSz="914400" rtl="0" eaLnBrk="1" latinLnBrk="0" hangingPunct="1">
+      <a:defRPr sz="1200" kern="1200">
+        <a:solidFill>
+          <a:schemeClr val="tx1"/>
+        </a:solidFill>
+        <a:latin typeface="+mn-lt"/>
+        <a:ea typeface="+mn-ea"/>
+        <a:cs typeface="+mn-cs"/>
+      </a:defRPr>
+    </a:lvl6pPr>
+    <a:lvl7pPr marL="2743200" algn="l" defTabSz="914400" rtl="0" eaLnBrk="1" latinLnBrk="0" hangingPunct="1">
+      <a:defRPr sz="1200" kern="1200">
+        <a:solidFill>
+          <a:schemeClr val="tx1"/>
+        </a:solidFill>
+        <a:latin typeface="+mn-lt"/>
+        <a:ea typeface="+mn-ea"/>
+        <a:cs typeface="+mn-cs"/>
+      </a:defRPr>
+    </a:lvl7pPr>
+    <a:lvl8pPr marL="3200400" algn="l" defTabSz="914400" rtl="0" eaLnBrk="1" latinLnBrk="0" hangingPunct="1">
+      <a:defRPr sz="1200" kern="1200">
+        <a:solidFill>
+          <a:schemeClr val="tx1"/>
+        </a:solidFill>
+        <a:latin typeface="+mn-lt"/>
+        <a:ea typeface="+mn-ea"/>
+        <a:cs typeface="+mn-cs"/>
+      </a:defRPr>
+    </a:lvl8pPr>
+    <a:lvl9pPr marL="3657600" algn="l" defTabSz="914400" rtl="0" eaLnBrk="1" latinLnBrk="0" hangingPunct="1">
+      <a:defRPr sz="1200" kern="1200">
+        <a:solidFill>
+          <a:schemeClr val="tx1"/>
+        </a:solidFill>
+        <a:latin typeface="+mn-lt"/>
+        <a:ea typeface="+mn-ea"/>
+        <a:cs typeface="+mn-cs"/>
+      </a:defRPr>
+    </a:lvl9pPr>
+  </p:notesStyle>
+</p:notesMaster>
 </file>
 
 <file path=ppt/slideLayouts/slideLayout1.xml><?xml version="1.0" encoding="utf-8"?>
@@ -623,10 +975,9 @@
           <a:bodyPr/>
           <a:lstStyle/>
           <a:p>
-            <a:fld id="{B61BEF0D-F0BB-DE4B-95CE-6DB70DBA9567}" type="datetimeFigureOut">
-              <a:rPr lang="en-US" dirty="0"/>
-              <a:pPr/>
-              <a:t>11/5/2019</a:t>
+            <a:fld id="{55DA0BEE-D3BB-4D81-993D-329A0B6B838B}" type="datetime1">
+              <a:rPr lang="en-US" smtClean="0"/>
+              <a:t>11/7/2019</a:t>
             </a:fld>
             <a:endParaRPr lang="en-US" dirty="0"/>
           </a:p>
@@ -916,10 +1267,9 @@
           <a:bodyPr/>
           <a:lstStyle/>
           <a:p>
-            <a:fld id="{B61BEF0D-F0BB-DE4B-95CE-6DB70DBA9567}" type="datetimeFigureOut">
-              <a:rPr lang="en-US" dirty="0"/>
-              <a:pPr/>
-              <a:t>11/5/2019</a:t>
+            <a:fld id="{9C6B8B98-48BD-4D2D-AD35-203AB72A4C35}" type="datetime1">
+              <a:rPr lang="en-US" smtClean="0"/>
+              <a:t>11/7/2019</a:t>
             </a:fld>
             <a:endParaRPr lang="en-US" dirty="0"/>
           </a:p>
@@ -1161,10 +1511,9 @@
           <a:bodyPr/>
           <a:lstStyle/>
           <a:p>
-            <a:fld id="{B61BEF0D-F0BB-DE4B-95CE-6DB70DBA9567}" type="datetimeFigureOut">
-              <a:rPr lang="en-US" dirty="0"/>
-              <a:pPr/>
-              <a:t>11/5/2019</a:t>
+            <a:fld id="{9B74596D-6FF5-4174-8732-ED733BABF8FD}" type="datetime1">
+              <a:rPr lang="en-US" smtClean="0"/>
+              <a:t>11/7/2019</a:t>
             </a:fld>
             <a:endParaRPr lang="en-US" dirty="0"/>
           </a:p>
@@ -1698,10 +2047,9 @@
           <a:bodyPr/>
           <a:lstStyle/>
           <a:p>
-            <a:fld id="{B61BEF0D-F0BB-DE4B-95CE-6DB70DBA9567}" type="datetimeFigureOut">
-              <a:rPr lang="en-US" dirty="0"/>
-              <a:pPr/>
-              <a:t>11/5/2019</a:t>
+            <a:fld id="{1C3A0CE1-74B3-4EE0-9D66-4A4119FE91C2}" type="datetime1">
+              <a:rPr lang="en-US" smtClean="0"/>
+              <a:t>11/7/2019</a:t>
             </a:fld>
             <a:endParaRPr lang="en-US" dirty="0"/>
           </a:p>
@@ -1943,10 +2291,9 @@
           <a:bodyPr/>
           <a:lstStyle/>
           <a:p>
-            <a:fld id="{B61BEF0D-F0BB-DE4B-95CE-6DB70DBA9567}" type="datetimeFigureOut">
-              <a:rPr lang="en-US" dirty="0"/>
-              <a:pPr/>
-              <a:t>11/5/2019</a:t>
+            <a:fld id="{1A35448E-58A5-447E-B725-3692B3CF6C7E}" type="datetime1">
+              <a:rPr lang="en-US" smtClean="0"/>
+              <a:t>11/7/2019</a:t>
             </a:fld>
             <a:endParaRPr lang="en-US" dirty="0"/>
           </a:p>
@@ -2472,10 +2819,9 @@
           <a:bodyPr/>
           <a:lstStyle/>
           <a:p>
-            <a:fld id="{B61BEF0D-F0BB-DE4B-95CE-6DB70DBA9567}" type="datetimeFigureOut">
-              <a:rPr lang="en-US" dirty="0"/>
-              <a:pPr/>
-              <a:t>11/5/2019</a:t>
+            <a:fld id="{83BC4098-1D3C-4730-942F-34F208C2DF09}" type="datetime1">
+              <a:rPr lang="en-US" smtClean="0"/>
+              <a:t>11/7/2019</a:t>
             </a:fld>
             <a:endParaRPr lang="en-US" dirty="0"/>
           </a:p>
@@ -2766,10 +3112,9 @@
           <a:bodyPr/>
           <a:lstStyle/>
           <a:p>
-            <a:fld id="{B61BEF0D-F0BB-DE4B-95CE-6DB70DBA9567}" type="datetimeFigureOut">
-              <a:rPr lang="en-US" dirty="0"/>
-              <a:pPr/>
-              <a:t>11/5/2019</a:t>
+            <a:fld id="{2C54B4C6-5FC4-45F4-AC4A-C6627C946FE2}" type="datetime1">
+              <a:rPr lang="en-US" smtClean="0"/>
+              <a:t>11/7/2019</a:t>
             </a:fld>
             <a:endParaRPr lang="en-US" dirty="0"/>
           </a:p>
@@ -2937,10 +3282,9 @@
           <a:bodyPr/>
           <a:lstStyle/>
           <a:p>
-            <a:fld id="{B61BEF0D-F0BB-DE4B-95CE-6DB70DBA9567}" type="datetimeFigureOut">
-              <a:rPr lang="en-US" dirty="0"/>
-              <a:pPr/>
-              <a:t>11/5/2019</a:t>
+            <a:fld id="{C6EC653B-AC74-40A7-824C-1FB527E80CD2}" type="datetime1">
+              <a:rPr lang="en-US" smtClean="0"/>
+              <a:t>11/7/2019</a:t>
             </a:fld>
             <a:endParaRPr lang="en-US" dirty="0"/>
           </a:p>
@@ -3114,10 +3458,9 @@
           <a:bodyPr/>
           <a:lstStyle/>
           <a:p>
-            <a:fld id="{B61BEF0D-F0BB-DE4B-95CE-6DB70DBA9567}" type="datetimeFigureOut">
-              <a:rPr lang="en-US" dirty="0"/>
-              <a:pPr/>
-              <a:t>11/5/2019</a:t>
+            <a:fld id="{AB2D4C55-F7CA-41F4-8532-591119563968}" type="datetime1">
+              <a:rPr lang="en-US" smtClean="0"/>
+              <a:t>11/7/2019</a:t>
             </a:fld>
             <a:endParaRPr lang="en-US" dirty="0"/>
           </a:p>
@@ -3281,10 +3624,9 @@
           <a:bodyPr/>
           <a:lstStyle/>
           <a:p>
-            <a:fld id="{B61BEF0D-F0BB-DE4B-95CE-6DB70DBA9567}" type="datetimeFigureOut">
-              <a:rPr lang="en-US" dirty="0"/>
-              <a:pPr/>
-              <a:t>11/5/2019</a:t>
+            <a:fld id="{6762DDDF-B9DC-4485-891A-400BE2D5948E}" type="datetime1">
+              <a:rPr lang="en-US" smtClean="0"/>
+              <a:t>11/7/2019</a:t>
             </a:fld>
             <a:endParaRPr lang="en-US" dirty="0"/>
           </a:p>
@@ -3529,10 +3871,9 @@
           <a:bodyPr/>
           <a:lstStyle/>
           <a:p>
-            <a:fld id="{B61BEF0D-F0BB-DE4B-95CE-6DB70DBA9567}" type="datetimeFigureOut">
-              <a:rPr lang="en-US" dirty="0"/>
-              <a:pPr/>
-              <a:t>11/5/2019</a:t>
+            <a:fld id="{CD4B3880-1FB4-4191-9AE2-8E067CED6E91}" type="datetime1">
+              <a:rPr lang="en-US" smtClean="0"/>
+              <a:t>11/7/2019</a:t>
             </a:fld>
             <a:endParaRPr lang="en-US" dirty="0"/>
           </a:p>
@@ -3823,10 +4164,9 @@
           <a:bodyPr/>
           <a:lstStyle/>
           <a:p>
-            <a:fld id="{B61BEF0D-F0BB-DE4B-95CE-6DB70DBA9567}" type="datetimeFigureOut">
-              <a:rPr lang="en-US" dirty="0"/>
-              <a:pPr/>
-              <a:t>11/5/2019</a:t>
+            <a:fld id="{7F4582E1-2B2A-454D-9896-AE86A7379773}" type="datetime1">
+              <a:rPr lang="en-US" smtClean="0"/>
+              <a:t>11/7/2019</a:t>
             </a:fld>
             <a:endParaRPr lang="en-US" dirty="0"/>
           </a:p>
@@ -4262,10 +4602,9 @@
           <a:bodyPr/>
           <a:lstStyle/>
           <a:p>
-            <a:fld id="{B61BEF0D-F0BB-DE4B-95CE-6DB70DBA9567}" type="datetimeFigureOut">
-              <a:rPr lang="en-US" dirty="0"/>
-              <a:pPr/>
-              <a:t>11/5/2019</a:t>
+            <a:fld id="{912D333F-D4A9-4E83-975D-E2E232DA8973}" type="datetime1">
+              <a:rPr lang="en-US" smtClean="0"/>
+              <a:t>11/7/2019</a:t>
             </a:fld>
             <a:endParaRPr lang="en-US" dirty="0"/>
           </a:p>
@@ -4377,10 +4716,9 @@
           <a:bodyPr/>
           <a:lstStyle/>
           <a:p>
-            <a:fld id="{B61BEF0D-F0BB-DE4B-95CE-6DB70DBA9567}" type="datetimeFigureOut">
-              <a:rPr lang="en-US" dirty="0"/>
-              <a:pPr/>
-              <a:t>11/5/2019</a:t>
+            <a:fld id="{B9E81255-FAA2-43FD-8E24-1B27CD6FC368}" type="datetime1">
+              <a:rPr lang="en-US" smtClean="0"/>
+              <a:t>11/7/2019</a:t>
             </a:fld>
             <a:endParaRPr lang="en-US" dirty="0"/>
           </a:p>
@@ -4469,10 +4807,9 @@
           <a:bodyPr/>
           <a:lstStyle/>
           <a:p>
-            <a:fld id="{B61BEF0D-F0BB-DE4B-95CE-6DB70DBA9567}" type="datetimeFigureOut">
-              <a:rPr lang="en-US" dirty="0"/>
-              <a:pPr/>
-              <a:t>11/5/2019</a:t>
+            <a:fld id="{179F7E11-84B3-4F73-8BAB-C7CE446EB258}" type="datetime1">
+              <a:rPr lang="en-US" smtClean="0"/>
+              <a:t>11/7/2019</a:t>
             </a:fld>
             <a:endParaRPr lang="en-US" dirty="0"/>
           </a:p>
@@ -4749,10 +5086,9 @@
           <a:bodyPr/>
           <a:lstStyle/>
           <a:p>
-            <a:fld id="{B61BEF0D-F0BB-DE4B-95CE-6DB70DBA9567}" type="datetimeFigureOut">
-              <a:rPr lang="en-US" dirty="0"/>
-              <a:pPr/>
-              <a:t>11/5/2019</a:t>
+            <a:fld id="{516D1653-036E-4E2F-BCC0-188E776299C3}" type="datetime1">
+              <a:rPr lang="en-US" smtClean="0"/>
+              <a:t>11/7/2019</a:t>
             </a:fld>
             <a:endParaRPr lang="en-US" dirty="0"/>
           </a:p>
@@ -5037,10 +5373,9 @@
           <a:bodyPr/>
           <a:lstStyle/>
           <a:p>
-            <a:fld id="{B61BEF0D-F0BB-DE4B-95CE-6DB70DBA9567}" type="datetimeFigureOut">
-              <a:rPr lang="en-US" dirty="0"/>
-              <a:pPr/>
-              <a:t>11/5/2019</a:t>
+            <a:fld id="{C4D71DD0-37E8-4F96-B39E-93B4F814FD89}" type="datetime1">
+              <a:rPr lang="en-US" smtClean="0"/>
+              <a:t>11/7/2019</a:t>
             </a:fld>
             <a:endParaRPr lang="en-US" dirty="0"/>
           </a:p>
@@ -5564,10 +5899,9 @@
             </a:lvl1pPr>
           </a:lstStyle>
           <a:p>
-            <a:fld id="{B61BEF0D-F0BB-DE4B-95CE-6DB70DBA9567}" type="datetimeFigureOut">
-              <a:rPr lang="en-US" dirty="0"/>
-              <a:pPr/>
-              <a:t>11/5/2019</a:t>
+            <a:fld id="{FE743E85-F60D-4EC2-886E-211B8F5B4E1E}" type="datetime1">
+              <a:rPr lang="en-US" smtClean="0"/>
+              <a:t>11/7/2019</a:t>
             </a:fld>
             <a:endParaRPr lang="en-US" dirty="0"/>
           </a:p>
@@ -5674,6 +6008,7 @@
     <p:sldLayoutId id="2147483658" r:id="rId16"/>
     <p:sldLayoutId id="2147483659" r:id="rId17"/>
   </p:sldLayoutIdLst>
+  <p:hf hdr="0" ftr="0" dt="0"/>
   <p:txStyles>
     <p:titleStyle>
       <a:lvl1pPr algn="ctr" defTabSz="457200" rtl="0" eaLnBrk="1" latinLnBrk="0" hangingPunct="1">
@@ -6586,6 +6921,36 @@
               <a:t>Petclinic.java updates</a:t>
             </a:r>
             <a:endParaRPr lang="ru-RU" dirty="0"/>
+          </a:p>
+        </p:txBody>
+      </p:sp>
+      <p:sp>
+        <p:nvSpPr>
+          <p:cNvPr id="9" name="Slide Number Placeholder 8">
+            <a:extLst>
+              <a:ext uri="{FF2B5EF4-FFF2-40B4-BE49-F238E27FC236}">
+                <a16:creationId xmlns:a16="http://schemas.microsoft.com/office/drawing/2014/main" id="{14CFBF62-5885-4D47-8EA1-B62E982FC99D}"/>
+              </a:ext>
+            </a:extLst>
+          </p:cNvPr>
+          <p:cNvSpPr>
+            <a:spLocks noGrp="1"/>
+          </p:cNvSpPr>
+          <p:nvPr>
+            <p:ph type="sldNum" sz="quarter" idx="12"/>
+          </p:nvPr>
+        </p:nvSpPr>
+        <p:spPr/>
+        <p:txBody>
+          <a:bodyPr/>
+          <a:lstStyle/>
+          <a:p>
+            <a:fld id="{D57F1E4F-1CFF-5643-939E-217C01CDF565}" type="slidenum">
+              <a:rPr lang="en-US" smtClean="0"/>
+              <a:pPr/>
+              <a:t>10</a:t>
+            </a:fld>
+            <a:endParaRPr lang="en-US" dirty="0"/>
           </a:p>
         </p:txBody>
       </p:sp>
@@ -7346,6 +7711,36 @@
           </a:effectLst>
         </p:spPr>
       </p:pic>
+      <p:sp>
+        <p:nvSpPr>
+          <p:cNvPr id="3" name="Slide Number Placeholder 2">
+            <a:extLst>
+              <a:ext uri="{FF2B5EF4-FFF2-40B4-BE49-F238E27FC236}">
+                <a16:creationId xmlns:a16="http://schemas.microsoft.com/office/drawing/2014/main" id="{F08077D9-415E-4F0F-810B-D2777A522E5A}"/>
+              </a:ext>
+            </a:extLst>
+          </p:cNvPr>
+          <p:cNvSpPr>
+            <a:spLocks noGrp="1"/>
+          </p:cNvSpPr>
+          <p:nvPr>
+            <p:ph type="sldNum" sz="quarter" idx="12"/>
+          </p:nvPr>
+        </p:nvSpPr>
+        <p:spPr/>
+        <p:txBody>
+          <a:bodyPr/>
+          <a:lstStyle/>
+          <a:p>
+            <a:fld id="{D57F1E4F-1CFF-5643-939E-217C01CDF565}" type="slidenum">
+              <a:rPr lang="en-US" smtClean="0"/>
+              <a:pPr/>
+              <a:t>11</a:t>
+            </a:fld>
+            <a:endParaRPr lang="en-US" dirty="0"/>
+          </a:p>
+        </p:txBody>
+      </p:sp>
     </p:spTree>
     <p:extLst>
       <p:ext uri="{BB962C8B-B14F-4D97-AF65-F5344CB8AC3E}">
@@ -7672,6 +8067,36 @@
               <a:t>Q&amp;A session. </a:t>
             </a:r>
             <a:endParaRPr lang="ru-RU" dirty="0"/>
+          </a:p>
+        </p:txBody>
+      </p:sp>
+      <p:sp>
+        <p:nvSpPr>
+          <p:cNvPr id="3" name="Slide Number Placeholder 2">
+            <a:extLst>
+              <a:ext uri="{FF2B5EF4-FFF2-40B4-BE49-F238E27FC236}">
+                <a16:creationId xmlns:a16="http://schemas.microsoft.com/office/drawing/2014/main" id="{A1CBFBE8-5C69-4705-AA42-B45A7D7DD511}"/>
+              </a:ext>
+            </a:extLst>
+          </p:cNvPr>
+          <p:cNvSpPr>
+            <a:spLocks noGrp="1"/>
+          </p:cNvSpPr>
+          <p:nvPr>
+            <p:ph type="sldNum" sz="quarter" idx="12"/>
+          </p:nvPr>
+        </p:nvSpPr>
+        <p:spPr/>
+        <p:txBody>
+          <a:bodyPr/>
+          <a:lstStyle/>
+          <a:p>
+            <a:fld id="{D57F1E4F-1CFF-5643-939E-217C01CDF565}" type="slidenum">
+              <a:rPr lang="en-US" smtClean="0"/>
+              <a:pPr/>
+              <a:t>12</a:t>
+            </a:fld>
+            <a:endParaRPr lang="en-US" dirty="0"/>
           </a:p>
         </p:txBody>
       </p:sp>
@@ -8471,6 +8896,36 @@
           </a:p>
         </p:txBody>
       </p:sp>
+      <p:sp>
+        <p:nvSpPr>
+          <p:cNvPr id="3" name="Slide Number Placeholder 2">
+            <a:extLst>
+              <a:ext uri="{FF2B5EF4-FFF2-40B4-BE49-F238E27FC236}">
+                <a16:creationId xmlns:a16="http://schemas.microsoft.com/office/drawing/2014/main" id="{BDC476BC-CC7C-4C0C-8FC3-A9811774CF09}"/>
+              </a:ext>
+            </a:extLst>
+          </p:cNvPr>
+          <p:cNvSpPr>
+            <a:spLocks noGrp="1"/>
+          </p:cNvSpPr>
+          <p:nvPr>
+            <p:ph type="sldNum" sz="quarter" idx="12"/>
+          </p:nvPr>
+        </p:nvSpPr>
+        <p:spPr/>
+        <p:txBody>
+          <a:bodyPr/>
+          <a:lstStyle/>
+          <a:p>
+            <a:fld id="{D57F1E4F-1CFF-5643-939E-217C01CDF565}" type="slidenum">
+              <a:rPr lang="en-US" smtClean="0"/>
+              <a:pPr/>
+              <a:t>2</a:t>
+            </a:fld>
+            <a:endParaRPr lang="en-US" dirty="0"/>
+          </a:p>
+        </p:txBody>
+      </p:sp>
     </p:spTree>
     <p:extLst>
       <p:ext uri="{BB962C8B-B14F-4D97-AF65-F5344CB8AC3E}">
@@ -9449,6 +9904,36 @@
               <a:t>*- Provisioning, Configuration management, and Application-deployment</a:t>
             </a:r>
             <a:endParaRPr lang="ru-RU" sz="1200" dirty="0"/>
+          </a:p>
+        </p:txBody>
+      </p:sp>
+      <p:sp>
+        <p:nvSpPr>
+          <p:cNvPr id="7" name="Slide Number Placeholder 6">
+            <a:extLst>
+              <a:ext uri="{FF2B5EF4-FFF2-40B4-BE49-F238E27FC236}">
+                <a16:creationId xmlns:a16="http://schemas.microsoft.com/office/drawing/2014/main" id="{D67A496D-6D3C-460D-B7F5-06065A4365CE}"/>
+              </a:ext>
+            </a:extLst>
+          </p:cNvPr>
+          <p:cNvSpPr>
+            <a:spLocks noGrp="1"/>
+          </p:cNvSpPr>
+          <p:nvPr>
+            <p:ph type="sldNum" sz="quarter" idx="12"/>
+          </p:nvPr>
+        </p:nvSpPr>
+        <p:spPr/>
+        <p:txBody>
+          <a:bodyPr/>
+          <a:lstStyle/>
+          <a:p>
+            <a:fld id="{D57F1E4F-1CFF-5643-939E-217C01CDF565}" type="slidenum">
+              <a:rPr lang="en-US" smtClean="0"/>
+              <a:pPr/>
+              <a:t>3</a:t>
+            </a:fld>
+            <a:endParaRPr lang="en-US" dirty="0"/>
           </a:p>
         </p:txBody>
       </p:sp>
@@ -10494,7 +10979,7 @@
         </p:blipFill>
         <p:spPr>
           <a:xfrm>
-            <a:off x="0" y="0"/>
+            <a:off x="2796" y="0"/>
             <a:ext cx="12192000" cy="6858000"/>
           </a:xfrm>
           <a:prstGeom prst="rect">
@@ -10535,6 +11020,40 @@
               <a:t>Project Structure </a:t>
             </a:r>
             <a:endParaRPr lang="ru-RU" sz="3200" b="1" dirty="0"/>
+          </a:p>
+        </p:txBody>
+      </p:sp>
+      <p:sp>
+        <p:nvSpPr>
+          <p:cNvPr id="2" name="Slide Number Placeholder 1">
+            <a:extLst>
+              <a:ext uri="{FF2B5EF4-FFF2-40B4-BE49-F238E27FC236}">
+                <a16:creationId xmlns:a16="http://schemas.microsoft.com/office/drawing/2014/main" id="{C11B44C3-47BF-429A-91B3-0FCC95CAB9B3}"/>
+              </a:ext>
+            </a:extLst>
+          </p:cNvPr>
+          <p:cNvSpPr>
+            <a:spLocks noGrp="1"/>
+          </p:cNvSpPr>
+          <p:nvPr>
+            <p:ph type="sldNum" sz="quarter" idx="12"/>
+          </p:nvPr>
+        </p:nvSpPr>
+        <p:spPr>
+          <a:xfrm>
+            <a:off x="11337575" y="6007031"/>
+            <a:ext cx="551167" cy="373310"/>
+          </a:xfrm>
+        </p:spPr>
+        <p:txBody>
+          <a:bodyPr/>
+          <a:lstStyle/>
+          <a:p>
+            <a:r>
+              <a:rPr lang="ru-RU" dirty="0"/>
+              <a:t>3</a:t>
+            </a:r>
+            <a:endParaRPr lang="en-US" dirty="0"/>
           </a:p>
         </p:txBody>
       </p:sp>
@@ -11190,6 +11709,36 @@
           </a:prstGeom>
         </p:spPr>
       </p:pic>
+      <p:sp>
+        <p:nvSpPr>
+          <p:cNvPr id="4" name="Slide Number Placeholder 3">
+            <a:extLst>
+              <a:ext uri="{FF2B5EF4-FFF2-40B4-BE49-F238E27FC236}">
+                <a16:creationId xmlns:a16="http://schemas.microsoft.com/office/drawing/2014/main" id="{3D389ED4-D9AD-44F5-99B5-794B9167E6C9}"/>
+              </a:ext>
+            </a:extLst>
+          </p:cNvPr>
+          <p:cNvSpPr>
+            <a:spLocks noGrp="1"/>
+          </p:cNvSpPr>
+          <p:nvPr>
+            <p:ph type="sldNum" sz="quarter" idx="12"/>
+          </p:nvPr>
+        </p:nvSpPr>
+        <p:spPr/>
+        <p:txBody>
+          <a:bodyPr/>
+          <a:lstStyle/>
+          <a:p>
+            <a:fld id="{D57F1E4F-1CFF-5643-939E-217C01CDF565}" type="slidenum">
+              <a:rPr lang="en-US" smtClean="0"/>
+              <a:pPr/>
+              <a:t>5</a:t>
+            </a:fld>
+            <a:endParaRPr lang="en-US" dirty="0"/>
+          </a:p>
+        </p:txBody>
+      </p:sp>
     </p:spTree>
     <p:extLst>
       <p:ext uri="{BB962C8B-B14F-4D97-AF65-F5344CB8AC3E}">
@@ -12474,6 +13023,36 @@
           </a:effectLst>
         </p:spPr>
       </p:pic>
+      <p:sp>
+        <p:nvSpPr>
+          <p:cNvPr id="3" name="Slide Number Placeholder 2">
+            <a:extLst>
+              <a:ext uri="{FF2B5EF4-FFF2-40B4-BE49-F238E27FC236}">
+                <a16:creationId xmlns:a16="http://schemas.microsoft.com/office/drawing/2014/main" id="{8A34F6E6-BAE6-4203-955F-99A2CE7694EE}"/>
+              </a:ext>
+            </a:extLst>
+          </p:cNvPr>
+          <p:cNvSpPr>
+            <a:spLocks noGrp="1"/>
+          </p:cNvSpPr>
+          <p:nvPr>
+            <p:ph type="sldNum" sz="quarter" idx="12"/>
+          </p:nvPr>
+        </p:nvSpPr>
+        <p:spPr/>
+        <p:txBody>
+          <a:bodyPr/>
+          <a:lstStyle/>
+          <a:p>
+            <a:fld id="{D57F1E4F-1CFF-5643-939E-217C01CDF565}" type="slidenum">
+              <a:rPr lang="en-US" smtClean="0"/>
+              <a:pPr/>
+              <a:t>6</a:t>
+            </a:fld>
+            <a:endParaRPr lang="en-US" dirty="0"/>
+          </a:p>
+        </p:txBody>
+      </p:sp>
     </p:spTree>
     <p:extLst>
       <p:ext uri="{BB962C8B-B14F-4D97-AF65-F5344CB8AC3E}">
@@ -12857,6 +13436,36 @@
               <a:t>If necessary, I also have a playbook for Jenkins-Node, which can be used to raise additional nodes without problems on which some work will be performed.</a:t>
             </a:r>
             <a:endParaRPr lang="ru-RU" sz="2400" dirty="0"/>
+          </a:p>
+        </p:txBody>
+      </p:sp>
+      <p:sp>
+        <p:nvSpPr>
+          <p:cNvPr id="5" name="Slide Number Placeholder 4">
+            <a:extLst>
+              <a:ext uri="{FF2B5EF4-FFF2-40B4-BE49-F238E27FC236}">
+                <a16:creationId xmlns:a16="http://schemas.microsoft.com/office/drawing/2014/main" id="{9F697123-CAEA-45F1-9EAE-59394F90BF3E}"/>
+              </a:ext>
+            </a:extLst>
+          </p:cNvPr>
+          <p:cNvSpPr>
+            <a:spLocks noGrp="1"/>
+          </p:cNvSpPr>
+          <p:nvPr>
+            <p:ph type="sldNum" sz="quarter" idx="12"/>
+          </p:nvPr>
+        </p:nvSpPr>
+        <p:spPr/>
+        <p:txBody>
+          <a:bodyPr/>
+          <a:lstStyle/>
+          <a:p>
+            <a:fld id="{D57F1E4F-1CFF-5643-939E-217C01CDF565}" type="slidenum">
+              <a:rPr lang="en-US" smtClean="0"/>
+              <a:pPr/>
+              <a:t>7</a:t>
+            </a:fld>
+            <a:endParaRPr lang="en-US" dirty="0"/>
           </a:p>
         </p:txBody>
       </p:sp>
@@ -13565,6 +14174,36 @@
               <a:t>and some piece of patience.</a:t>
             </a:r>
             <a:endParaRPr lang="ru-RU" sz="1100" dirty="0"/>
+          </a:p>
+        </p:txBody>
+      </p:sp>
+      <p:sp>
+        <p:nvSpPr>
+          <p:cNvPr id="8" name="Slide Number Placeholder 7">
+            <a:extLst>
+              <a:ext uri="{FF2B5EF4-FFF2-40B4-BE49-F238E27FC236}">
+                <a16:creationId xmlns:a16="http://schemas.microsoft.com/office/drawing/2014/main" id="{1611FD96-364E-4C79-8CDA-8939F04C4F7F}"/>
+              </a:ext>
+            </a:extLst>
+          </p:cNvPr>
+          <p:cNvSpPr>
+            <a:spLocks noGrp="1"/>
+          </p:cNvSpPr>
+          <p:nvPr>
+            <p:ph type="sldNum" sz="quarter" idx="12"/>
+          </p:nvPr>
+        </p:nvSpPr>
+        <p:spPr/>
+        <p:txBody>
+          <a:bodyPr/>
+          <a:lstStyle/>
+          <a:p>
+            <a:fld id="{D57F1E4F-1CFF-5643-939E-217C01CDF565}" type="slidenum">
+              <a:rPr lang="en-US" smtClean="0"/>
+              <a:pPr/>
+              <a:t>8</a:t>
+            </a:fld>
+            <a:endParaRPr lang="en-US" dirty="0"/>
           </a:p>
         </p:txBody>
       </p:sp>
@@ -14430,6 +15069,36 @@
           </a:prstGeom>
         </p:spPr>
       </p:pic>
+      <p:sp>
+        <p:nvSpPr>
+          <p:cNvPr id="8" name="Slide Number Placeholder 7">
+            <a:extLst>
+              <a:ext uri="{FF2B5EF4-FFF2-40B4-BE49-F238E27FC236}">
+                <a16:creationId xmlns:a16="http://schemas.microsoft.com/office/drawing/2014/main" id="{262B1016-D869-4377-B4E5-880B581F292B}"/>
+              </a:ext>
+            </a:extLst>
+          </p:cNvPr>
+          <p:cNvSpPr>
+            <a:spLocks noGrp="1"/>
+          </p:cNvSpPr>
+          <p:nvPr>
+            <p:ph type="sldNum" sz="quarter" idx="12"/>
+          </p:nvPr>
+        </p:nvSpPr>
+        <p:spPr/>
+        <p:txBody>
+          <a:bodyPr/>
+          <a:lstStyle/>
+          <a:p>
+            <a:fld id="{D57F1E4F-1CFF-5643-939E-217C01CDF565}" type="slidenum">
+              <a:rPr lang="en-US" smtClean="0"/>
+              <a:pPr/>
+              <a:t>9</a:t>
+            </a:fld>
+            <a:endParaRPr lang="en-US" dirty="0"/>
+          </a:p>
+        </p:txBody>
+      </p:sp>
     </p:spTree>
     <p:extLst>
       <p:ext uri="{BB962C8B-B14F-4D97-AF65-F5344CB8AC3E}">
@@ -15237,4 +15906,299 @@
     </a:ext>
   </a:extLst>
 </a:theme>
+</file>
+
+<file path=ppt/theme/theme2.xml><?xml version="1.0" encoding="utf-8"?>
+<a:theme xmlns:a="http://schemas.openxmlformats.org/drawingml/2006/main" name="Office Theme">
+  <a:themeElements>
+    <a:clrScheme name="Office">
+      <a:dk1>
+        <a:sysClr val="windowText" lastClr="000000"/>
+      </a:dk1>
+      <a:lt1>
+        <a:sysClr val="window" lastClr="FFFFFF"/>
+      </a:lt1>
+      <a:dk2>
+        <a:srgbClr val="44546A"/>
+      </a:dk2>
+      <a:lt2>
+        <a:srgbClr val="E7E6E6"/>
+      </a:lt2>
+      <a:accent1>
+        <a:srgbClr val="4472C4"/>
+      </a:accent1>
+      <a:accent2>
+        <a:srgbClr val="ED7D31"/>
+      </a:accent2>
+      <a:accent3>
+        <a:srgbClr val="A5A5A5"/>
+      </a:accent3>
+      <a:accent4>
+        <a:srgbClr val="FFC000"/>
+      </a:accent4>
+      <a:accent5>
+        <a:srgbClr val="5B9BD5"/>
+      </a:accent5>
+      <a:accent6>
+        <a:srgbClr val="70AD47"/>
+      </a:accent6>
+      <a:hlink>
+        <a:srgbClr val="0563C1"/>
+      </a:hlink>
+      <a:folHlink>
+        <a:srgbClr val="954F72"/>
+      </a:folHlink>
+    </a:clrScheme>
+    <a:fontScheme name="Office">
+      <a:majorFont>
+        <a:latin typeface="Calibri Light" panose="020F0302020204030204"/>
+        <a:ea typeface=""/>
+        <a:cs typeface=""/>
+        <a:font script="Jpan" typeface="游ゴシック Light"/>
+        <a:font script="Hang" typeface="맑은 고딕"/>
+        <a:font script="Hans" typeface="等线 Light"/>
+        <a:font script="Hant" typeface="新細明體"/>
+        <a:font script="Arab" typeface="Times New Roman"/>
+        <a:font script="Hebr" typeface="Times New Roman"/>
+        <a:font script="Thai" typeface="Angsana New"/>
+        <a:font script="Ethi" typeface="Nyala"/>
+        <a:font script="Beng" typeface="Vrinda"/>
+        <a:font script="Gujr" typeface="Shruti"/>
+        <a:font script="Khmr" typeface="MoolBoran"/>
+        <a:font script="Knda" typeface="Tunga"/>
+        <a:font script="Guru" typeface="Raavi"/>
+        <a:font script="Cans" typeface="Euphemia"/>
+        <a:font script="Cher" typeface="Plantagenet Cherokee"/>
+        <a:font script="Yiii" typeface="Microsoft Yi Baiti"/>
+        <a:font script="Tibt" typeface="Microsoft Himalaya"/>
+        <a:font script="Thaa" typeface="MV Boli"/>
+        <a:font script="Deva" typeface="Mangal"/>
+        <a:font script="Telu" typeface="Gautami"/>
+        <a:font script="Taml" typeface="Latha"/>
+        <a:font script="Syrc" typeface="Estrangelo Edessa"/>
+        <a:font script="Orya" typeface="Kalinga"/>
+        <a:font script="Mlym" typeface="Kartika"/>
+        <a:font script="Laoo" typeface="DokChampa"/>
+        <a:font script="Sinh" typeface="Iskoola Pota"/>
+        <a:font script="Mong" typeface="Mongolian Baiti"/>
+        <a:font script="Viet" typeface="Times New Roman"/>
+        <a:font script="Uigh" typeface="Microsoft Uighur"/>
+        <a:font script="Geor" typeface="Sylfaen"/>
+        <a:font script="Armn" typeface="Arial"/>
+        <a:font script="Bugi" typeface="Leelawadee UI"/>
+        <a:font script="Bopo" typeface="Microsoft JhengHei"/>
+        <a:font script="Java" typeface="Javanese Text"/>
+        <a:font script="Lisu" typeface="Segoe UI"/>
+        <a:font script="Mymr" typeface="Myanmar Text"/>
+        <a:font script="Nkoo" typeface="Ebrima"/>
+        <a:font script="Olck" typeface="Nirmala UI"/>
+        <a:font script="Osma" typeface="Ebrima"/>
+        <a:font script="Phag" typeface="Phagspa"/>
+        <a:font script="Syrn" typeface="Estrangelo Edessa"/>
+        <a:font script="Syrj" typeface="Estrangelo Edessa"/>
+        <a:font script="Syre" typeface="Estrangelo Edessa"/>
+        <a:font script="Sora" typeface="Nirmala UI"/>
+        <a:font script="Tale" typeface="Microsoft Tai Le"/>
+        <a:font script="Talu" typeface="Microsoft New Tai Lue"/>
+        <a:font script="Tfng" typeface="Ebrima"/>
+      </a:majorFont>
+      <a:minorFont>
+        <a:latin typeface="Calibri" panose="020F0502020204030204"/>
+        <a:ea typeface=""/>
+        <a:cs typeface=""/>
+        <a:font script="Jpan" typeface="游ゴシック"/>
+        <a:font script="Hang" typeface="맑은 고딕"/>
+        <a:font script="Hans" typeface="等线"/>
+        <a:font script="Hant" typeface="新細明體"/>
+        <a:font script="Arab" typeface="Arial"/>
+        <a:font script="Hebr" typeface="Arial"/>
+        <a:font script="Thai" typeface="Cordia New"/>
+        <a:font script="Ethi" typeface="Nyala"/>
+        <a:font script="Beng" typeface="Vrinda"/>
+        <a:font script="Gujr" typeface="Shruti"/>
+        <a:font script="Khmr" typeface="DaunPenh"/>
+        <a:font script="Knda" typeface="Tunga"/>
+        <a:font script="Guru" typeface="Raavi"/>
+        <a:font script="Cans" typeface="Euphemia"/>
+        <a:font script="Cher" typeface="Plantagenet Cherokee"/>
+        <a:font script="Yiii" typeface="Microsoft Yi Baiti"/>
+        <a:font script="Tibt" typeface="Microsoft Himalaya"/>
+        <a:font script="Thaa" typeface="MV Boli"/>
+        <a:font script="Deva" typeface="Mangal"/>
+        <a:font script="Telu" typeface="Gautami"/>
+        <a:font script="Taml" typeface="Latha"/>
+        <a:font script="Syrc" typeface="Estrangelo Edessa"/>
+        <a:font script="Orya" typeface="Kalinga"/>
+        <a:font script="Mlym" typeface="Kartika"/>
+        <a:font script="Laoo" typeface="DokChampa"/>
+        <a:font script="Sinh" typeface="Iskoola Pota"/>
+        <a:font script="Mong" typeface="Mongolian Baiti"/>
+        <a:font script="Viet" typeface="Arial"/>
+        <a:font script="Uigh" typeface="Microsoft Uighur"/>
+        <a:font script="Geor" typeface="Sylfaen"/>
+        <a:font script="Armn" typeface="Arial"/>
+        <a:font script="Bugi" typeface="Leelawadee UI"/>
+        <a:font script="Bopo" typeface="Microsoft JhengHei"/>
+        <a:font script="Java" typeface="Javanese Text"/>
+        <a:font script="Lisu" typeface="Segoe UI"/>
+        <a:font script="Mymr" typeface="Myanmar Text"/>
+        <a:font script="Nkoo" typeface="Ebrima"/>
+        <a:font script="Olck" typeface="Nirmala UI"/>
+        <a:font script="Osma" typeface="Ebrima"/>
+        <a:font script="Phag" typeface="Phagspa"/>
+        <a:font script="Syrn" typeface="Estrangelo Edessa"/>
+        <a:font script="Syrj" typeface="Estrangelo Edessa"/>
+        <a:font script="Syre" typeface="Estrangelo Edessa"/>
+        <a:font script="Sora" typeface="Nirmala UI"/>
+        <a:font script="Tale" typeface="Microsoft Tai Le"/>
+        <a:font script="Talu" typeface="Microsoft New Tai Lue"/>
+        <a:font script="Tfng" typeface="Ebrima"/>
+      </a:minorFont>
+    </a:fontScheme>
+    <a:fmtScheme name="Office">
+      <a:fillStyleLst>
+        <a:solidFill>
+          <a:schemeClr val="phClr"/>
+        </a:solidFill>
+        <a:gradFill rotWithShape="1">
+          <a:gsLst>
+            <a:gs pos="0">
+              <a:schemeClr val="phClr">
+                <a:lumMod val="110000"/>
+                <a:satMod val="105000"/>
+                <a:tint val="67000"/>
+              </a:schemeClr>
+            </a:gs>
+            <a:gs pos="50000">
+              <a:schemeClr val="phClr">
+                <a:lumMod val="105000"/>
+                <a:satMod val="103000"/>
+                <a:tint val="73000"/>
+              </a:schemeClr>
+            </a:gs>
+            <a:gs pos="100000">
+              <a:schemeClr val="phClr">
+                <a:lumMod val="105000"/>
+                <a:satMod val="109000"/>
+                <a:tint val="81000"/>
+              </a:schemeClr>
+            </a:gs>
+          </a:gsLst>
+          <a:lin ang="5400000" scaled="0"/>
+        </a:gradFill>
+        <a:gradFill rotWithShape="1">
+          <a:gsLst>
+            <a:gs pos="0">
+              <a:schemeClr val="phClr">
+                <a:satMod val="103000"/>
+                <a:lumMod val="102000"/>
+                <a:tint val="94000"/>
+              </a:schemeClr>
+            </a:gs>
+            <a:gs pos="50000">
+              <a:schemeClr val="phClr">
+                <a:satMod val="110000"/>
+                <a:lumMod val="100000"/>
+                <a:shade val="100000"/>
+              </a:schemeClr>
+            </a:gs>
+            <a:gs pos="100000">
+              <a:schemeClr val="phClr">
+                <a:lumMod val="99000"/>
+                <a:satMod val="120000"/>
+                <a:shade val="78000"/>
+              </a:schemeClr>
+            </a:gs>
+          </a:gsLst>
+          <a:lin ang="5400000" scaled="0"/>
+        </a:gradFill>
+      </a:fillStyleLst>
+      <a:lnStyleLst>
+        <a:ln w="6350" cap="flat" cmpd="sng" algn="ctr">
+          <a:solidFill>
+            <a:schemeClr val="phClr"/>
+          </a:solidFill>
+          <a:prstDash val="solid"/>
+          <a:miter lim="800000"/>
+        </a:ln>
+        <a:ln w="12700" cap="flat" cmpd="sng" algn="ctr">
+          <a:solidFill>
+            <a:schemeClr val="phClr"/>
+          </a:solidFill>
+          <a:prstDash val="solid"/>
+          <a:miter lim="800000"/>
+        </a:ln>
+        <a:ln w="19050" cap="flat" cmpd="sng" algn="ctr">
+          <a:solidFill>
+            <a:schemeClr val="phClr"/>
+          </a:solidFill>
+          <a:prstDash val="solid"/>
+          <a:miter lim="800000"/>
+        </a:ln>
+      </a:lnStyleLst>
+      <a:effectStyleLst>
+        <a:effectStyle>
+          <a:effectLst/>
+        </a:effectStyle>
+        <a:effectStyle>
+          <a:effectLst/>
+        </a:effectStyle>
+        <a:effectStyle>
+          <a:effectLst>
+            <a:outerShdw blurRad="57150" dist="19050" dir="5400000" algn="ctr" rotWithShape="0">
+              <a:srgbClr val="000000">
+                <a:alpha val="63000"/>
+              </a:srgbClr>
+            </a:outerShdw>
+          </a:effectLst>
+        </a:effectStyle>
+      </a:effectStyleLst>
+      <a:bgFillStyleLst>
+        <a:solidFill>
+          <a:schemeClr val="phClr"/>
+        </a:solidFill>
+        <a:solidFill>
+          <a:schemeClr val="phClr">
+            <a:tint val="95000"/>
+            <a:satMod val="170000"/>
+          </a:schemeClr>
+        </a:solidFill>
+        <a:gradFill rotWithShape="1">
+          <a:gsLst>
+            <a:gs pos="0">
+              <a:schemeClr val="phClr">
+                <a:tint val="93000"/>
+                <a:satMod val="150000"/>
+                <a:shade val="98000"/>
+                <a:lumMod val="102000"/>
+              </a:schemeClr>
+            </a:gs>
+            <a:gs pos="50000">
+              <a:schemeClr val="phClr">
+                <a:tint val="98000"/>
+                <a:satMod val="130000"/>
+                <a:shade val="90000"/>
+                <a:lumMod val="103000"/>
+              </a:schemeClr>
+            </a:gs>
+            <a:gs pos="100000">
+              <a:schemeClr val="phClr">
+                <a:shade val="63000"/>
+                <a:satMod val="120000"/>
+              </a:schemeClr>
+            </a:gs>
+          </a:gsLst>
+          <a:lin ang="5400000" scaled="0"/>
+        </a:gradFill>
+      </a:bgFillStyleLst>
+    </a:fmtScheme>
+  </a:themeElements>
+  <a:objectDefaults/>
+  <a:extraClrSchemeLst/>
+  <a:extLst>
+    <a:ext uri="{05A4C25C-085E-4340-85A3-A5531E510DB2}">
+      <thm15:themeFamily xmlns:thm15="http://schemas.microsoft.com/office/thememl/2012/main" name="Office Theme" id="{62F939B6-93AF-4DB8-9C6B-D6C7DFDC589F}" vid="{4A3C46E8-61CC-4603-A589-7422A47A8E4A}"/>
+    </a:ext>
+  </a:extLst>
+</a:theme>
 </file>
--- a/Presentation and CV/DevOps - Rakivnenko D.N. - EPAM.pptx
+++ b/Presentation and CV/DevOps - Rakivnenko D.N. - EPAM.pptx
@@ -6,14 +6,14 @@
   </p:sldMasterIdLst>
   <p:sldIdLst>
     <p:sldId id="256" r:id="rId2"/>
-    <p:sldId id="258" r:id="rId3"/>
-    <p:sldId id="257" r:id="rId4"/>
-    <p:sldId id="259" r:id="rId5"/>
-    <p:sldId id="260" r:id="rId6"/>
-    <p:sldId id="261" r:id="rId7"/>
-    <p:sldId id="262" r:id="rId8"/>
-    <p:sldId id="263" r:id="rId9"/>
-    <p:sldId id="264" r:id="rId10"/>
+    <p:sldId id="257" r:id="rId3"/>
+    <p:sldId id="269" r:id="rId4"/>
+    <p:sldId id="270" r:id="rId5"/>
+    <p:sldId id="268" r:id="rId6"/>
+    <p:sldId id="262" r:id="rId7"/>
+    <p:sldId id="263" r:id="rId8"/>
+    <p:sldId id="264" r:id="rId9"/>
+    <p:sldId id="271" r:id="rId10"/>
     <p:sldId id="265" r:id="rId11"/>
     <p:sldId id="266" r:id="rId12"/>
     <p:sldId id="267" r:id="rId13"/>
@@ -626,7 +626,7 @@
             <a:fld id="{B61BEF0D-F0BB-DE4B-95CE-6DB70DBA9567}" type="datetimeFigureOut">
               <a:rPr lang="en-US" dirty="0"/>
               <a:pPr/>
-              <a:t>11/5/2019</a:t>
+              <a:t>11/12/2019</a:t>
             </a:fld>
             <a:endParaRPr lang="en-US" dirty="0"/>
           </a:p>
@@ -919,7 +919,7 @@
             <a:fld id="{B61BEF0D-F0BB-DE4B-95CE-6DB70DBA9567}" type="datetimeFigureOut">
               <a:rPr lang="en-US" dirty="0"/>
               <a:pPr/>
-              <a:t>11/5/2019</a:t>
+              <a:t>11/12/2019</a:t>
             </a:fld>
             <a:endParaRPr lang="en-US" dirty="0"/>
           </a:p>
@@ -1164,7 +1164,7 @@
             <a:fld id="{B61BEF0D-F0BB-DE4B-95CE-6DB70DBA9567}" type="datetimeFigureOut">
               <a:rPr lang="en-US" dirty="0"/>
               <a:pPr/>
-              <a:t>11/5/2019</a:t>
+              <a:t>11/12/2019</a:t>
             </a:fld>
             <a:endParaRPr lang="en-US" dirty="0"/>
           </a:p>
@@ -1701,7 +1701,7 @@
             <a:fld id="{B61BEF0D-F0BB-DE4B-95CE-6DB70DBA9567}" type="datetimeFigureOut">
               <a:rPr lang="en-US" dirty="0"/>
               <a:pPr/>
-              <a:t>11/5/2019</a:t>
+              <a:t>11/12/2019</a:t>
             </a:fld>
             <a:endParaRPr lang="en-US" dirty="0"/>
           </a:p>
@@ -1946,7 +1946,7 @@
             <a:fld id="{B61BEF0D-F0BB-DE4B-95CE-6DB70DBA9567}" type="datetimeFigureOut">
               <a:rPr lang="en-US" dirty="0"/>
               <a:pPr/>
-              <a:t>11/5/2019</a:t>
+              <a:t>11/12/2019</a:t>
             </a:fld>
             <a:endParaRPr lang="en-US" dirty="0"/>
           </a:p>
@@ -2475,7 +2475,7 @@
             <a:fld id="{B61BEF0D-F0BB-DE4B-95CE-6DB70DBA9567}" type="datetimeFigureOut">
               <a:rPr lang="en-US" dirty="0"/>
               <a:pPr/>
-              <a:t>11/5/2019</a:t>
+              <a:t>11/12/2019</a:t>
             </a:fld>
             <a:endParaRPr lang="en-US" dirty="0"/>
           </a:p>
@@ -2769,7 +2769,7 @@
             <a:fld id="{B61BEF0D-F0BB-DE4B-95CE-6DB70DBA9567}" type="datetimeFigureOut">
               <a:rPr lang="en-US" dirty="0"/>
               <a:pPr/>
-              <a:t>11/5/2019</a:t>
+              <a:t>11/12/2019</a:t>
             </a:fld>
             <a:endParaRPr lang="en-US" dirty="0"/>
           </a:p>
@@ -2940,7 +2940,7 @@
             <a:fld id="{B61BEF0D-F0BB-DE4B-95CE-6DB70DBA9567}" type="datetimeFigureOut">
               <a:rPr lang="en-US" dirty="0"/>
               <a:pPr/>
-              <a:t>11/5/2019</a:t>
+              <a:t>11/12/2019</a:t>
             </a:fld>
             <a:endParaRPr lang="en-US" dirty="0"/>
           </a:p>
@@ -3117,7 +3117,7 @@
             <a:fld id="{B61BEF0D-F0BB-DE4B-95CE-6DB70DBA9567}" type="datetimeFigureOut">
               <a:rPr lang="en-US" dirty="0"/>
               <a:pPr/>
-              <a:t>11/5/2019</a:t>
+              <a:t>11/12/2019</a:t>
             </a:fld>
             <a:endParaRPr lang="en-US" dirty="0"/>
           </a:p>
@@ -3284,7 +3284,7 @@
             <a:fld id="{B61BEF0D-F0BB-DE4B-95CE-6DB70DBA9567}" type="datetimeFigureOut">
               <a:rPr lang="en-US" dirty="0"/>
               <a:pPr/>
-              <a:t>11/5/2019</a:t>
+              <a:t>11/12/2019</a:t>
             </a:fld>
             <a:endParaRPr lang="en-US" dirty="0"/>
           </a:p>
@@ -3532,7 +3532,7 @@
             <a:fld id="{B61BEF0D-F0BB-DE4B-95CE-6DB70DBA9567}" type="datetimeFigureOut">
               <a:rPr lang="en-US" dirty="0"/>
               <a:pPr/>
-              <a:t>11/5/2019</a:t>
+              <a:t>11/12/2019</a:t>
             </a:fld>
             <a:endParaRPr lang="en-US" dirty="0"/>
           </a:p>
@@ -3826,7 +3826,7 @@
             <a:fld id="{B61BEF0D-F0BB-DE4B-95CE-6DB70DBA9567}" type="datetimeFigureOut">
               <a:rPr lang="en-US" dirty="0"/>
               <a:pPr/>
-              <a:t>11/5/2019</a:t>
+              <a:t>11/12/2019</a:t>
             </a:fld>
             <a:endParaRPr lang="en-US" dirty="0"/>
           </a:p>
@@ -4265,7 +4265,7 @@
             <a:fld id="{B61BEF0D-F0BB-DE4B-95CE-6DB70DBA9567}" type="datetimeFigureOut">
               <a:rPr lang="en-US" dirty="0"/>
               <a:pPr/>
-              <a:t>11/5/2019</a:t>
+              <a:t>11/12/2019</a:t>
             </a:fld>
             <a:endParaRPr lang="en-US" dirty="0"/>
           </a:p>
@@ -4380,7 +4380,7 @@
             <a:fld id="{B61BEF0D-F0BB-DE4B-95CE-6DB70DBA9567}" type="datetimeFigureOut">
               <a:rPr lang="en-US" dirty="0"/>
               <a:pPr/>
-              <a:t>11/5/2019</a:t>
+              <a:t>11/12/2019</a:t>
             </a:fld>
             <a:endParaRPr lang="en-US" dirty="0"/>
           </a:p>
@@ -4472,7 +4472,7 @@
             <a:fld id="{B61BEF0D-F0BB-DE4B-95CE-6DB70DBA9567}" type="datetimeFigureOut">
               <a:rPr lang="en-US" dirty="0"/>
               <a:pPr/>
-              <a:t>11/5/2019</a:t>
+              <a:t>11/12/2019</a:t>
             </a:fld>
             <a:endParaRPr lang="en-US" dirty="0"/>
           </a:p>
@@ -4752,7 +4752,7 @@
             <a:fld id="{B61BEF0D-F0BB-DE4B-95CE-6DB70DBA9567}" type="datetimeFigureOut">
               <a:rPr lang="en-US" dirty="0"/>
               <a:pPr/>
-              <a:t>11/5/2019</a:t>
+              <a:t>11/12/2019</a:t>
             </a:fld>
             <a:endParaRPr lang="en-US" dirty="0"/>
           </a:p>
@@ -5040,7 +5040,7 @@
             <a:fld id="{B61BEF0D-F0BB-DE4B-95CE-6DB70DBA9567}" type="datetimeFigureOut">
               <a:rPr lang="en-US" dirty="0"/>
               <a:pPr/>
-              <a:t>11/5/2019</a:t>
+              <a:t>11/12/2019</a:t>
             </a:fld>
             <a:endParaRPr lang="en-US" dirty="0"/>
           </a:p>
@@ -5567,7 +5567,7 @@
             <a:fld id="{B61BEF0D-F0BB-DE4B-95CE-6DB70DBA9567}" type="datetimeFigureOut">
               <a:rPr lang="en-US" dirty="0"/>
               <a:pPr/>
-              <a:t>11/5/2019</a:t>
+              <a:t>11/12/2019</a:t>
             </a:fld>
             <a:endParaRPr lang="en-US" dirty="0"/>
           </a:p>
@@ -6411,8 +6411,8 @@
         </p:nvSpPr>
         <p:spPr>
           <a:xfrm>
-            <a:off x="1484311" y="1727432"/>
-            <a:ext cx="4983601" cy="3124201"/>
+            <a:off x="1484311" y="1887523"/>
+            <a:ext cx="4983601" cy="2964110"/>
           </a:xfrm>
         </p:spPr>
         <p:txBody>
@@ -7218,8 +7218,8 @@
         </p:nvSpPr>
         <p:spPr>
           <a:xfrm>
-            <a:off x="3772762" y="52105"/>
-            <a:ext cx="4788188" cy="1752599"/>
+            <a:off x="3772762" y="-9803"/>
+            <a:ext cx="4788188" cy="1462959"/>
           </a:xfrm>
         </p:spPr>
         <p:txBody>
@@ -7229,7 +7229,7 @@
           <a:lstStyle/>
           <a:p>
             <a:r>
-              <a:rPr lang="en-US" sz="4800" dirty="0"/>
+              <a:rPr lang="en-US" sz="4800"/>
               <a:t>Build and Deploy.</a:t>
             </a:r>
             <a:endParaRPr lang="ru-RU" sz="4800" dirty="0"/>
@@ -7238,10 +7238,10 @@
       </p:sp>
       <p:pic>
         <p:nvPicPr>
-          <p:cNvPr id="4" name="Picture 3">
+          <p:cNvPr id="3" name="Picture 2">
             <a:extLst>
               <a:ext uri="{FF2B5EF4-FFF2-40B4-BE49-F238E27FC236}">
-                <a16:creationId xmlns:a16="http://schemas.microsoft.com/office/drawing/2014/main" id="{F645B23E-4647-4102-BB12-BB9EC2C48F6E}"/>
+                <a16:creationId xmlns:a16="http://schemas.microsoft.com/office/drawing/2014/main" id="{CF817640-36F1-40D7-8D2A-630BBDD5AF12}"/>
               </a:ext>
             </a:extLst>
           </p:cNvPr>
@@ -7258,45 +7258,20 @@
         </p:blipFill>
         <p:spPr>
           <a:xfrm>
-            <a:off x="586034" y="1987225"/>
-            <a:ext cx="5807963" cy="2366745"/>
+            <a:off x="0" y="1075879"/>
+            <a:ext cx="5626302" cy="3024009"/>
           </a:xfrm>
-          <a:prstGeom prst="roundRect">
-            <a:avLst>
-              <a:gd name="adj" fmla="val 4380"/>
-            </a:avLst>
+          <a:prstGeom prst="rect">
+            <a:avLst/>
           </a:prstGeom>
-          <a:ln w="38100">
-            <a:gradFill flip="none" rotWithShape="1">
-              <a:gsLst>
-                <a:gs pos="0">
-                  <a:schemeClr val="bg2"/>
-                </a:gs>
-                <a:gs pos="100000">
-                  <a:schemeClr val="bg2">
-                    <a:lumMod val="75000"/>
-                  </a:schemeClr>
-                </a:gs>
-              </a:gsLst>
-              <a:lin ang="5400000" scaled="0"/>
-              <a:tileRect/>
-            </a:gradFill>
-          </a:ln>
-          <a:effectLst>
-            <a:innerShdw blurRad="57150" dist="38100" dir="14460000">
-              <a:srgbClr val="000000">
-                <a:alpha val="70000"/>
-              </a:srgbClr>
-            </a:innerShdw>
-          </a:effectLst>
         </p:spPr>
       </p:pic>
       <p:pic>
         <p:nvPicPr>
-          <p:cNvPr id="5" name="Picture 4">
+          <p:cNvPr id="7" name="Picture 6">
             <a:extLst>
               <a:ext uri="{FF2B5EF4-FFF2-40B4-BE49-F238E27FC236}">
-                <a16:creationId xmlns:a16="http://schemas.microsoft.com/office/drawing/2014/main" id="{42B5ED9C-B35E-4DF8-811C-7BF56C3A4E81}"/>
+                <a16:creationId xmlns:a16="http://schemas.microsoft.com/office/drawing/2014/main" id="{B57C34FA-154D-44B2-9FCB-9C151FE54961}"/>
               </a:ext>
             </a:extLst>
           </p:cNvPr>
@@ -7313,37 +7288,12 @@
         </p:blipFill>
         <p:spPr>
           <a:xfrm>
-            <a:off x="509159" y="4673740"/>
-            <a:ext cx="6184918" cy="1329756"/>
+            <a:off x="2452" y="3842414"/>
+            <a:ext cx="6028893" cy="2992407"/>
           </a:xfrm>
-          <a:prstGeom prst="roundRect">
-            <a:avLst>
-              <a:gd name="adj" fmla="val 4380"/>
-            </a:avLst>
+          <a:prstGeom prst="rect">
+            <a:avLst/>
           </a:prstGeom>
-          <a:ln w="38100">
-            <a:gradFill flip="none" rotWithShape="1">
-              <a:gsLst>
-                <a:gs pos="0">
-                  <a:schemeClr val="bg2"/>
-                </a:gs>
-                <a:gs pos="100000">
-                  <a:schemeClr val="bg2">
-                    <a:lumMod val="75000"/>
-                  </a:schemeClr>
-                </a:gs>
-              </a:gsLst>
-              <a:lin ang="5400000" scaled="0"/>
-              <a:tileRect/>
-            </a:gradFill>
-          </a:ln>
-          <a:effectLst>
-            <a:innerShdw blurRad="57150" dist="38100" dir="14460000">
-              <a:srgbClr val="000000">
-                <a:alpha val="70000"/>
-              </a:srgbClr>
-            </a:innerShdw>
-          </a:effectLst>
         </p:spPr>
       </p:pic>
     </p:spTree>
@@ -7421,7 +7371,7 @@
                             </p:stCondLst>
                             <p:childTnLst>
                               <p:par>
-                                <p:cTn id="9" presetID="10" presetClass="entr" presetSubtype="0" fill="hold" nodeType="afterEffect">
+                                <p:cTn id="9" presetID="14" presetClass="entr" presetSubtype="10" fill="hold" nodeType="afterEffect">
                                   <p:stCondLst>
                                     <p:cond delay="0"/>
                                   </p:stCondLst>
@@ -7429,94 +7379,6 @@
                                     <p:set>
                                       <p:cBhvr>
                                         <p:cTn id="10" dur="1" fill="hold">
-                                          <p:stCondLst>
-                                            <p:cond delay="0"/>
-                                          </p:stCondLst>
-                                        </p:cTn>
-                                        <p:tgtEl>
-                                          <p:spTgt spid="4"/>
-                                        </p:tgtEl>
-                                        <p:attrNameLst>
-                                          <p:attrName>style.visibility</p:attrName>
-                                        </p:attrNameLst>
-                                      </p:cBhvr>
-                                      <p:to>
-                                        <p:strVal val="visible"/>
-                                      </p:to>
-                                    </p:set>
-                                    <p:animEffect transition="in" filter="fade">
-                                      <p:cBhvr>
-                                        <p:cTn id="11" dur="500"/>
-                                        <p:tgtEl>
-                                          <p:spTgt spid="4"/>
-                                        </p:tgtEl>
-                                      </p:cBhvr>
-                                    </p:animEffect>
-                                  </p:childTnLst>
-                                </p:cTn>
-                              </p:par>
-                            </p:childTnLst>
-                          </p:cTn>
-                        </p:par>
-                        <p:par>
-                          <p:cTn id="12" fill="hold">
-                            <p:stCondLst>
-                              <p:cond delay="1000"/>
-                            </p:stCondLst>
-                            <p:childTnLst>
-                              <p:par>
-                                <p:cTn id="13" presetID="21" presetClass="entr" presetSubtype="1" fill="hold" nodeType="afterEffect">
-                                  <p:stCondLst>
-                                    <p:cond delay="0"/>
-                                  </p:stCondLst>
-                                  <p:childTnLst>
-                                    <p:set>
-                                      <p:cBhvr>
-                                        <p:cTn id="14" dur="1" fill="hold">
-                                          <p:stCondLst>
-                                            <p:cond delay="0"/>
-                                          </p:stCondLst>
-                                        </p:cTn>
-                                        <p:tgtEl>
-                                          <p:spTgt spid="5"/>
-                                        </p:tgtEl>
-                                        <p:attrNameLst>
-                                          <p:attrName>style.visibility</p:attrName>
-                                        </p:attrNameLst>
-                                      </p:cBhvr>
-                                      <p:to>
-                                        <p:strVal val="visible"/>
-                                      </p:to>
-                                    </p:set>
-                                    <p:animEffect transition="in" filter="wheel(1)">
-                                      <p:cBhvr>
-                                        <p:cTn id="15" dur="1000"/>
-                                        <p:tgtEl>
-                                          <p:spTgt spid="5"/>
-                                        </p:tgtEl>
-                                      </p:cBhvr>
-                                    </p:animEffect>
-                                  </p:childTnLst>
-                                </p:cTn>
-                              </p:par>
-                            </p:childTnLst>
-                          </p:cTn>
-                        </p:par>
-                        <p:par>
-                          <p:cTn id="16" fill="hold">
-                            <p:stCondLst>
-                              <p:cond delay="2000"/>
-                            </p:stCondLst>
-                            <p:childTnLst>
-                              <p:par>
-                                <p:cTn id="17" presetID="14" presetClass="entr" presetSubtype="10" fill="hold" nodeType="afterEffect">
-                                  <p:stCondLst>
-                                    <p:cond delay="0"/>
-                                  </p:stCondLst>
-                                  <p:childTnLst>
-                                    <p:set>
-                                      <p:cBhvr>
-                                        <p:cTn id="18" dur="1" fill="hold">
                                           <p:stCondLst>
                                             <p:cond delay="0"/>
                                           </p:stCondLst>
@@ -7534,7 +7396,7 @@
                                     </p:set>
                                     <p:animEffect transition="in" filter="randombar(horizontal)">
                                       <p:cBhvr>
-                                        <p:cTn id="19" dur="1500"/>
+                                        <p:cTn id="11" dur="1500"/>
                                         <p:tgtEl>
                                           <p:spTgt spid="6"/>
                                         </p:tgtEl>
@@ -7691,27 +7553,6 @@
 <file path=ppt/slides/slide2.xml><?xml version="1.0" encoding="utf-8"?>
 <p:sld xmlns:a="http://schemas.openxmlformats.org/drawingml/2006/main" xmlns:r="http://schemas.openxmlformats.org/officeDocument/2006/relationships" xmlns:p="http://schemas.openxmlformats.org/presentationml/2006/main">
   <p:cSld>
-    <p:bg>
-      <p:bgPr>
-        <a:blipFill rotWithShape="1">
-          <a:blip r:embed="rId2">
-            <a:duotone>
-              <a:schemeClr val="bg2">
-                <a:shade val="76000"/>
-                <a:satMod val="180000"/>
-              </a:schemeClr>
-              <a:schemeClr val="bg2">
-                <a:tint val="80000"/>
-                <a:satMod val="120000"/>
-                <a:lumMod val="180000"/>
-              </a:schemeClr>
-            </a:duotone>
-          </a:blip>
-          <a:stretch/>
-        </a:blipFill>
-        <a:effectLst/>
-      </p:bgPr>
-    </p:bg>
     <p:spTree>
       <p:nvGrpSpPr>
         <p:cNvPr id="1" name=""/>
@@ -7726,1163 +7567,6 @@
           <a:chExt cx="0" cy="0"/>
         </a:xfrm>
       </p:grpSpPr>
-      <p:pic>
-        <p:nvPicPr>
-          <p:cNvPr id="9" name="Picture 8">
-            <a:extLst>
-              <a:ext uri="{FF2B5EF4-FFF2-40B4-BE49-F238E27FC236}">
-                <a16:creationId xmlns:a16="http://schemas.microsoft.com/office/drawing/2014/main" id="{22A15B1C-E5D6-4C2F-AD58-02A5DF22E135}"/>
-              </a:ext>
-            </a:extLst>
-          </p:cNvPr>
-          <p:cNvPicPr>
-            <a:picLocks noChangeAspect="1"/>
-          </p:cNvPicPr>
-          <p:nvPr/>
-        </p:nvPicPr>
-        <p:blipFill>
-          <a:blip r:embed="rId3"/>
-          <a:stretch>
-            <a:fillRect/>
-          </a:stretch>
-        </p:blipFill>
-        <p:spPr>
-          <a:xfrm>
-            <a:off x="7090249" y="1078746"/>
-            <a:ext cx="4449525" cy="2218388"/>
-          </a:xfrm>
-          <a:prstGeom prst="rect">
-            <a:avLst/>
-          </a:prstGeom>
-        </p:spPr>
-      </p:pic>
-      <p:grpSp>
-        <p:nvGrpSpPr>
-          <p:cNvPr id="138" name="Group 137">
-            <a:extLst>
-              <a:ext uri="{FF2B5EF4-FFF2-40B4-BE49-F238E27FC236}">
-                <a16:creationId xmlns:a16="http://schemas.microsoft.com/office/drawing/2014/main" id="{08F94D66-27EC-4CB8-8226-D7F41C161863}"/>
-              </a:ext>
-              <a:ext uri="{C183D7F6-B498-43B3-948B-1728B52AA6E4}">
-                <adec:decorative xmlns:adec="http://schemas.microsoft.com/office/drawing/2017/decorative" val="1"/>
-              </a:ext>
-            </a:extLst>
-          </p:cNvPr>
-          <p:cNvGrpSpPr>
-            <a:grpSpLocks noGrp="1" noUngrp="1" noRot="1" noChangeAspect="1" noMove="1" noResize="1"/>
-          </p:cNvGrpSpPr>
-          <p:nvPr>
-            <p:extLst>
-              <p:ext uri="{386F3935-93C4-4BCD-93E2-E3B085C9AB24}">
-                <p16:designElem xmlns:p16="http://schemas.microsoft.com/office/powerpoint/2015/main" val="1"/>
-              </p:ext>
-            </p:extLst>
-          </p:nvPr>
-        </p:nvGrpSpPr>
-        <p:grpSpPr>
-          <a:xfrm>
-            <a:off x="546100" y="-4763"/>
-            <a:ext cx="5014912" cy="6862763"/>
-            <a:chOff x="2928938" y="-4763"/>
-            <a:chExt cx="5014912" cy="6862763"/>
-          </a:xfrm>
-        </p:grpSpPr>
-        <p:sp>
-          <p:nvSpPr>
-            <p:cNvPr id="139" name="Freeform 6">
-              <a:extLst>
-                <a:ext uri="{FF2B5EF4-FFF2-40B4-BE49-F238E27FC236}">
-                  <a16:creationId xmlns:a16="http://schemas.microsoft.com/office/drawing/2014/main" id="{1A53964C-7D93-4C48-A4A6-C4C2C393C59D}"/>
-                </a:ext>
-                <a:ext uri="{C183D7F6-B498-43B3-948B-1728B52AA6E4}">
-                  <adec:decorative xmlns:adec="http://schemas.microsoft.com/office/drawing/2017/decorative" val="1"/>
-                </a:ext>
-              </a:extLst>
-            </p:cNvPr>
-            <p:cNvSpPr/>
-            <p:nvPr>
-              <p:extLst>
-                <p:ext uri="{386F3935-93C4-4BCD-93E2-E3B085C9AB24}">
-                  <p16:designElem xmlns:p16="http://schemas.microsoft.com/office/powerpoint/2015/main" val="1"/>
-                </p:ext>
-              </p:extLst>
-            </p:nvPr>
-          </p:nvSpPr>
-          <p:spPr bwMode="auto">
-            <a:xfrm>
-              <a:off x="3367088" y="-4763"/>
-              <a:ext cx="1063625" cy="2782888"/>
-            </a:xfrm>
-            <a:custGeom>
-              <a:avLst/>
-              <a:gdLst/>
-              <a:ahLst/>
-              <a:cxnLst/>
-              <a:rect l="0" t="0" r="r" b="b"/>
-              <a:pathLst>
-                <a:path w="670" h="1753">
-                  <a:moveTo>
-                    <a:pt x="0" y="1696"/>
-                  </a:moveTo>
-                  <a:lnTo>
-                    <a:pt x="225" y="1753"/>
-                  </a:lnTo>
-                  <a:lnTo>
-                    <a:pt x="670" y="0"/>
-                  </a:lnTo>
-                  <a:lnTo>
-                    <a:pt x="430" y="0"/>
-                  </a:lnTo>
-                  <a:lnTo>
-                    <a:pt x="0" y="1696"/>
-                  </a:lnTo>
-                  <a:close/>
-                </a:path>
-              </a:pathLst>
-            </a:custGeom>
-            <a:solidFill>
-              <a:schemeClr val="accent1"/>
-            </a:solidFill>
-            <a:ln>
-              <a:noFill/>
-            </a:ln>
-          </p:spPr>
-        </p:sp>
-        <p:sp>
-          <p:nvSpPr>
-            <p:cNvPr id="140" name="Freeform 7">
-              <a:extLst>
-                <a:ext uri="{FF2B5EF4-FFF2-40B4-BE49-F238E27FC236}">
-                  <a16:creationId xmlns:a16="http://schemas.microsoft.com/office/drawing/2014/main" id="{9C944EEC-539E-4389-8785-58E65D04E8DC}"/>
-                </a:ext>
-                <a:ext uri="{C183D7F6-B498-43B3-948B-1728B52AA6E4}">
-                  <adec:decorative xmlns:adec="http://schemas.microsoft.com/office/drawing/2017/decorative" val="1"/>
-                </a:ext>
-              </a:extLst>
-            </p:cNvPr>
-            <p:cNvSpPr/>
-            <p:nvPr>
-              <p:extLst>
-                <p:ext uri="{386F3935-93C4-4BCD-93E2-E3B085C9AB24}">
-                  <p16:designElem xmlns:p16="http://schemas.microsoft.com/office/powerpoint/2015/main" val="1"/>
-                </p:ext>
-              </p:extLst>
-            </p:nvPr>
-          </p:nvSpPr>
-          <p:spPr bwMode="auto">
-            <a:xfrm>
-              <a:off x="2928938" y="-4763"/>
-              <a:ext cx="1035050" cy="2673350"/>
-            </a:xfrm>
-            <a:custGeom>
-              <a:avLst/>
-              <a:gdLst/>
-              <a:ahLst/>
-              <a:cxnLst/>
-              <a:rect l="0" t="0" r="r" b="b"/>
-              <a:pathLst>
-                <a:path w="652" h="1684">
-                  <a:moveTo>
-                    <a:pt x="225" y="1684"/>
-                  </a:moveTo>
-                  <a:lnTo>
-                    <a:pt x="652" y="0"/>
-                  </a:lnTo>
-                  <a:lnTo>
-                    <a:pt x="411" y="0"/>
-                  </a:lnTo>
-                  <a:lnTo>
-                    <a:pt x="0" y="1627"/>
-                  </a:lnTo>
-                  <a:lnTo>
-                    <a:pt x="219" y="1681"/>
-                  </a:lnTo>
-                  <a:lnTo>
-                    <a:pt x="225" y="1684"/>
-                  </a:lnTo>
-                  <a:close/>
-                </a:path>
-              </a:pathLst>
-            </a:custGeom>
-            <a:solidFill>
-              <a:schemeClr val="tx1">
-                <a:lumMod val="65000"/>
-                <a:lumOff val="35000"/>
-              </a:schemeClr>
-            </a:solidFill>
-            <a:ln>
-              <a:noFill/>
-            </a:ln>
-          </p:spPr>
-        </p:sp>
-        <p:sp>
-          <p:nvSpPr>
-            <p:cNvPr id="141" name="Freeform 9">
-              <a:extLst>
-                <a:ext uri="{FF2B5EF4-FFF2-40B4-BE49-F238E27FC236}">
-                  <a16:creationId xmlns:a16="http://schemas.microsoft.com/office/drawing/2014/main" id="{7836EB7E-895C-4D68-B92E-312B371CBDBF}"/>
-                </a:ext>
-                <a:ext uri="{C183D7F6-B498-43B3-948B-1728B52AA6E4}">
-                  <adec:decorative xmlns:adec="http://schemas.microsoft.com/office/drawing/2017/decorative" val="1"/>
-                </a:ext>
-              </a:extLst>
-            </p:cNvPr>
-            <p:cNvSpPr/>
-            <p:nvPr>
-              <p:extLst>
-                <p:ext uri="{386F3935-93C4-4BCD-93E2-E3B085C9AB24}">
-                  <p16:designElem xmlns:p16="http://schemas.microsoft.com/office/powerpoint/2015/main" val="1"/>
-                </p:ext>
-              </p:extLst>
-            </p:nvPr>
-          </p:nvSpPr>
-          <p:spPr bwMode="auto">
-            <a:xfrm>
-              <a:off x="2928938" y="2582862"/>
-              <a:ext cx="2693987" cy="4275138"/>
-            </a:xfrm>
-            <a:custGeom>
-              <a:avLst/>
-              <a:gdLst/>
-              <a:ahLst/>
-              <a:cxnLst/>
-              <a:rect l="0" t="0" r="r" b="b"/>
-              <a:pathLst>
-                <a:path w="1697" h="2693">
-                  <a:moveTo>
-                    <a:pt x="0" y="0"/>
-                  </a:moveTo>
-                  <a:lnTo>
-                    <a:pt x="1622" y="2693"/>
-                  </a:lnTo>
-                  <a:lnTo>
-                    <a:pt x="1697" y="2693"/>
-                  </a:lnTo>
-                  <a:lnTo>
-                    <a:pt x="0" y="0"/>
-                  </a:lnTo>
-                  <a:close/>
-                </a:path>
-              </a:pathLst>
-            </a:custGeom>
-            <a:solidFill>
-              <a:schemeClr val="tx1">
-                <a:lumMod val="85000"/>
-                <a:lumOff val="15000"/>
-              </a:schemeClr>
-            </a:solidFill>
-            <a:ln>
-              <a:noFill/>
-            </a:ln>
-          </p:spPr>
-        </p:sp>
-        <p:sp>
-          <p:nvSpPr>
-            <p:cNvPr id="142" name="Freeform 10">
-              <a:extLst>
-                <a:ext uri="{FF2B5EF4-FFF2-40B4-BE49-F238E27FC236}">
-                  <a16:creationId xmlns:a16="http://schemas.microsoft.com/office/drawing/2014/main" id="{0F29242B-8CE7-4636-B326-4BEE42EB6D6F}"/>
-                </a:ext>
-                <a:ext uri="{C183D7F6-B498-43B3-948B-1728B52AA6E4}">
-                  <adec:decorative xmlns:adec="http://schemas.microsoft.com/office/drawing/2017/decorative" val="1"/>
-                </a:ext>
-              </a:extLst>
-            </p:cNvPr>
-            <p:cNvSpPr/>
-            <p:nvPr>
-              <p:extLst>
-                <p:ext uri="{386F3935-93C4-4BCD-93E2-E3B085C9AB24}">
-                  <p16:designElem xmlns:p16="http://schemas.microsoft.com/office/powerpoint/2015/main" val="1"/>
-                </p:ext>
-              </p:extLst>
-            </p:nvPr>
-          </p:nvSpPr>
-          <p:spPr bwMode="auto">
-            <a:xfrm>
-              <a:off x="3371850" y="2692400"/>
-              <a:ext cx="3332162" cy="4165600"/>
-            </a:xfrm>
-            <a:custGeom>
-              <a:avLst/>
-              <a:gdLst/>
-              <a:ahLst/>
-              <a:cxnLst/>
-              <a:rect l="0" t="0" r="r" b="b"/>
-              <a:pathLst>
-                <a:path w="2099" h="2624">
-                  <a:moveTo>
-                    <a:pt x="2099" y="2624"/>
-                  </a:moveTo>
-                  <a:lnTo>
-                    <a:pt x="0" y="0"/>
-                  </a:lnTo>
-                  <a:lnTo>
-                    <a:pt x="2021" y="2624"/>
-                  </a:lnTo>
-                  <a:lnTo>
-                    <a:pt x="2099" y="2624"/>
-                  </a:lnTo>
-                  <a:close/>
-                </a:path>
-              </a:pathLst>
-            </a:custGeom>
-            <a:solidFill>
-              <a:schemeClr val="accent1">
-                <a:lumMod val="50000"/>
-              </a:schemeClr>
-            </a:solidFill>
-            <a:ln>
-              <a:noFill/>
-            </a:ln>
-          </p:spPr>
-        </p:sp>
-        <p:sp>
-          <p:nvSpPr>
-            <p:cNvPr id="143" name="Freeform 11">
-              <a:extLst>
-                <a:ext uri="{FF2B5EF4-FFF2-40B4-BE49-F238E27FC236}">
-                  <a16:creationId xmlns:a16="http://schemas.microsoft.com/office/drawing/2014/main" id="{4D0B8E9A-7727-4AD9-974E-8815F0B20EB4}"/>
-                </a:ext>
-                <a:ext uri="{C183D7F6-B498-43B3-948B-1728B52AA6E4}">
-                  <adec:decorative xmlns:adec="http://schemas.microsoft.com/office/drawing/2017/decorative" val="1"/>
-                </a:ext>
-              </a:extLst>
-            </p:cNvPr>
-            <p:cNvSpPr/>
-            <p:nvPr>
-              <p:extLst>
-                <p:ext uri="{386F3935-93C4-4BCD-93E2-E3B085C9AB24}">
-                  <p16:designElem xmlns:p16="http://schemas.microsoft.com/office/powerpoint/2015/main" val="1"/>
-                </p:ext>
-              </p:extLst>
-            </p:nvPr>
-          </p:nvSpPr>
-          <p:spPr bwMode="auto">
-            <a:xfrm>
-              <a:off x="3367088" y="2687637"/>
-              <a:ext cx="4576762" cy="4170363"/>
-            </a:xfrm>
-            <a:custGeom>
-              <a:avLst/>
-              <a:gdLst/>
-              <a:ahLst/>
-              <a:cxnLst/>
-              <a:rect l="0" t="0" r="r" b="b"/>
-              <a:pathLst>
-                <a:path w="2883" h="2627">
-                  <a:moveTo>
-                    <a:pt x="0" y="0"/>
-                  </a:moveTo>
-                  <a:lnTo>
-                    <a:pt x="3" y="3"/>
-                  </a:lnTo>
-                  <a:lnTo>
-                    <a:pt x="2102" y="2627"/>
-                  </a:lnTo>
-                  <a:lnTo>
-                    <a:pt x="2883" y="2627"/>
-                  </a:lnTo>
-                  <a:lnTo>
-                    <a:pt x="225" y="57"/>
-                  </a:lnTo>
-                  <a:lnTo>
-                    <a:pt x="0" y="0"/>
-                  </a:lnTo>
-                  <a:close/>
-                </a:path>
-              </a:pathLst>
-            </a:custGeom>
-            <a:solidFill>
-              <a:schemeClr val="accent1">
-                <a:lumMod val="75000"/>
-              </a:schemeClr>
-            </a:solidFill>
-            <a:ln>
-              <a:noFill/>
-            </a:ln>
-          </p:spPr>
-        </p:sp>
-        <p:sp>
-          <p:nvSpPr>
-            <p:cNvPr id="144" name="Freeform 12">
-              <a:extLst>
-                <a:ext uri="{FF2B5EF4-FFF2-40B4-BE49-F238E27FC236}">
-                  <a16:creationId xmlns:a16="http://schemas.microsoft.com/office/drawing/2014/main" id="{1CD6C65C-71BE-4549-926A-1C1135FD06DF}"/>
-                </a:ext>
-                <a:ext uri="{C183D7F6-B498-43B3-948B-1728B52AA6E4}">
-                  <adec:decorative xmlns:adec="http://schemas.microsoft.com/office/drawing/2017/decorative" val="1"/>
-                </a:ext>
-              </a:extLst>
-            </p:cNvPr>
-            <p:cNvSpPr/>
-            <p:nvPr>
-              <p:extLst>
-                <p:ext uri="{386F3935-93C4-4BCD-93E2-E3B085C9AB24}">
-                  <p16:designElem xmlns:p16="http://schemas.microsoft.com/office/powerpoint/2015/main" val="1"/>
-                </p:ext>
-              </p:extLst>
-            </p:nvPr>
-          </p:nvSpPr>
-          <p:spPr bwMode="auto">
-            <a:xfrm>
-              <a:off x="2928938" y="2578100"/>
-              <a:ext cx="3584575" cy="4279900"/>
-            </a:xfrm>
-            <a:custGeom>
-              <a:avLst/>
-              <a:gdLst/>
-              <a:ahLst/>
-              <a:cxnLst/>
-              <a:rect l="0" t="0" r="r" b="b"/>
-              <a:pathLst>
-                <a:path w="2258" h="2696">
-                  <a:moveTo>
-                    <a:pt x="2258" y="2696"/>
-                  </a:moveTo>
-                  <a:lnTo>
-                    <a:pt x="264" y="111"/>
-                  </a:lnTo>
-                  <a:lnTo>
-                    <a:pt x="228" y="60"/>
-                  </a:lnTo>
-                  <a:lnTo>
-                    <a:pt x="225" y="57"/>
-                  </a:lnTo>
-                  <a:lnTo>
-                    <a:pt x="0" y="0"/>
-                  </a:lnTo>
-                  <a:lnTo>
-                    <a:pt x="0" y="3"/>
-                  </a:lnTo>
-                  <a:lnTo>
-                    <a:pt x="1697" y="2696"/>
-                  </a:lnTo>
-                  <a:lnTo>
-                    <a:pt x="2258" y="2696"/>
-                  </a:lnTo>
-                  <a:close/>
-                </a:path>
-              </a:pathLst>
-            </a:custGeom>
-            <a:solidFill>
-              <a:schemeClr val="tx1">
-                <a:lumMod val="75000"/>
-                <a:lumOff val="25000"/>
-              </a:schemeClr>
-            </a:solidFill>
-            <a:ln>
-              <a:noFill/>
-            </a:ln>
-          </p:spPr>
-        </p:sp>
-      </p:grpSp>
-      <p:sp>
-        <p:nvSpPr>
-          <p:cNvPr id="2" name="Title 1">
-            <a:extLst>
-              <a:ext uri="{FF2B5EF4-FFF2-40B4-BE49-F238E27FC236}">
-                <a16:creationId xmlns:a16="http://schemas.microsoft.com/office/drawing/2014/main" id="{81066BBB-84A1-4758-8584-7105E1B953D2}"/>
-              </a:ext>
-            </a:extLst>
-          </p:cNvPr>
-          <p:cNvSpPr>
-            <a:spLocks noGrp="1"/>
-          </p:cNvSpPr>
-          <p:nvPr>
-            <p:ph type="title"/>
-          </p:nvPr>
-        </p:nvSpPr>
-        <p:spPr>
-          <a:xfrm>
-            <a:off x="1350860" y="187527"/>
-            <a:ext cx="7413623" cy="835217"/>
-          </a:xfrm>
-        </p:spPr>
-        <p:txBody>
-          <a:bodyPr vert="horz" lIns="91440" tIns="45720" rIns="91440" bIns="45720" rtlCol="0" anchor="b">
-            <a:normAutofit/>
-          </a:bodyPr>
-          <a:lstStyle/>
-          <a:p>
-            <a:pPr algn="r"/>
-            <a:r>
-              <a:rPr lang="en-US" sz="3600" kern="1200" cap="none" dirty="0">
-                <a:ln w="3175" cmpd="sng">
-                  <a:noFill/>
-                </a:ln>
-                <a:solidFill>
-                  <a:schemeClr val="tx1"/>
-                </a:solidFill>
-                <a:effectLst/>
-                <a:latin typeface="Arial Rounded MT Bold" panose="020F0704030504030204" pitchFamily="34" charset="0"/>
-              </a:rPr>
-              <a:t>So. From the very beginning:</a:t>
-            </a:r>
-          </a:p>
-        </p:txBody>
-      </p:sp>
-      <p:pic>
-        <p:nvPicPr>
-          <p:cNvPr id="1026" name="Picture 2">
-            <a:extLst>
-              <a:ext uri="{FF2B5EF4-FFF2-40B4-BE49-F238E27FC236}">
-                <a16:creationId xmlns:a16="http://schemas.microsoft.com/office/drawing/2014/main" id="{933940BE-8C73-4604-AFFE-291C2C3D5721}"/>
-              </a:ext>
-            </a:extLst>
-          </p:cNvPr>
-          <p:cNvPicPr>
-            <a:picLocks noChangeAspect="1" noChangeArrowheads="1"/>
-          </p:cNvPicPr>
-          <p:nvPr/>
-        </p:nvPicPr>
-        <p:blipFill rotWithShape="1">
-          <a:blip r:embed="rId4">
-            <a:extLst>
-              <a:ext uri="{28A0092B-C50C-407E-A947-70E740481C1C}">
-                <a14:useLocalDpi xmlns:a14="http://schemas.microsoft.com/office/drawing/2010/main" val="0"/>
-              </a:ext>
-            </a:extLst>
-          </a:blip>
-          <a:srcRect r="1" b="34909"/>
-          <a:stretch/>
-        </p:blipFill>
-        <p:spPr bwMode="auto">
-          <a:xfrm>
-            <a:off x="4864724" y="3707887"/>
-            <a:ext cx="5876613" cy="2598808"/>
-          </a:xfrm>
-          <a:prstGeom prst="roundRect">
-            <a:avLst>
-              <a:gd name="adj" fmla="val 4380"/>
-            </a:avLst>
-          </a:prstGeom>
-          <a:noFill/>
-          <a:ln w="38100">
-            <a:gradFill flip="none" rotWithShape="1">
-              <a:gsLst>
-                <a:gs pos="0">
-                  <a:schemeClr val="bg2"/>
-                </a:gs>
-                <a:gs pos="100000">
-                  <a:schemeClr val="bg2">
-                    <a:lumMod val="75000"/>
-                  </a:schemeClr>
-                </a:gs>
-              </a:gsLst>
-              <a:lin ang="5400000" scaled="0"/>
-              <a:tileRect/>
-            </a:gradFill>
-          </a:ln>
-          <a:effectLst>
-            <a:innerShdw blurRad="57150" dist="38100" dir="14460000">
-              <a:srgbClr val="000000">
-                <a:alpha val="70000"/>
-              </a:srgbClr>
-            </a:innerShdw>
-          </a:effectLst>
-          <a:extLst>
-            <a:ext uri="{909E8E84-426E-40DD-AFC4-6F175D3DCCD1}">
-              <a14:hiddenFill xmlns:a14="http://schemas.microsoft.com/office/drawing/2010/main">
-                <a:solidFill>
-                  <a:srgbClr val="FFFFFF"/>
-                </a:solidFill>
-              </a14:hiddenFill>
-            </a:ext>
-          </a:extLst>
-        </p:spPr>
-      </p:pic>
-      <p:sp>
-        <p:nvSpPr>
-          <p:cNvPr id="4" name="TextBox 3">
-            <a:extLst>
-              <a:ext uri="{FF2B5EF4-FFF2-40B4-BE49-F238E27FC236}">
-                <a16:creationId xmlns:a16="http://schemas.microsoft.com/office/drawing/2014/main" id="{CC39255B-A3F5-4790-A7D9-E2424D38B5FE}"/>
-              </a:ext>
-            </a:extLst>
-          </p:cNvPr>
-          <p:cNvSpPr txBox="1"/>
-          <p:nvPr/>
-        </p:nvSpPr>
-        <p:spPr>
-          <a:xfrm>
-            <a:off x="6338314" y="6362696"/>
-            <a:ext cx="3768333" cy="307777"/>
-          </a:xfrm>
-          <a:prstGeom prst="rect">
-            <a:avLst/>
-          </a:prstGeom>
-          <a:noFill/>
-        </p:spPr>
-        <p:txBody>
-          <a:bodyPr wrap="square" rtlCol="0">
-            <a:spAutoFit/>
-          </a:bodyPr>
-          <a:lstStyle/>
-          <a:p>
-            <a:r>
-              <a:rPr lang="en-US" sz="1400" dirty="0">
-                <a:latin typeface="Arial Rounded MT Bold" panose="020F0704030504030204" pitchFamily="34" charset="0"/>
-              </a:rPr>
-              <a:t>It's me - when I have to do something.</a:t>
-            </a:r>
-            <a:endParaRPr lang="ru-RU" sz="1400" dirty="0"/>
-          </a:p>
-        </p:txBody>
-      </p:sp>
-      <p:sp>
-        <p:nvSpPr>
-          <p:cNvPr id="33" name="TextBox 32">
-            <a:extLst>
-              <a:ext uri="{FF2B5EF4-FFF2-40B4-BE49-F238E27FC236}">
-                <a16:creationId xmlns:a16="http://schemas.microsoft.com/office/drawing/2014/main" id="{99A47A78-1C7F-413B-876D-075E82008438}"/>
-              </a:ext>
-            </a:extLst>
-          </p:cNvPr>
-          <p:cNvSpPr txBox="1"/>
-          <p:nvPr/>
-        </p:nvSpPr>
-        <p:spPr>
-          <a:xfrm>
-            <a:off x="1893094" y="1331912"/>
-            <a:ext cx="5447274" cy="523220"/>
-          </a:xfrm>
-          <a:prstGeom prst="rect">
-            <a:avLst/>
-          </a:prstGeom>
-          <a:noFill/>
-        </p:spPr>
-        <p:txBody>
-          <a:bodyPr wrap="square" rtlCol="0">
-            <a:spAutoFit/>
-          </a:bodyPr>
-          <a:lstStyle/>
-          <a:p>
-            <a:r>
-              <a:rPr lang="en-US" sz="1400" dirty="0">
-                <a:latin typeface="Arial Rounded MT Bold" panose="020F0704030504030204" pitchFamily="34" charset="0"/>
-              </a:rPr>
-              <a:t>I'm a Human - the top of evolution. Why should I do something, if the machine can do it.</a:t>
-            </a:r>
-          </a:p>
-        </p:txBody>
-      </p:sp>
-      <p:sp>
-        <p:nvSpPr>
-          <p:cNvPr id="8" name="Rectangle 7">
-            <a:extLst>
-              <a:ext uri="{FF2B5EF4-FFF2-40B4-BE49-F238E27FC236}">
-                <a16:creationId xmlns:a16="http://schemas.microsoft.com/office/drawing/2014/main" id="{99C27333-1B19-460C-8F3F-1FF689561DBE}"/>
-              </a:ext>
-            </a:extLst>
-          </p:cNvPr>
-          <p:cNvSpPr/>
-          <p:nvPr/>
-        </p:nvSpPr>
-        <p:spPr>
-          <a:xfrm>
-            <a:off x="2009671" y="1929387"/>
-            <a:ext cx="6096000" cy="646331"/>
-          </a:xfrm>
-          <a:prstGeom prst="rect">
-            <a:avLst/>
-          </a:prstGeom>
-        </p:spPr>
-        <p:txBody>
-          <a:bodyPr>
-            <a:spAutoFit/>
-          </a:bodyPr>
-          <a:lstStyle/>
-          <a:p>
-            <a:r>
-              <a:rPr lang="en-US" dirty="0">
-                <a:latin typeface="Arial Rounded MT Bold" panose="020F0704030504030204" pitchFamily="34" charset="0"/>
-              </a:rPr>
-              <a:t>And my job is to make this machine and control how it performs tasks for me.</a:t>
-            </a:r>
-            <a:endParaRPr lang="ru-RU" dirty="0"/>
-          </a:p>
-        </p:txBody>
-      </p:sp>
-      <p:sp>
-        <p:nvSpPr>
-          <p:cNvPr id="10" name="Rectangle 9">
-            <a:extLst>
-              <a:ext uri="{FF2B5EF4-FFF2-40B4-BE49-F238E27FC236}">
-                <a16:creationId xmlns:a16="http://schemas.microsoft.com/office/drawing/2014/main" id="{7F6079D4-39B0-48D9-BA42-E735CF8E29C5}"/>
-              </a:ext>
-            </a:extLst>
-          </p:cNvPr>
-          <p:cNvSpPr/>
-          <p:nvPr/>
-        </p:nvSpPr>
-        <p:spPr>
-          <a:xfrm>
-            <a:off x="10293720" y="709414"/>
-            <a:ext cx="1327608" cy="369332"/>
-          </a:xfrm>
-          <a:prstGeom prst="rect">
-            <a:avLst/>
-          </a:prstGeom>
-        </p:spPr>
-        <p:txBody>
-          <a:bodyPr wrap="none">
-            <a:spAutoFit/>
-          </a:bodyPr>
-          <a:lstStyle/>
-          <a:p>
-            <a:r>
-              <a:rPr lang="ru-RU" dirty="0"/>
-              <a:t>Expectation</a:t>
-            </a:r>
-          </a:p>
-        </p:txBody>
-      </p:sp>
-      <p:sp>
-        <p:nvSpPr>
-          <p:cNvPr id="11" name="Rectangle 10">
-            <a:extLst>
-              <a:ext uri="{FF2B5EF4-FFF2-40B4-BE49-F238E27FC236}">
-                <a16:creationId xmlns:a16="http://schemas.microsoft.com/office/drawing/2014/main" id="{DD1A61F3-E8BC-4AA7-A65F-4B41C268A67D}"/>
-              </a:ext>
-            </a:extLst>
-          </p:cNvPr>
-          <p:cNvSpPr/>
-          <p:nvPr/>
-        </p:nvSpPr>
-        <p:spPr>
-          <a:xfrm>
-            <a:off x="4759571" y="3282554"/>
-            <a:ext cx="842218" cy="369332"/>
-          </a:xfrm>
-          <a:prstGeom prst="rect">
-            <a:avLst/>
-          </a:prstGeom>
-        </p:spPr>
-        <p:txBody>
-          <a:bodyPr wrap="none">
-            <a:spAutoFit/>
-          </a:bodyPr>
-          <a:lstStyle/>
-          <a:p>
-            <a:r>
-              <a:rPr lang="ru-RU" dirty="0"/>
-              <a:t>Reality</a:t>
-            </a:r>
-          </a:p>
-        </p:txBody>
-      </p:sp>
-    </p:spTree>
-    <p:extLst>
-      <p:ext uri="{BB962C8B-B14F-4D97-AF65-F5344CB8AC3E}">
-        <p14:creationId xmlns:p14="http://schemas.microsoft.com/office/powerpoint/2010/main" val="4054380561"/>
-      </p:ext>
-    </p:extLst>
-  </p:cSld>
-  <p:clrMapOvr>
-    <a:masterClrMapping/>
-  </p:clrMapOvr>
-  <p:timing>
-    <p:tnLst>
-      <p:par>
-        <p:cTn id="1" dur="indefinite" restart="never" nodeType="tmRoot">
-          <p:childTnLst>
-            <p:seq concurrent="1" nextAc="seek">
-              <p:cTn id="2" dur="indefinite" nodeType="mainSeq">
-                <p:childTnLst>
-                  <p:par>
-                    <p:cTn id="3" fill="hold">
-                      <p:stCondLst>
-                        <p:cond delay="indefinite"/>
-                      </p:stCondLst>
-                      <p:childTnLst>
-                        <p:par>
-                          <p:cTn id="4" fill="hold">
-                            <p:stCondLst>
-                              <p:cond delay="0"/>
-                            </p:stCondLst>
-                            <p:childTnLst>
-                              <p:par>
-                                <p:cTn id="5" presetID="1" presetClass="entr" presetSubtype="0" fill="hold" grpId="0" nodeType="clickEffect">
-                                  <p:stCondLst>
-                                    <p:cond delay="0"/>
-                                  </p:stCondLst>
-                                  <p:childTnLst>
-                                    <p:set>
-                                      <p:cBhvr>
-                                        <p:cTn id="6" dur="1" fill="hold">
-                                          <p:stCondLst>
-                                            <p:cond delay="0"/>
-                                          </p:stCondLst>
-                                        </p:cTn>
-                                        <p:tgtEl>
-                                          <p:spTgt spid="2"/>
-                                        </p:tgtEl>
-                                        <p:attrNameLst>
-                                          <p:attrName>style.visibility</p:attrName>
-                                        </p:attrNameLst>
-                                      </p:cBhvr>
-                                      <p:to>
-                                        <p:strVal val="visible"/>
-                                      </p:to>
-                                    </p:set>
-                                  </p:childTnLst>
-                                </p:cTn>
-                              </p:par>
-                            </p:childTnLst>
-                          </p:cTn>
-                        </p:par>
-                      </p:childTnLst>
-                    </p:cTn>
-                  </p:par>
-                  <p:par>
-                    <p:cTn id="7" fill="hold">
-                      <p:stCondLst>
-                        <p:cond delay="indefinite"/>
-                      </p:stCondLst>
-                      <p:childTnLst>
-                        <p:par>
-                          <p:cTn id="8" fill="hold">
-                            <p:stCondLst>
-                              <p:cond delay="0"/>
-                            </p:stCondLst>
-                            <p:childTnLst>
-                              <p:par>
-                                <p:cTn id="9" presetID="10" presetClass="entr" presetSubtype="0" fill="hold" grpId="0" nodeType="clickEffect">
-                                  <p:stCondLst>
-                                    <p:cond delay="0"/>
-                                  </p:stCondLst>
-                                  <p:childTnLst>
-                                    <p:set>
-                                      <p:cBhvr>
-                                        <p:cTn id="10" dur="1" fill="hold">
-                                          <p:stCondLst>
-                                            <p:cond delay="0"/>
-                                          </p:stCondLst>
-                                        </p:cTn>
-                                        <p:tgtEl>
-                                          <p:spTgt spid="33"/>
-                                        </p:tgtEl>
-                                        <p:attrNameLst>
-                                          <p:attrName>style.visibility</p:attrName>
-                                        </p:attrNameLst>
-                                      </p:cBhvr>
-                                      <p:to>
-                                        <p:strVal val="visible"/>
-                                      </p:to>
-                                    </p:set>
-                                    <p:animEffect transition="in" filter="fade">
-                                      <p:cBhvr>
-                                        <p:cTn id="11" dur="500"/>
-                                        <p:tgtEl>
-                                          <p:spTgt spid="33"/>
-                                        </p:tgtEl>
-                                      </p:cBhvr>
-                                    </p:animEffect>
-                                  </p:childTnLst>
-                                </p:cTn>
-                              </p:par>
-                              <p:par>
-                                <p:cTn id="12" presetID="10" presetClass="entr" presetSubtype="0" fill="hold" grpId="0" nodeType="withEffect">
-                                  <p:stCondLst>
-                                    <p:cond delay="0"/>
-                                  </p:stCondLst>
-                                  <p:childTnLst>
-                                    <p:set>
-                                      <p:cBhvr>
-                                        <p:cTn id="13" dur="1" fill="hold">
-                                          <p:stCondLst>
-                                            <p:cond delay="0"/>
-                                          </p:stCondLst>
-                                        </p:cTn>
-                                        <p:tgtEl>
-                                          <p:spTgt spid="8"/>
-                                        </p:tgtEl>
-                                        <p:attrNameLst>
-                                          <p:attrName>style.visibility</p:attrName>
-                                        </p:attrNameLst>
-                                      </p:cBhvr>
-                                      <p:to>
-                                        <p:strVal val="visible"/>
-                                      </p:to>
-                                    </p:set>
-                                    <p:animEffect transition="in" filter="fade">
-                                      <p:cBhvr>
-                                        <p:cTn id="14" dur="500"/>
-                                        <p:tgtEl>
-                                          <p:spTgt spid="8"/>
-                                        </p:tgtEl>
-                                      </p:cBhvr>
-                                    </p:animEffect>
-                                  </p:childTnLst>
-                                </p:cTn>
-                              </p:par>
-                            </p:childTnLst>
-                          </p:cTn>
-                        </p:par>
-                      </p:childTnLst>
-                    </p:cTn>
-                  </p:par>
-                  <p:par>
-                    <p:cTn id="15" fill="hold">
-                      <p:stCondLst>
-                        <p:cond delay="indefinite"/>
-                      </p:stCondLst>
-                      <p:childTnLst>
-                        <p:par>
-                          <p:cTn id="16" fill="hold">
-                            <p:stCondLst>
-                              <p:cond delay="0"/>
-                            </p:stCondLst>
-                            <p:childTnLst>
-                              <p:par>
-                                <p:cTn id="17" presetID="14" presetClass="entr" presetSubtype="10" fill="hold" nodeType="clickEffect">
-                                  <p:stCondLst>
-                                    <p:cond delay="0"/>
-                                  </p:stCondLst>
-                                  <p:childTnLst>
-                                    <p:set>
-                                      <p:cBhvr>
-                                        <p:cTn id="18" dur="1" fill="hold">
-                                          <p:stCondLst>
-                                            <p:cond delay="0"/>
-                                          </p:stCondLst>
-                                        </p:cTn>
-                                        <p:tgtEl>
-                                          <p:spTgt spid="9"/>
-                                        </p:tgtEl>
-                                        <p:attrNameLst>
-                                          <p:attrName>style.visibility</p:attrName>
-                                        </p:attrNameLst>
-                                      </p:cBhvr>
-                                      <p:to>
-                                        <p:strVal val="visible"/>
-                                      </p:to>
-                                    </p:set>
-                                    <p:animEffect transition="in" filter="randombar(horizontal)">
-                                      <p:cBhvr>
-                                        <p:cTn id="19" dur="500"/>
-                                        <p:tgtEl>
-                                          <p:spTgt spid="9"/>
-                                        </p:tgtEl>
-                                      </p:cBhvr>
-                                    </p:animEffect>
-                                  </p:childTnLst>
-                                </p:cTn>
-                              </p:par>
-                              <p:par>
-                                <p:cTn id="20" presetID="14" presetClass="entr" presetSubtype="10" fill="hold" grpId="0" nodeType="withEffect">
-                                  <p:stCondLst>
-                                    <p:cond delay="0"/>
-                                  </p:stCondLst>
-                                  <p:childTnLst>
-                                    <p:set>
-                                      <p:cBhvr>
-                                        <p:cTn id="21" dur="1" fill="hold">
-                                          <p:stCondLst>
-                                            <p:cond delay="0"/>
-                                          </p:stCondLst>
-                                        </p:cTn>
-                                        <p:tgtEl>
-                                          <p:spTgt spid="10"/>
-                                        </p:tgtEl>
-                                        <p:attrNameLst>
-                                          <p:attrName>style.visibility</p:attrName>
-                                        </p:attrNameLst>
-                                      </p:cBhvr>
-                                      <p:to>
-                                        <p:strVal val="visible"/>
-                                      </p:to>
-                                    </p:set>
-                                    <p:animEffect transition="in" filter="randombar(horizontal)">
-                                      <p:cBhvr>
-                                        <p:cTn id="22" dur="500"/>
-                                        <p:tgtEl>
-                                          <p:spTgt spid="10"/>
-                                        </p:tgtEl>
-                                      </p:cBhvr>
-                                    </p:animEffect>
-                                  </p:childTnLst>
-                                </p:cTn>
-                              </p:par>
-                            </p:childTnLst>
-                          </p:cTn>
-                        </p:par>
-                      </p:childTnLst>
-                    </p:cTn>
-                  </p:par>
-                  <p:par>
-                    <p:cTn id="23" fill="hold">
-                      <p:stCondLst>
-                        <p:cond delay="indefinite"/>
-                      </p:stCondLst>
-                      <p:childTnLst>
-                        <p:par>
-                          <p:cTn id="24" fill="hold">
-                            <p:stCondLst>
-                              <p:cond delay="0"/>
-                            </p:stCondLst>
-                            <p:childTnLst>
-                              <p:par>
-                                <p:cTn id="25" presetID="6" presetClass="entr" presetSubtype="16" fill="hold" grpId="0" nodeType="clickEffect">
-                                  <p:stCondLst>
-                                    <p:cond delay="0"/>
-                                  </p:stCondLst>
-                                  <p:childTnLst>
-                                    <p:set>
-                                      <p:cBhvr>
-                                        <p:cTn id="26" dur="1" fill="hold">
-                                          <p:stCondLst>
-                                            <p:cond delay="0"/>
-                                          </p:stCondLst>
-                                        </p:cTn>
-                                        <p:tgtEl>
-                                          <p:spTgt spid="11"/>
-                                        </p:tgtEl>
-                                        <p:attrNameLst>
-                                          <p:attrName>style.visibility</p:attrName>
-                                        </p:attrNameLst>
-                                      </p:cBhvr>
-                                      <p:to>
-                                        <p:strVal val="visible"/>
-                                      </p:to>
-                                    </p:set>
-                                    <p:animEffect transition="in" filter="circle(in)">
-                                      <p:cBhvr>
-                                        <p:cTn id="27" dur="2000"/>
-                                        <p:tgtEl>
-                                          <p:spTgt spid="11"/>
-                                        </p:tgtEl>
-                                      </p:cBhvr>
-                                    </p:animEffect>
-                                  </p:childTnLst>
-                                </p:cTn>
-                              </p:par>
-                              <p:par>
-                                <p:cTn id="28" presetID="6" presetClass="entr" presetSubtype="16" fill="hold" nodeType="withEffect">
-                                  <p:stCondLst>
-                                    <p:cond delay="0"/>
-                                  </p:stCondLst>
-                                  <p:childTnLst>
-                                    <p:set>
-                                      <p:cBhvr>
-                                        <p:cTn id="29" dur="1" fill="hold">
-                                          <p:stCondLst>
-                                            <p:cond delay="0"/>
-                                          </p:stCondLst>
-                                        </p:cTn>
-                                        <p:tgtEl>
-                                          <p:spTgt spid="1026"/>
-                                        </p:tgtEl>
-                                        <p:attrNameLst>
-                                          <p:attrName>style.visibility</p:attrName>
-                                        </p:attrNameLst>
-                                      </p:cBhvr>
-                                      <p:to>
-                                        <p:strVal val="visible"/>
-                                      </p:to>
-                                    </p:set>
-                                    <p:animEffect transition="in" filter="circle(in)">
-                                      <p:cBhvr>
-                                        <p:cTn id="30" dur="2000"/>
-                                        <p:tgtEl>
-                                          <p:spTgt spid="1026"/>
-                                        </p:tgtEl>
-                                      </p:cBhvr>
-                                    </p:animEffect>
-                                  </p:childTnLst>
-                                </p:cTn>
-                              </p:par>
-                              <p:par>
-                                <p:cTn id="31" presetID="6" presetClass="entr" presetSubtype="16" fill="hold" grpId="0" nodeType="withEffect">
-                                  <p:stCondLst>
-                                    <p:cond delay="0"/>
-                                  </p:stCondLst>
-                                  <p:childTnLst>
-                                    <p:set>
-                                      <p:cBhvr>
-                                        <p:cTn id="32" dur="1" fill="hold">
-                                          <p:stCondLst>
-                                            <p:cond delay="0"/>
-                                          </p:stCondLst>
-                                        </p:cTn>
-                                        <p:tgtEl>
-                                          <p:spTgt spid="4"/>
-                                        </p:tgtEl>
-                                        <p:attrNameLst>
-                                          <p:attrName>style.visibility</p:attrName>
-                                        </p:attrNameLst>
-                                      </p:cBhvr>
-                                      <p:to>
-                                        <p:strVal val="visible"/>
-                                      </p:to>
-                                    </p:set>
-                                    <p:animEffect transition="in" filter="circle(in)">
-                                      <p:cBhvr>
-                                        <p:cTn id="33" dur="2000"/>
-                                        <p:tgtEl>
-                                          <p:spTgt spid="4"/>
-                                        </p:tgtEl>
-                                      </p:cBhvr>
-                                    </p:animEffect>
-                                  </p:childTnLst>
-                                </p:cTn>
-                              </p:par>
-                            </p:childTnLst>
-                          </p:cTn>
-                        </p:par>
-                      </p:childTnLst>
-                    </p:cTn>
-                  </p:par>
-                </p:childTnLst>
-              </p:cTn>
-              <p:prevCondLst>
-                <p:cond evt="onPrev" delay="0">
-                  <p:tgtEl>
-                    <p:sldTgt/>
-                  </p:tgtEl>
-                </p:cond>
-              </p:prevCondLst>
-              <p:nextCondLst>
-                <p:cond evt="onNext" delay="0">
-                  <p:tgtEl>
-                    <p:sldTgt/>
-                  </p:tgtEl>
-                </p:cond>
-              </p:nextCondLst>
-            </p:seq>
-          </p:childTnLst>
-        </p:cTn>
-      </p:par>
-    </p:tnLst>
-    <p:bldLst>
-      <p:bldP spid="2" grpId="0"/>
-      <p:bldP spid="4" grpId="0"/>
-      <p:bldP spid="33" grpId="0"/>
-      <p:bldP spid="8" grpId="0"/>
-      <p:bldP spid="10" grpId="0"/>
-      <p:bldP spid="11" grpId="0"/>
-    </p:bldLst>
-  </p:timing>
-</p:sld>
-</file>
-
-<file path=ppt/slides/slide3.xml><?xml version="1.0" encoding="utf-8"?>
-<p:sld xmlns:a="http://schemas.openxmlformats.org/drawingml/2006/main" xmlns:r="http://schemas.openxmlformats.org/officeDocument/2006/relationships" xmlns:p="http://schemas.openxmlformats.org/presentationml/2006/main">
-  <p:cSld>
-    <p:spTree>
-      <p:nvGrpSpPr>
-        <p:cNvPr id="1" name=""/>
-        <p:cNvGrpSpPr/>
-        <p:nvPr/>
-      </p:nvGrpSpPr>
-      <p:grpSpPr>
-        <a:xfrm>
-          <a:off x="0" y="0"/>
-          <a:ext cx="0" cy="0"/>
-          <a:chOff x="0" y="0"/>
-          <a:chExt cx="0" cy="0"/>
-        </a:xfrm>
-      </p:grpSpPr>
       <p:sp>
         <p:nvSpPr>
           <p:cNvPr id="2" name="Title 1">
@@ -8901,8 +7585,8 @@
         </p:nvSpPr>
         <p:spPr>
           <a:xfrm>
-            <a:off x="1827130" y="2694959"/>
-            <a:ext cx="8481810" cy="958442"/>
+            <a:off x="3869288" y="309695"/>
+            <a:ext cx="4453424" cy="958442"/>
           </a:xfrm>
         </p:spPr>
         <p:txBody>
@@ -8912,176 +7596,7 @@
             <a:pPr algn="r"/>
             <a:r>
               <a:rPr lang="en-US" b="1" dirty="0"/>
-              <a:t>As well as:</a:t>
-            </a:r>
-            <a:endParaRPr lang="ru-RU" b="1" dirty="0"/>
-          </a:p>
-        </p:txBody>
-      </p:sp>
-      <p:sp>
-        <p:nvSpPr>
-          <p:cNvPr id="3" name="Content Placeholder 2">
-            <a:extLst>
-              <a:ext uri="{FF2B5EF4-FFF2-40B4-BE49-F238E27FC236}">
-                <a16:creationId xmlns:a16="http://schemas.microsoft.com/office/drawing/2014/main" id="{6F8EDEA3-EEBF-416E-B1AD-68D410F4D028}"/>
-              </a:ext>
-            </a:extLst>
-          </p:cNvPr>
-          <p:cNvSpPr>
-            <a:spLocks noGrp="1"/>
-          </p:cNvSpPr>
-          <p:nvPr>
-            <p:ph idx="1"/>
-          </p:nvPr>
-        </p:nvSpPr>
-        <p:spPr>
-          <a:xfrm>
-            <a:off x="2089987" y="1794894"/>
-            <a:ext cx="3641362" cy="1351327"/>
-          </a:xfrm>
-        </p:spPr>
-        <p:txBody>
-          <a:bodyPr>
-            <a:noAutofit/>
-          </a:bodyPr>
-          <a:lstStyle/>
-          <a:p>
-            <a:r>
-              <a:rPr lang="en-US" sz="2000" dirty="0"/>
-              <a:t>Stack of acquired knowledge</a:t>
-            </a:r>
-          </a:p>
-          <a:p>
-            <a:r>
-              <a:rPr lang="en-US" sz="2000" dirty="0"/>
-              <a:t>Little laziness</a:t>
-            </a:r>
-            <a:endParaRPr lang="ru-RU" sz="2000" dirty="0"/>
-          </a:p>
-          <a:p>
-            <a:r>
-              <a:rPr lang="en-US" sz="2000" dirty="0"/>
-              <a:t>Persistence</a:t>
-            </a:r>
-            <a:endParaRPr lang="ru-RU" sz="2000" dirty="0"/>
-          </a:p>
-          <a:p>
-            <a:r>
-              <a:rPr lang="en-US" sz="2000" dirty="0"/>
-              <a:t>PC with internet access</a:t>
-            </a:r>
-            <a:endParaRPr lang="ru-RU" sz="2000" dirty="0"/>
-          </a:p>
-        </p:txBody>
-      </p:sp>
-      <p:sp>
-        <p:nvSpPr>
-          <p:cNvPr id="4" name="Title 1">
-            <a:extLst>
-              <a:ext uri="{FF2B5EF4-FFF2-40B4-BE49-F238E27FC236}">
-                <a16:creationId xmlns:a16="http://schemas.microsoft.com/office/drawing/2014/main" id="{5C06A930-D632-4163-ABDE-10EB78E3303A}"/>
-              </a:ext>
-            </a:extLst>
-          </p:cNvPr>
-          <p:cNvSpPr txBox="1">
-            <a:spLocks/>
-          </p:cNvSpPr>
-          <p:nvPr/>
-        </p:nvSpPr>
-        <p:spPr>
-          <a:xfrm>
-            <a:off x="219242" y="669532"/>
-            <a:ext cx="8481810" cy="958442"/>
-          </a:xfrm>
-          <a:prstGeom prst="rect">
-            <a:avLst/>
-          </a:prstGeom>
-          <a:effectLst/>
-        </p:spPr>
-        <p:txBody>
-          <a:bodyPr vert="horz" lIns="91440" tIns="45720" rIns="91440" bIns="45720" rtlCol="0" anchor="ctr">
-            <a:normAutofit/>
-          </a:bodyPr>
-          <a:lstStyle>
-            <a:lvl1pPr algn="ctr" defTabSz="457200" rtl="0" eaLnBrk="1" latinLnBrk="0" hangingPunct="1">
-              <a:spcBef>
-                <a:spcPct val="0"/>
-              </a:spcBef>
-              <a:buNone/>
-              <a:defRPr sz="4000" kern="1200" cap="none">
-                <a:ln w="3175" cmpd="sng">
-                  <a:noFill/>
-                </a:ln>
-                <a:solidFill>
-                  <a:schemeClr val="tx1"/>
-                </a:solidFill>
-                <a:effectLst/>
-                <a:latin typeface="+mj-lt"/>
-                <a:ea typeface="+mj-ea"/>
-                <a:cs typeface="+mj-cs"/>
-              </a:defRPr>
-            </a:lvl1pPr>
-            <a:lvl2pPr eaLnBrk="1" hangingPunct="1">
-              <a:defRPr>
-                <a:solidFill>
-                  <a:schemeClr val="tx2"/>
-                </a:solidFill>
-              </a:defRPr>
-            </a:lvl2pPr>
-            <a:lvl3pPr eaLnBrk="1" hangingPunct="1">
-              <a:defRPr>
-                <a:solidFill>
-                  <a:schemeClr val="tx2"/>
-                </a:solidFill>
-              </a:defRPr>
-            </a:lvl3pPr>
-            <a:lvl4pPr eaLnBrk="1" hangingPunct="1">
-              <a:defRPr>
-                <a:solidFill>
-                  <a:schemeClr val="tx2"/>
-                </a:solidFill>
-              </a:defRPr>
-            </a:lvl4pPr>
-            <a:lvl5pPr eaLnBrk="1" hangingPunct="1">
-              <a:defRPr>
-                <a:solidFill>
-                  <a:schemeClr val="tx2"/>
-                </a:solidFill>
-              </a:defRPr>
-            </a:lvl5pPr>
-            <a:lvl6pPr eaLnBrk="1" hangingPunct="1">
-              <a:defRPr>
-                <a:solidFill>
-                  <a:schemeClr val="tx2"/>
-                </a:solidFill>
-              </a:defRPr>
-            </a:lvl6pPr>
-            <a:lvl7pPr eaLnBrk="1" hangingPunct="1">
-              <a:defRPr>
-                <a:solidFill>
-                  <a:schemeClr val="tx2"/>
-                </a:solidFill>
-              </a:defRPr>
-            </a:lvl7pPr>
-            <a:lvl8pPr eaLnBrk="1" hangingPunct="1">
-              <a:defRPr>
-                <a:solidFill>
-                  <a:schemeClr val="tx2"/>
-                </a:solidFill>
-              </a:defRPr>
-            </a:lvl8pPr>
-            <a:lvl9pPr eaLnBrk="1" hangingPunct="1">
-              <a:defRPr>
-                <a:solidFill>
-                  <a:schemeClr val="tx2"/>
-                </a:solidFill>
-              </a:defRPr>
-            </a:lvl9pPr>
-          </a:lstStyle>
-          <a:p>
-            <a:r>
-              <a:rPr lang="en-US" b="1" dirty="0"/>
-              <a:t>What does it need from me?</a:t>
+              <a:t>Used technologies: </a:t>
             </a:r>
             <a:endParaRPr lang="ru-RU" b="1" dirty="0"/>
           </a:p>
@@ -9103,1669 +7618,8 @@
         </p:nvSpPr>
         <p:spPr>
           <a:xfrm>
-            <a:off x="6109982" y="3615651"/>
-            <a:ext cx="4254888" cy="2798430"/>
-          </a:xfrm>
-          <a:prstGeom prst="rect">
-            <a:avLst/>
-          </a:prstGeom>
-        </p:spPr>
-        <p:txBody>
-          <a:bodyPr vert="horz" lIns="91440" tIns="45720" rIns="91440" bIns="45720" rtlCol="0" anchor="ctr">
-            <a:normAutofit fontScale="77500" lnSpcReduction="20000"/>
-          </a:bodyPr>
-          <a:lstStyle>
-            <a:lvl1pPr marL="285750" indent="-285750" algn="l" defTabSz="457200" rtl="0" eaLnBrk="1" latinLnBrk="0" hangingPunct="1">
-              <a:spcBef>
-                <a:spcPct val="20000"/>
-              </a:spcBef>
-              <a:spcAft>
-                <a:spcPts val="600"/>
-              </a:spcAft>
-              <a:buClr>
-                <a:schemeClr val="accent1">
-                  <a:lumMod val="75000"/>
-                </a:schemeClr>
-              </a:buClr>
-              <a:buSzPct val="145000"/>
-              <a:buFont typeface="Arial"/>
-              <a:buChar char="•"/>
-              <a:defRPr sz="2400" kern="1200" cap="none">
-                <a:solidFill>
-                  <a:schemeClr val="tx1"/>
-                </a:solidFill>
-                <a:effectLst/>
-                <a:latin typeface="+mn-lt"/>
-                <a:ea typeface="+mn-ea"/>
-                <a:cs typeface="+mn-cs"/>
-              </a:defRPr>
-            </a:lvl1pPr>
-            <a:lvl2pPr marL="742950" indent="-285750" algn="l" defTabSz="457200" rtl="0" eaLnBrk="1" latinLnBrk="0" hangingPunct="1">
-              <a:spcBef>
-                <a:spcPct val="20000"/>
-              </a:spcBef>
-              <a:spcAft>
-                <a:spcPts val="600"/>
-              </a:spcAft>
-              <a:buClr>
-                <a:schemeClr val="accent1">
-                  <a:lumMod val="75000"/>
-                </a:schemeClr>
-              </a:buClr>
-              <a:buSzPct val="145000"/>
-              <a:buFont typeface="Arial"/>
-              <a:buChar char="•"/>
-              <a:defRPr sz="2000" kern="1200" cap="none">
-                <a:solidFill>
-                  <a:schemeClr val="tx1"/>
-                </a:solidFill>
-                <a:effectLst/>
-                <a:latin typeface="+mn-lt"/>
-                <a:ea typeface="+mn-ea"/>
-                <a:cs typeface="+mn-cs"/>
-              </a:defRPr>
-            </a:lvl2pPr>
-            <a:lvl3pPr marL="1200150" indent="-285750" algn="l" defTabSz="457200" rtl="0" eaLnBrk="1" latinLnBrk="0" hangingPunct="1">
-              <a:spcBef>
-                <a:spcPct val="20000"/>
-              </a:spcBef>
-              <a:spcAft>
-                <a:spcPts val="600"/>
-              </a:spcAft>
-              <a:buClr>
-                <a:schemeClr val="accent1">
-                  <a:lumMod val="75000"/>
-                </a:schemeClr>
-              </a:buClr>
-              <a:buSzPct val="145000"/>
-              <a:buFont typeface="Arial"/>
-              <a:buChar char="•"/>
-              <a:defRPr sz="1800" kern="1200" cap="none">
-                <a:solidFill>
-                  <a:schemeClr val="tx1"/>
-                </a:solidFill>
-                <a:effectLst/>
-                <a:latin typeface="+mn-lt"/>
-                <a:ea typeface="+mn-ea"/>
-                <a:cs typeface="+mn-cs"/>
-              </a:defRPr>
-            </a:lvl3pPr>
-            <a:lvl4pPr marL="1543050" indent="-171450" algn="l" defTabSz="457200" rtl="0" eaLnBrk="1" latinLnBrk="0" hangingPunct="1">
-              <a:spcBef>
-                <a:spcPct val="20000"/>
-              </a:spcBef>
-              <a:spcAft>
-                <a:spcPts val="600"/>
-              </a:spcAft>
-              <a:buClr>
-                <a:schemeClr val="accent1">
-                  <a:lumMod val="75000"/>
-                </a:schemeClr>
-              </a:buClr>
-              <a:buSzPct val="145000"/>
-              <a:buFont typeface="Arial"/>
-              <a:buChar char="•"/>
-              <a:defRPr sz="1600" kern="1200" cap="none">
-                <a:solidFill>
-                  <a:schemeClr val="tx1"/>
-                </a:solidFill>
-                <a:effectLst/>
-                <a:latin typeface="+mn-lt"/>
-                <a:ea typeface="+mn-ea"/>
-                <a:cs typeface="+mn-cs"/>
-              </a:defRPr>
-            </a:lvl4pPr>
-            <a:lvl5pPr marL="2000250" indent="-171450" algn="l" defTabSz="457200" rtl="0" eaLnBrk="1" latinLnBrk="0" hangingPunct="1">
-              <a:spcBef>
-                <a:spcPct val="20000"/>
-              </a:spcBef>
-              <a:spcAft>
-                <a:spcPts val="600"/>
-              </a:spcAft>
-              <a:buClr>
-                <a:schemeClr val="accent1">
-                  <a:lumMod val="75000"/>
-                </a:schemeClr>
-              </a:buClr>
-              <a:buSzPct val="145000"/>
-              <a:buFont typeface="Arial"/>
-              <a:buChar char="•"/>
-              <a:defRPr sz="1400" kern="1200" cap="none">
-                <a:solidFill>
-                  <a:schemeClr val="tx1"/>
-                </a:solidFill>
-                <a:effectLst/>
-                <a:latin typeface="+mn-lt"/>
-                <a:ea typeface="+mn-ea"/>
-                <a:cs typeface="+mn-cs"/>
-              </a:defRPr>
-            </a:lvl5pPr>
-            <a:lvl6pPr marL="2514600" indent="-228600" algn="l" defTabSz="457200" rtl="0" eaLnBrk="1" latinLnBrk="0" hangingPunct="1">
-              <a:spcBef>
-                <a:spcPct val="20000"/>
-              </a:spcBef>
-              <a:spcAft>
-                <a:spcPts val="600"/>
-              </a:spcAft>
-              <a:buClr>
-                <a:schemeClr val="accent1">
-                  <a:lumMod val="75000"/>
-                </a:schemeClr>
-              </a:buClr>
-              <a:buSzPct val="145000"/>
-              <a:buFont typeface="Arial"/>
-              <a:buChar char="•"/>
-              <a:defRPr sz="1400" kern="1200" cap="none">
-                <a:solidFill>
-                  <a:schemeClr val="tx1"/>
-                </a:solidFill>
-                <a:effectLst/>
-                <a:latin typeface="+mn-lt"/>
-                <a:ea typeface="+mn-ea"/>
-                <a:cs typeface="+mn-cs"/>
-              </a:defRPr>
-            </a:lvl6pPr>
-            <a:lvl7pPr marL="2971800" indent="-228600" algn="l" defTabSz="457200" rtl="0" eaLnBrk="1" latinLnBrk="0" hangingPunct="1">
-              <a:spcBef>
-                <a:spcPct val="20000"/>
-              </a:spcBef>
-              <a:spcAft>
-                <a:spcPts val="600"/>
-              </a:spcAft>
-              <a:buClr>
-                <a:schemeClr val="accent1">
-                  <a:lumMod val="75000"/>
-                </a:schemeClr>
-              </a:buClr>
-              <a:buSzPct val="145000"/>
-              <a:buFont typeface="Arial"/>
-              <a:buChar char="•"/>
-              <a:defRPr sz="1400" kern="1200" cap="none">
-                <a:solidFill>
-                  <a:schemeClr val="tx1"/>
-                </a:solidFill>
-                <a:effectLst/>
-                <a:latin typeface="+mn-lt"/>
-                <a:ea typeface="+mn-ea"/>
-                <a:cs typeface="+mn-cs"/>
-              </a:defRPr>
-            </a:lvl7pPr>
-            <a:lvl8pPr marL="3429000" indent="-228600" algn="l" defTabSz="457200" rtl="0" eaLnBrk="1" latinLnBrk="0" hangingPunct="1">
-              <a:spcBef>
-                <a:spcPct val="20000"/>
-              </a:spcBef>
-              <a:spcAft>
-                <a:spcPts val="600"/>
-              </a:spcAft>
-              <a:buClr>
-                <a:schemeClr val="accent1">
-                  <a:lumMod val="75000"/>
-                </a:schemeClr>
-              </a:buClr>
-              <a:buSzPct val="145000"/>
-              <a:buFont typeface="Arial"/>
-              <a:buChar char="•"/>
-              <a:defRPr sz="1400" kern="1200" cap="none">
-                <a:solidFill>
-                  <a:schemeClr val="tx1"/>
-                </a:solidFill>
-                <a:effectLst/>
-                <a:latin typeface="+mn-lt"/>
-                <a:ea typeface="+mn-ea"/>
-                <a:cs typeface="+mn-cs"/>
-              </a:defRPr>
-            </a:lvl8pPr>
-            <a:lvl9pPr marL="3886200" indent="-228600" algn="l" defTabSz="457200" rtl="0" eaLnBrk="1" latinLnBrk="0" hangingPunct="1">
-              <a:spcBef>
-                <a:spcPct val="20000"/>
-              </a:spcBef>
-              <a:spcAft>
-                <a:spcPts val="600"/>
-              </a:spcAft>
-              <a:buClr>
-                <a:schemeClr val="accent1">
-                  <a:lumMod val="75000"/>
-                </a:schemeClr>
-              </a:buClr>
-              <a:buSzPct val="145000"/>
-              <a:buFont typeface="Arial"/>
-              <a:buChar char="•"/>
-              <a:defRPr sz="1400" kern="1200" cap="none">
-                <a:solidFill>
-                  <a:schemeClr val="tx1"/>
-                </a:solidFill>
-                <a:effectLst/>
-                <a:latin typeface="+mn-lt"/>
-                <a:ea typeface="+mn-ea"/>
-                <a:cs typeface="+mn-cs"/>
-              </a:defRPr>
-            </a:lvl9pPr>
-          </a:lstStyle>
-          <a:p>
-            <a:r>
-              <a:rPr lang="en-US" b="1" dirty="0"/>
-              <a:t>Terraform</a:t>
-            </a:r>
-            <a:r>
-              <a:rPr lang="en-US" dirty="0"/>
-              <a:t> – Infrastructure as a code;</a:t>
-            </a:r>
-          </a:p>
-          <a:p>
-            <a:r>
-              <a:rPr lang="en-US" b="1" dirty="0"/>
-              <a:t>Ansible</a:t>
-            </a:r>
-            <a:r>
-              <a:rPr lang="en-US" dirty="0"/>
-              <a:t> – PCA*;</a:t>
-            </a:r>
-          </a:p>
-          <a:p>
-            <a:r>
-              <a:rPr lang="en-US" b="1" dirty="0"/>
-              <a:t>AWS</a:t>
-            </a:r>
-            <a:r>
-              <a:rPr lang="en-US" dirty="0"/>
-              <a:t> – Some Cloud provider;</a:t>
-            </a:r>
-            <a:endParaRPr lang="ru-RU" dirty="0"/>
-          </a:p>
-          <a:p>
-            <a:r>
-              <a:rPr lang="en-US" b="1" dirty="0"/>
-              <a:t>Git</a:t>
-            </a:r>
-            <a:r>
-              <a:rPr lang="en-US" dirty="0"/>
-              <a:t> – Version control;</a:t>
-            </a:r>
-          </a:p>
-          <a:p>
-            <a:r>
-              <a:rPr lang="en-US" b="1" dirty="0"/>
-              <a:t>Jenkins</a:t>
-            </a:r>
-            <a:r>
-              <a:rPr lang="en-US" dirty="0"/>
-              <a:t> – Continuous integration;</a:t>
-            </a:r>
-          </a:p>
-          <a:p>
-            <a:r>
-              <a:rPr lang="en-US" b="1" dirty="0"/>
-              <a:t>Code</a:t>
-            </a:r>
-            <a:r>
-              <a:rPr lang="en-US" dirty="0"/>
-              <a:t> – Product;</a:t>
-            </a:r>
-            <a:endParaRPr lang="ru-RU" dirty="0"/>
-          </a:p>
-          <a:p>
-            <a:r>
-              <a:rPr lang="en-US" b="1" dirty="0"/>
-              <a:t>Tomcat</a:t>
-            </a:r>
-            <a:r>
-              <a:rPr lang="en-US" dirty="0"/>
-              <a:t> – Web-Server. </a:t>
-            </a:r>
-            <a:endParaRPr lang="ru-RU" dirty="0"/>
-          </a:p>
-        </p:txBody>
-      </p:sp>
-      <p:sp>
-        <p:nvSpPr>
-          <p:cNvPr id="6" name="TextBox 5">
-            <a:extLst>
-              <a:ext uri="{FF2B5EF4-FFF2-40B4-BE49-F238E27FC236}">
-                <a16:creationId xmlns:a16="http://schemas.microsoft.com/office/drawing/2014/main" id="{1060C26B-18E0-4AA4-99AC-EF49E8C70D59}"/>
-              </a:ext>
-            </a:extLst>
-          </p:cNvPr>
-          <p:cNvSpPr txBox="1"/>
-          <p:nvPr/>
-        </p:nvSpPr>
-        <p:spPr>
-          <a:xfrm>
-            <a:off x="7399090" y="6581001"/>
-            <a:ext cx="4960690" cy="276999"/>
-          </a:xfrm>
-          <a:prstGeom prst="rect">
-            <a:avLst/>
-          </a:prstGeom>
-          <a:noFill/>
-        </p:spPr>
-        <p:txBody>
-          <a:bodyPr wrap="square" rtlCol="0">
-            <a:spAutoFit/>
-          </a:bodyPr>
-          <a:lstStyle/>
-          <a:p>
-            <a:r>
-              <a:rPr lang="en-US" sz="1200" dirty="0"/>
-              <a:t>*- Provisioning, Configuration management, and Application-deployment</a:t>
-            </a:r>
-            <a:endParaRPr lang="ru-RU" sz="1200" dirty="0"/>
-          </a:p>
-        </p:txBody>
-      </p:sp>
-    </p:spTree>
-    <p:extLst>
-      <p:ext uri="{BB962C8B-B14F-4D97-AF65-F5344CB8AC3E}">
-        <p14:creationId xmlns:p14="http://schemas.microsoft.com/office/powerpoint/2010/main" val="4110064638"/>
-      </p:ext>
-    </p:extLst>
-  </p:cSld>
-  <p:clrMapOvr>
-    <a:masterClrMapping/>
-  </p:clrMapOvr>
-  <p:timing>
-    <p:tnLst>
-      <p:par>
-        <p:cTn id="1" dur="indefinite" restart="never" nodeType="tmRoot">
-          <p:childTnLst>
-            <p:seq concurrent="1" nextAc="seek">
-              <p:cTn id="2" dur="indefinite" nodeType="mainSeq">
-                <p:childTnLst>
-                  <p:par>
-                    <p:cTn id="3" fill="hold">
-                      <p:stCondLst>
-                        <p:cond delay="indefinite"/>
-                      </p:stCondLst>
-                      <p:childTnLst>
-                        <p:par>
-                          <p:cTn id="4" fill="hold">
-                            <p:stCondLst>
-                              <p:cond delay="0"/>
-                            </p:stCondLst>
-                            <p:childTnLst>
-                              <p:par>
-                                <p:cTn id="5" presetID="16" presetClass="entr" presetSubtype="21" fill="hold" grpId="0" nodeType="clickEffect">
-                                  <p:stCondLst>
-                                    <p:cond delay="0"/>
-                                  </p:stCondLst>
-                                  <p:childTnLst>
-                                    <p:set>
-                                      <p:cBhvr>
-                                        <p:cTn id="6" dur="1" fill="hold">
-                                          <p:stCondLst>
-                                            <p:cond delay="0"/>
-                                          </p:stCondLst>
-                                        </p:cTn>
-                                        <p:tgtEl>
-                                          <p:spTgt spid="4"/>
-                                        </p:tgtEl>
-                                        <p:attrNameLst>
-                                          <p:attrName>style.visibility</p:attrName>
-                                        </p:attrNameLst>
-                                      </p:cBhvr>
-                                      <p:to>
-                                        <p:strVal val="visible"/>
-                                      </p:to>
-                                    </p:set>
-                                    <p:animEffect transition="in" filter="barn(inVertical)">
-                                      <p:cBhvr>
-                                        <p:cTn id="7" dur="500"/>
-                                        <p:tgtEl>
-                                          <p:spTgt spid="4"/>
-                                        </p:tgtEl>
-                                      </p:cBhvr>
-                                    </p:animEffect>
-                                  </p:childTnLst>
-                                </p:cTn>
-                              </p:par>
-                            </p:childTnLst>
-                          </p:cTn>
-                        </p:par>
-                        <p:par>
-                          <p:cTn id="8" fill="hold">
-                            <p:stCondLst>
-                              <p:cond delay="500"/>
-                            </p:stCondLst>
-                            <p:childTnLst>
-                              <p:par>
-                                <p:cTn id="9" presetID="2" presetClass="entr" presetSubtype="4" fill="hold" grpId="0" nodeType="afterEffect">
-                                  <p:stCondLst>
-                                    <p:cond delay="0"/>
-                                  </p:stCondLst>
-                                  <p:childTnLst>
-                                    <p:set>
-                                      <p:cBhvr>
-                                        <p:cTn id="10" dur="1" fill="hold">
-                                          <p:stCondLst>
-                                            <p:cond delay="0"/>
-                                          </p:stCondLst>
-                                        </p:cTn>
-                                        <p:tgtEl>
-                                          <p:spTgt spid="3">
-                                            <p:txEl>
-                                              <p:pRg st="0" end="0"/>
-                                            </p:txEl>
-                                          </p:spTgt>
-                                        </p:tgtEl>
-                                        <p:attrNameLst>
-                                          <p:attrName>style.visibility</p:attrName>
-                                        </p:attrNameLst>
-                                      </p:cBhvr>
-                                      <p:to>
-                                        <p:strVal val="visible"/>
-                                      </p:to>
-                                    </p:set>
-                                    <p:anim calcmode="lin" valueType="num">
-                                      <p:cBhvr additive="base">
-                                        <p:cTn id="11" dur="1000" fill="hold"/>
-                                        <p:tgtEl>
-                                          <p:spTgt spid="3">
-                                            <p:txEl>
-                                              <p:pRg st="0" end="0"/>
-                                            </p:txEl>
-                                          </p:spTgt>
-                                        </p:tgtEl>
-                                        <p:attrNameLst>
-                                          <p:attrName>ppt_x</p:attrName>
-                                        </p:attrNameLst>
-                                      </p:cBhvr>
-                                      <p:tavLst>
-                                        <p:tav tm="0">
-                                          <p:val>
-                                            <p:strVal val="#ppt_x"/>
-                                          </p:val>
-                                        </p:tav>
-                                        <p:tav tm="100000">
-                                          <p:val>
-                                            <p:strVal val="#ppt_x"/>
-                                          </p:val>
-                                        </p:tav>
-                                      </p:tavLst>
-                                    </p:anim>
-                                    <p:anim calcmode="lin" valueType="num">
-                                      <p:cBhvr additive="base">
-                                        <p:cTn id="12" dur="1000" fill="hold"/>
-                                        <p:tgtEl>
-                                          <p:spTgt spid="3">
-                                            <p:txEl>
-                                              <p:pRg st="0" end="0"/>
-                                            </p:txEl>
-                                          </p:spTgt>
-                                        </p:tgtEl>
-                                        <p:attrNameLst>
-                                          <p:attrName>ppt_y</p:attrName>
-                                        </p:attrNameLst>
-                                      </p:cBhvr>
-                                      <p:tavLst>
-                                        <p:tav tm="0">
-                                          <p:val>
-                                            <p:strVal val="1+#ppt_h/2"/>
-                                          </p:val>
-                                        </p:tav>
-                                        <p:tav tm="100000">
-                                          <p:val>
-                                            <p:strVal val="#ppt_y"/>
-                                          </p:val>
-                                        </p:tav>
-                                      </p:tavLst>
-                                    </p:anim>
-                                  </p:childTnLst>
-                                </p:cTn>
-                              </p:par>
-                            </p:childTnLst>
-                          </p:cTn>
-                        </p:par>
-                        <p:par>
-                          <p:cTn id="13" fill="hold">
-                            <p:stCondLst>
-                              <p:cond delay="1500"/>
-                            </p:stCondLst>
-                            <p:childTnLst>
-                              <p:par>
-                                <p:cTn id="14" presetID="2" presetClass="entr" presetSubtype="4" fill="hold" grpId="0" nodeType="afterEffect">
-                                  <p:stCondLst>
-                                    <p:cond delay="0"/>
-                                  </p:stCondLst>
-                                  <p:childTnLst>
-                                    <p:set>
-                                      <p:cBhvr>
-                                        <p:cTn id="15" dur="1" fill="hold">
-                                          <p:stCondLst>
-                                            <p:cond delay="0"/>
-                                          </p:stCondLst>
-                                        </p:cTn>
-                                        <p:tgtEl>
-                                          <p:spTgt spid="3">
-                                            <p:txEl>
-                                              <p:pRg st="1" end="1"/>
-                                            </p:txEl>
-                                          </p:spTgt>
-                                        </p:tgtEl>
-                                        <p:attrNameLst>
-                                          <p:attrName>style.visibility</p:attrName>
-                                        </p:attrNameLst>
-                                      </p:cBhvr>
-                                      <p:to>
-                                        <p:strVal val="visible"/>
-                                      </p:to>
-                                    </p:set>
-                                    <p:anim calcmode="lin" valueType="num">
-                                      <p:cBhvr additive="base">
-                                        <p:cTn id="16" dur="1000" fill="hold"/>
-                                        <p:tgtEl>
-                                          <p:spTgt spid="3">
-                                            <p:txEl>
-                                              <p:pRg st="1" end="1"/>
-                                            </p:txEl>
-                                          </p:spTgt>
-                                        </p:tgtEl>
-                                        <p:attrNameLst>
-                                          <p:attrName>ppt_x</p:attrName>
-                                        </p:attrNameLst>
-                                      </p:cBhvr>
-                                      <p:tavLst>
-                                        <p:tav tm="0">
-                                          <p:val>
-                                            <p:strVal val="#ppt_x"/>
-                                          </p:val>
-                                        </p:tav>
-                                        <p:tav tm="100000">
-                                          <p:val>
-                                            <p:strVal val="#ppt_x"/>
-                                          </p:val>
-                                        </p:tav>
-                                      </p:tavLst>
-                                    </p:anim>
-                                    <p:anim calcmode="lin" valueType="num">
-                                      <p:cBhvr additive="base">
-                                        <p:cTn id="17" dur="1000" fill="hold"/>
-                                        <p:tgtEl>
-                                          <p:spTgt spid="3">
-                                            <p:txEl>
-                                              <p:pRg st="1" end="1"/>
-                                            </p:txEl>
-                                          </p:spTgt>
-                                        </p:tgtEl>
-                                        <p:attrNameLst>
-                                          <p:attrName>ppt_y</p:attrName>
-                                        </p:attrNameLst>
-                                      </p:cBhvr>
-                                      <p:tavLst>
-                                        <p:tav tm="0">
-                                          <p:val>
-                                            <p:strVal val="1+#ppt_h/2"/>
-                                          </p:val>
-                                        </p:tav>
-                                        <p:tav tm="100000">
-                                          <p:val>
-                                            <p:strVal val="#ppt_y"/>
-                                          </p:val>
-                                        </p:tav>
-                                      </p:tavLst>
-                                    </p:anim>
-                                  </p:childTnLst>
-                                </p:cTn>
-                              </p:par>
-                            </p:childTnLst>
-                          </p:cTn>
-                        </p:par>
-                        <p:par>
-                          <p:cTn id="18" fill="hold">
-                            <p:stCondLst>
-                              <p:cond delay="2500"/>
-                            </p:stCondLst>
-                            <p:childTnLst>
-                              <p:par>
-                                <p:cTn id="19" presetID="2" presetClass="entr" presetSubtype="4" fill="hold" grpId="0" nodeType="afterEffect">
-                                  <p:stCondLst>
-                                    <p:cond delay="0"/>
-                                  </p:stCondLst>
-                                  <p:childTnLst>
-                                    <p:set>
-                                      <p:cBhvr>
-                                        <p:cTn id="20" dur="1" fill="hold">
-                                          <p:stCondLst>
-                                            <p:cond delay="0"/>
-                                          </p:stCondLst>
-                                        </p:cTn>
-                                        <p:tgtEl>
-                                          <p:spTgt spid="3">
-                                            <p:txEl>
-                                              <p:pRg st="2" end="2"/>
-                                            </p:txEl>
-                                          </p:spTgt>
-                                        </p:tgtEl>
-                                        <p:attrNameLst>
-                                          <p:attrName>style.visibility</p:attrName>
-                                        </p:attrNameLst>
-                                      </p:cBhvr>
-                                      <p:to>
-                                        <p:strVal val="visible"/>
-                                      </p:to>
-                                    </p:set>
-                                    <p:anim calcmode="lin" valueType="num">
-                                      <p:cBhvr additive="base">
-                                        <p:cTn id="21" dur="1000" fill="hold"/>
-                                        <p:tgtEl>
-                                          <p:spTgt spid="3">
-                                            <p:txEl>
-                                              <p:pRg st="2" end="2"/>
-                                            </p:txEl>
-                                          </p:spTgt>
-                                        </p:tgtEl>
-                                        <p:attrNameLst>
-                                          <p:attrName>ppt_x</p:attrName>
-                                        </p:attrNameLst>
-                                      </p:cBhvr>
-                                      <p:tavLst>
-                                        <p:tav tm="0">
-                                          <p:val>
-                                            <p:strVal val="#ppt_x"/>
-                                          </p:val>
-                                        </p:tav>
-                                        <p:tav tm="100000">
-                                          <p:val>
-                                            <p:strVal val="#ppt_x"/>
-                                          </p:val>
-                                        </p:tav>
-                                      </p:tavLst>
-                                    </p:anim>
-                                    <p:anim calcmode="lin" valueType="num">
-                                      <p:cBhvr additive="base">
-                                        <p:cTn id="22" dur="1000" fill="hold"/>
-                                        <p:tgtEl>
-                                          <p:spTgt spid="3">
-                                            <p:txEl>
-                                              <p:pRg st="2" end="2"/>
-                                            </p:txEl>
-                                          </p:spTgt>
-                                        </p:tgtEl>
-                                        <p:attrNameLst>
-                                          <p:attrName>ppt_y</p:attrName>
-                                        </p:attrNameLst>
-                                      </p:cBhvr>
-                                      <p:tavLst>
-                                        <p:tav tm="0">
-                                          <p:val>
-                                            <p:strVal val="1+#ppt_h/2"/>
-                                          </p:val>
-                                        </p:tav>
-                                        <p:tav tm="100000">
-                                          <p:val>
-                                            <p:strVal val="#ppt_y"/>
-                                          </p:val>
-                                        </p:tav>
-                                      </p:tavLst>
-                                    </p:anim>
-                                  </p:childTnLst>
-                                </p:cTn>
-                              </p:par>
-                            </p:childTnLst>
-                          </p:cTn>
-                        </p:par>
-                        <p:par>
-                          <p:cTn id="23" fill="hold">
-                            <p:stCondLst>
-                              <p:cond delay="3500"/>
-                            </p:stCondLst>
-                            <p:childTnLst>
-                              <p:par>
-                                <p:cTn id="24" presetID="2" presetClass="entr" presetSubtype="4" fill="hold" grpId="0" nodeType="afterEffect">
-                                  <p:stCondLst>
-                                    <p:cond delay="0"/>
-                                  </p:stCondLst>
-                                  <p:childTnLst>
-                                    <p:set>
-                                      <p:cBhvr>
-                                        <p:cTn id="25" dur="1" fill="hold">
-                                          <p:stCondLst>
-                                            <p:cond delay="0"/>
-                                          </p:stCondLst>
-                                        </p:cTn>
-                                        <p:tgtEl>
-                                          <p:spTgt spid="3">
-                                            <p:txEl>
-                                              <p:pRg st="3" end="3"/>
-                                            </p:txEl>
-                                          </p:spTgt>
-                                        </p:tgtEl>
-                                        <p:attrNameLst>
-                                          <p:attrName>style.visibility</p:attrName>
-                                        </p:attrNameLst>
-                                      </p:cBhvr>
-                                      <p:to>
-                                        <p:strVal val="visible"/>
-                                      </p:to>
-                                    </p:set>
-                                    <p:anim calcmode="lin" valueType="num">
-                                      <p:cBhvr additive="base">
-                                        <p:cTn id="26" dur="1000" fill="hold"/>
-                                        <p:tgtEl>
-                                          <p:spTgt spid="3">
-                                            <p:txEl>
-                                              <p:pRg st="3" end="3"/>
-                                            </p:txEl>
-                                          </p:spTgt>
-                                        </p:tgtEl>
-                                        <p:attrNameLst>
-                                          <p:attrName>ppt_x</p:attrName>
-                                        </p:attrNameLst>
-                                      </p:cBhvr>
-                                      <p:tavLst>
-                                        <p:tav tm="0">
-                                          <p:val>
-                                            <p:strVal val="#ppt_x"/>
-                                          </p:val>
-                                        </p:tav>
-                                        <p:tav tm="100000">
-                                          <p:val>
-                                            <p:strVal val="#ppt_x"/>
-                                          </p:val>
-                                        </p:tav>
-                                      </p:tavLst>
-                                    </p:anim>
-                                    <p:anim calcmode="lin" valueType="num">
-                                      <p:cBhvr additive="base">
-                                        <p:cTn id="27" dur="1000" fill="hold"/>
-                                        <p:tgtEl>
-                                          <p:spTgt spid="3">
-                                            <p:txEl>
-                                              <p:pRg st="3" end="3"/>
-                                            </p:txEl>
-                                          </p:spTgt>
-                                        </p:tgtEl>
-                                        <p:attrNameLst>
-                                          <p:attrName>ppt_y</p:attrName>
-                                        </p:attrNameLst>
-                                      </p:cBhvr>
-                                      <p:tavLst>
-                                        <p:tav tm="0">
-                                          <p:val>
-                                            <p:strVal val="1+#ppt_h/2"/>
-                                          </p:val>
-                                        </p:tav>
-                                        <p:tav tm="100000">
-                                          <p:val>
-                                            <p:strVal val="#ppt_y"/>
-                                          </p:val>
-                                        </p:tav>
-                                      </p:tavLst>
-                                    </p:anim>
-                                  </p:childTnLst>
-                                </p:cTn>
-                              </p:par>
-                            </p:childTnLst>
-                          </p:cTn>
-                        </p:par>
-                      </p:childTnLst>
-                    </p:cTn>
-                  </p:par>
-                  <p:par>
-                    <p:cTn id="28" fill="hold">
-                      <p:stCondLst>
-                        <p:cond delay="indefinite"/>
-                      </p:stCondLst>
-                      <p:childTnLst>
-                        <p:par>
-                          <p:cTn id="29" fill="hold">
-                            <p:stCondLst>
-                              <p:cond delay="0"/>
-                            </p:stCondLst>
-                            <p:childTnLst>
-                              <p:par>
-                                <p:cTn id="30" presetID="6" presetClass="entr" presetSubtype="16" fill="hold" grpId="0" nodeType="clickEffect">
-                                  <p:stCondLst>
-                                    <p:cond delay="0"/>
-                                  </p:stCondLst>
-                                  <p:childTnLst>
-                                    <p:set>
-                                      <p:cBhvr>
-                                        <p:cTn id="31" dur="1" fill="hold">
-                                          <p:stCondLst>
-                                            <p:cond delay="0"/>
-                                          </p:stCondLst>
-                                        </p:cTn>
-                                        <p:tgtEl>
-                                          <p:spTgt spid="2"/>
-                                        </p:tgtEl>
-                                        <p:attrNameLst>
-                                          <p:attrName>style.visibility</p:attrName>
-                                        </p:attrNameLst>
-                                      </p:cBhvr>
-                                      <p:to>
-                                        <p:strVal val="visible"/>
-                                      </p:to>
-                                    </p:set>
-                                    <p:animEffect transition="in" filter="circle(in)">
-                                      <p:cBhvr>
-                                        <p:cTn id="32" dur="2000"/>
-                                        <p:tgtEl>
-                                          <p:spTgt spid="2"/>
-                                        </p:tgtEl>
-                                      </p:cBhvr>
-                                    </p:animEffect>
-                                  </p:childTnLst>
-                                </p:cTn>
-                              </p:par>
-                            </p:childTnLst>
-                          </p:cTn>
-                        </p:par>
-                      </p:childTnLst>
-                    </p:cTn>
-                  </p:par>
-                  <p:par>
-                    <p:cTn id="33" fill="hold">
-                      <p:stCondLst>
-                        <p:cond delay="indefinite"/>
-                      </p:stCondLst>
-                      <p:childTnLst>
-                        <p:par>
-                          <p:cTn id="34" fill="hold">
-                            <p:stCondLst>
-                              <p:cond delay="0"/>
-                            </p:stCondLst>
-                            <p:childTnLst>
-                              <p:par>
-                                <p:cTn id="35" presetID="6" presetClass="entr" presetSubtype="16" fill="hold" grpId="0" nodeType="clickEffect">
-                                  <p:stCondLst>
-                                    <p:cond delay="0"/>
-                                  </p:stCondLst>
-                                  <p:childTnLst>
-                                    <p:set>
-                                      <p:cBhvr>
-                                        <p:cTn id="36" dur="1" fill="hold">
-                                          <p:stCondLst>
-                                            <p:cond delay="0"/>
-                                          </p:stCondLst>
-                                        </p:cTn>
-                                        <p:tgtEl>
-                                          <p:spTgt spid="5">
-                                            <p:txEl>
-                                              <p:pRg st="0" end="0"/>
-                                            </p:txEl>
-                                          </p:spTgt>
-                                        </p:tgtEl>
-                                        <p:attrNameLst>
-                                          <p:attrName>style.visibility</p:attrName>
-                                        </p:attrNameLst>
-                                      </p:cBhvr>
-                                      <p:to>
-                                        <p:strVal val="visible"/>
-                                      </p:to>
-                                    </p:set>
-                                    <p:animEffect transition="in" filter="circle(in)">
-                                      <p:cBhvr>
-                                        <p:cTn id="37" dur="1000"/>
-                                        <p:tgtEl>
-                                          <p:spTgt spid="5">
-                                            <p:txEl>
-                                              <p:pRg st="0" end="0"/>
-                                            </p:txEl>
-                                          </p:spTgt>
-                                        </p:tgtEl>
-                                      </p:cBhvr>
-                                    </p:animEffect>
-                                  </p:childTnLst>
-                                </p:cTn>
-                              </p:par>
-                            </p:childTnLst>
-                          </p:cTn>
-                        </p:par>
-                      </p:childTnLst>
-                    </p:cTn>
-                  </p:par>
-                  <p:par>
-                    <p:cTn id="38" fill="hold">
-                      <p:stCondLst>
-                        <p:cond delay="indefinite"/>
-                      </p:stCondLst>
-                      <p:childTnLst>
-                        <p:par>
-                          <p:cTn id="39" fill="hold">
-                            <p:stCondLst>
-                              <p:cond delay="0"/>
-                            </p:stCondLst>
-                            <p:childTnLst>
-                              <p:par>
-                                <p:cTn id="40" presetID="6" presetClass="entr" presetSubtype="16" fill="hold" grpId="0" nodeType="clickEffect">
-                                  <p:stCondLst>
-                                    <p:cond delay="0"/>
-                                  </p:stCondLst>
-                                  <p:childTnLst>
-                                    <p:set>
-                                      <p:cBhvr>
-                                        <p:cTn id="41" dur="1" fill="hold">
-                                          <p:stCondLst>
-                                            <p:cond delay="0"/>
-                                          </p:stCondLst>
-                                        </p:cTn>
-                                        <p:tgtEl>
-                                          <p:spTgt spid="5">
-                                            <p:txEl>
-                                              <p:pRg st="1" end="1"/>
-                                            </p:txEl>
-                                          </p:spTgt>
-                                        </p:tgtEl>
-                                        <p:attrNameLst>
-                                          <p:attrName>style.visibility</p:attrName>
-                                        </p:attrNameLst>
-                                      </p:cBhvr>
-                                      <p:to>
-                                        <p:strVal val="visible"/>
-                                      </p:to>
-                                    </p:set>
-                                    <p:animEffect transition="in" filter="circle(in)">
-                                      <p:cBhvr>
-                                        <p:cTn id="42" dur="1000"/>
-                                        <p:tgtEl>
-                                          <p:spTgt spid="5">
-                                            <p:txEl>
-                                              <p:pRg st="1" end="1"/>
-                                            </p:txEl>
-                                          </p:spTgt>
-                                        </p:tgtEl>
-                                      </p:cBhvr>
-                                    </p:animEffect>
-                                  </p:childTnLst>
-                                </p:cTn>
-                              </p:par>
-                            </p:childTnLst>
-                          </p:cTn>
-                        </p:par>
-                        <p:par>
-                          <p:cTn id="43" fill="hold">
-                            <p:stCondLst>
-                              <p:cond delay="1000"/>
-                            </p:stCondLst>
-                            <p:childTnLst>
-                              <p:par>
-                                <p:cTn id="44" presetID="14" presetClass="entr" presetSubtype="10" fill="hold" grpId="0" nodeType="afterEffect">
-                                  <p:stCondLst>
-                                    <p:cond delay="0"/>
-                                  </p:stCondLst>
-                                  <p:childTnLst>
-                                    <p:set>
-                                      <p:cBhvr>
-                                        <p:cTn id="45" dur="1" fill="hold">
-                                          <p:stCondLst>
-                                            <p:cond delay="0"/>
-                                          </p:stCondLst>
-                                        </p:cTn>
-                                        <p:tgtEl>
-                                          <p:spTgt spid="6"/>
-                                        </p:tgtEl>
-                                        <p:attrNameLst>
-                                          <p:attrName>style.visibility</p:attrName>
-                                        </p:attrNameLst>
-                                      </p:cBhvr>
-                                      <p:to>
-                                        <p:strVal val="visible"/>
-                                      </p:to>
-                                    </p:set>
-                                    <p:animEffect transition="in" filter="randombar(horizontal)">
-                                      <p:cBhvr>
-                                        <p:cTn id="46" dur="500"/>
-                                        <p:tgtEl>
-                                          <p:spTgt spid="6"/>
-                                        </p:tgtEl>
-                                      </p:cBhvr>
-                                    </p:animEffect>
-                                  </p:childTnLst>
-                                </p:cTn>
-                              </p:par>
-                            </p:childTnLst>
-                          </p:cTn>
-                        </p:par>
-                      </p:childTnLst>
-                    </p:cTn>
-                  </p:par>
-                  <p:par>
-                    <p:cTn id="47" fill="hold">
-                      <p:stCondLst>
-                        <p:cond delay="indefinite"/>
-                      </p:stCondLst>
-                      <p:childTnLst>
-                        <p:par>
-                          <p:cTn id="48" fill="hold">
-                            <p:stCondLst>
-                              <p:cond delay="0"/>
-                            </p:stCondLst>
-                            <p:childTnLst>
-                              <p:par>
-                                <p:cTn id="49" presetID="6" presetClass="entr" presetSubtype="16" fill="hold" grpId="0" nodeType="clickEffect">
-                                  <p:stCondLst>
-                                    <p:cond delay="0"/>
-                                  </p:stCondLst>
-                                  <p:childTnLst>
-                                    <p:set>
-                                      <p:cBhvr>
-                                        <p:cTn id="50" dur="1" fill="hold">
-                                          <p:stCondLst>
-                                            <p:cond delay="0"/>
-                                          </p:stCondLst>
-                                        </p:cTn>
-                                        <p:tgtEl>
-                                          <p:spTgt spid="5">
-                                            <p:txEl>
-                                              <p:pRg st="2" end="2"/>
-                                            </p:txEl>
-                                          </p:spTgt>
-                                        </p:tgtEl>
-                                        <p:attrNameLst>
-                                          <p:attrName>style.visibility</p:attrName>
-                                        </p:attrNameLst>
-                                      </p:cBhvr>
-                                      <p:to>
-                                        <p:strVal val="visible"/>
-                                      </p:to>
-                                    </p:set>
-                                    <p:animEffect transition="in" filter="circle(in)">
-                                      <p:cBhvr>
-                                        <p:cTn id="51" dur="1000"/>
-                                        <p:tgtEl>
-                                          <p:spTgt spid="5">
-                                            <p:txEl>
-                                              <p:pRg st="2" end="2"/>
-                                            </p:txEl>
-                                          </p:spTgt>
-                                        </p:tgtEl>
-                                      </p:cBhvr>
-                                    </p:animEffect>
-                                  </p:childTnLst>
-                                </p:cTn>
-                              </p:par>
-                            </p:childTnLst>
-                          </p:cTn>
-                        </p:par>
-                      </p:childTnLst>
-                    </p:cTn>
-                  </p:par>
-                  <p:par>
-                    <p:cTn id="52" fill="hold">
-                      <p:stCondLst>
-                        <p:cond delay="indefinite"/>
-                      </p:stCondLst>
-                      <p:childTnLst>
-                        <p:par>
-                          <p:cTn id="53" fill="hold">
-                            <p:stCondLst>
-                              <p:cond delay="0"/>
-                            </p:stCondLst>
-                            <p:childTnLst>
-                              <p:par>
-                                <p:cTn id="54" presetID="6" presetClass="entr" presetSubtype="16" fill="hold" grpId="0" nodeType="clickEffect">
-                                  <p:stCondLst>
-                                    <p:cond delay="0"/>
-                                  </p:stCondLst>
-                                  <p:childTnLst>
-                                    <p:set>
-                                      <p:cBhvr>
-                                        <p:cTn id="55" dur="1" fill="hold">
-                                          <p:stCondLst>
-                                            <p:cond delay="0"/>
-                                          </p:stCondLst>
-                                        </p:cTn>
-                                        <p:tgtEl>
-                                          <p:spTgt spid="5">
-                                            <p:txEl>
-                                              <p:pRg st="3" end="3"/>
-                                            </p:txEl>
-                                          </p:spTgt>
-                                        </p:tgtEl>
-                                        <p:attrNameLst>
-                                          <p:attrName>style.visibility</p:attrName>
-                                        </p:attrNameLst>
-                                      </p:cBhvr>
-                                      <p:to>
-                                        <p:strVal val="visible"/>
-                                      </p:to>
-                                    </p:set>
-                                    <p:animEffect transition="in" filter="circle(in)">
-                                      <p:cBhvr>
-                                        <p:cTn id="56" dur="1000"/>
-                                        <p:tgtEl>
-                                          <p:spTgt spid="5">
-                                            <p:txEl>
-                                              <p:pRg st="3" end="3"/>
-                                            </p:txEl>
-                                          </p:spTgt>
-                                        </p:tgtEl>
-                                      </p:cBhvr>
-                                    </p:animEffect>
-                                  </p:childTnLst>
-                                </p:cTn>
-                              </p:par>
-                            </p:childTnLst>
-                          </p:cTn>
-                        </p:par>
-                      </p:childTnLst>
-                    </p:cTn>
-                  </p:par>
-                  <p:par>
-                    <p:cTn id="57" fill="hold">
-                      <p:stCondLst>
-                        <p:cond delay="indefinite"/>
-                      </p:stCondLst>
-                      <p:childTnLst>
-                        <p:par>
-                          <p:cTn id="58" fill="hold">
-                            <p:stCondLst>
-                              <p:cond delay="0"/>
-                            </p:stCondLst>
-                            <p:childTnLst>
-                              <p:par>
-                                <p:cTn id="59" presetID="6" presetClass="entr" presetSubtype="16" fill="hold" grpId="0" nodeType="clickEffect">
-                                  <p:stCondLst>
-                                    <p:cond delay="0"/>
-                                  </p:stCondLst>
-                                  <p:childTnLst>
-                                    <p:set>
-                                      <p:cBhvr>
-                                        <p:cTn id="60" dur="1" fill="hold">
-                                          <p:stCondLst>
-                                            <p:cond delay="0"/>
-                                          </p:stCondLst>
-                                        </p:cTn>
-                                        <p:tgtEl>
-                                          <p:spTgt spid="5">
-                                            <p:txEl>
-                                              <p:pRg st="4" end="4"/>
-                                            </p:txEl>
-                                          </p:spTgt>
-                                        </p:tgtEl>
-                                        <p:attrNameLst>
-                                          <p:attrName>style.visibility</p:attrName>
-                                        </p:attrNameLst>
-                                      </p:cBhvr>
-                                      <p:to>
-                                        <p:strVal val="visible"/>
-                                      </p:to>
-                                    </p:set>
-                                    <p:animEffect transition="in" filter="circle(in)">
-                                      <p:cBhvr>
-                                        <p:cTn id="61" dur="1000"/>
-                                        <p:tgtEl>
-                                          <p:spTgt spid="5">
-                                            <p:txEl>
-                                              <p:pRg st="4" end="4"/>
-                                            </p:txEl>
-                                          </p:spTgt>
-                                        </p:tgtEl>
-                                      </p:cBhvr>
-                                    </p:animEffect>
-                                  </p:childTnLst>
-                                </p:cTn>
-                              </p:par>
-                            </p:childTnLst>
-                          </p:cTn>
-                        </p:par>
-                      </p:childTnLst>
-                    </p:cTn>
-                  </p:par>
-                  <p:par>
-                    <p:cTn id="62" fill="hold">
-                      <p:stCondLst>
-                        <p:cond delay="indefinite"/>
-                      </p:stCondLst>
-                      <p:childTnLst>
-                        <p:par>
-                          <p:cTn id="63" fill="hold">
-                            <p:stCondLst>
-                              <p:cond delay="0"/>
-                            </p:stCondLst>
-                            <p:childTnLst>
-                              <p:par>
-                                <p:cTn id="64" presetID="6" presetClass="entr" presetSubtype="16" fill="hold" grpId="0" nodeType="clickEffect">
-                                  <p:stCondLst>
-                                    <p:cond delay="0"/>
-                                  </p:stCondLst>
-                                  <p:childTnLst>
-                                    <p:set>
-                                      <p:cBhvr>
-                                        <p:cTn id="65" dur="1" fill="hold">
-                                          <p:stCondLst>
-                                            <p:cond delay="0"/>
-                                          </p:stCondLst>
-                                        </p:cTn>
-                                        <p:tgtEl>
-                                          <p:spTgt spid="5">
-                                            <p:txEl>
-                                              <p:pRg st="5" end="5"/>
-                                            </p:txEl>
-                                          </p:spTgt>
-                                        </p:tgtEl>
-                                        <p:attrNameLst>
-                                          <p:attrName>style.visibility</p:attrName>
-                                        </p:attrNameLst>
-                                      </p:cBhvr>
-                                      <p:to>
-                                        <p:strVal val="visible"/>
-                                      </p:to>
-                                    </p:set>
-                                    <p:animEffect transition="in" filter="circle(in)">
-                                      <p:cBhvr>
-                                        <p:cTn id="66" dur="1000"/>
-                                        <p:tgtEl>
-                                          <p:spTgt spid="5">
-                                            <p:txEl>
-                                              <p:pRg st="5" end="5"/>
-                                            </p:txEl>
-                                          </p:spTgt>
-                                        </p:tgtEl>
-                                      </p:cBhvr>
-                                    </p:animEffect>
-                                  </p:childTnLst>
-                                </p:cTn>
-                              </p:par>
-                            </p:childTnLst>
-                          </p:cTn>
-                        </p:par>
-                      </p:childTnLst>
-                    </p:cTn>
-                  </p:par>
-                  <p:par>
-                    <p:cTn id="67" fill="hold">
-                      <p:stCondLst>
-                        <p:cond delay="indefinite"/>
-                      </p:stCondLst>
-                      <p:childTnLst>
-                        <p:par>
-                          <p:cTn id="68" fill="hold">
-                            <p:stCondLst>
-                              <p:cond delay="0"/>
-                            </p:stCondLst>
-                            <p:childTnLst>
-                              <p:par>
-                                <p:cTn id="69" presetID="6" presetClass="entr" presetSubtype="16" fill="hold" grpId="0" nodeType="clickEffect">
-                                  <p:stCondLst>
-                                    <p:cond delay="0"/>
-                                  </p:stCondLst>
-                                  <p:childTnLst>
-                                    <p:set>
-                                      <p:cBhvr>
-                                        <p:cTn id="70" dur="1" fill="hold">
-                                          <p:stCondLst>
-                                            <p:cond delay="0"/>
-                                          </p:stCondLst>
-                                        </p:cTn>
-                                        <p:tgtEl>
-                                          <p:spTgt spid="5">
-                                            <p:txEl>
-                                              <p:pRg st="6" end="6"/>
-                                            </p:txEl>
-                                          </p:spTgt>
-                                        </p:tgtEl>
-                                        <p:attrNameLst>
-                                          <p:attrName>style.visibility</p:attrName>
-                                        </p:attrNameLst>
-                                      </p:cBhvr>
-                                      <p:to>
-                                        <p:strVal val="visible"/>
-                                      </p:to>
-                                    </p:set>
-                                    <p:animEffect transition="in" filter="circle(in)">
-                                      <p:cBhvr>
-                                        <p:cTn id="71" dur="1000"/>
-                                        <p:tgtEl>
-                                          <p:spTgt spid="5">
-                                            <p:txEl>
-                                              <p:pRg st="6" end="6"/>
-                                            </p:txEl>
-                                          </p:spTgt>
-                                        </p:tgtEl>
-                                      </p:cBhvr>
-                                    </p:animEffect>
-                                  </p:childTnLst>
-                                </p:cTn>
-                              </p:par>
-                            </p:childTnLst>
-                          </p:cTn>
-                        </p:par>
-                      </p:childTnLst>
-                    </p:cTn>
-                  </p:par>
-                </p:childTnLst>
-              </p:cTn>
-              <p:prevCondLst>
-                <p:cond evt="onPrev" delay="0">
-                  <p:tgtEl>
-                    <p:sldTgt/>
-                  </p:tgtEl>
-                </p:cond>
-              </p:prevCondLst>
-              <p:nextCondLst>
-                <p:cond evt="onNext" delay="0">
-                  <p:tgtEl>
-                    <p:sldTgt/>
-                  </p:tgtEl>
-                </p:cond>
-              </p:nextCondLst>
-            </p:seq>
-          </p:childTnLst>
-        </p:cTn>
-      </p:par>
-    </p:tnLst>
-    <p:bldLst>
-      <p:bldP spid="2" grpId="0"/>
-      <p:bldP spid="3" grpId="0" uiExpand="1" build="p"/>
-      <p:bldP spid="4" grpId="0"/>
-      <p:bldP spid="5" grpId="0" uiExpand="1" build="p"/>
-      <p:bldP spid="6" grpId="0"/>
-    </p:bldLst>
-  </p:timing>
-</p:sld>
-</file>
-
-<file path=ppt/slides/slide4.xml><?xml version="1.0" encoding="utf-8"?>
-<p:sld xmlns:a="http://schemas.openxmlformats.org/drawingml/2006/main" xmlns:r="http://schemas.openxmlformats.org/officeDocument/2006/relationships" xmlns:p="http://schemas.openxmlformats.org/presentationml/2006/main">
-  <p:cSld>
-    <p:spTree>
-      <p:nvGrpSpPr>
-        <p:cNvPr id="1" name=""/>
-        <p:cNvGrpSpPr/>
-        <p:nvPr/>
-      </p:nvGrpSpPr>
-      <p:grpSpPr>
-        <a:xfrm>
-          <a:off x="0" y="0"/>
-          <a:ext cx="0" cy="0"/>
-          <a:chOff x="0" y="0"/>
-          <a:chExt cx="0" cy="0"/>
-        </a:xfrm>
-      </p:grpSpPr>
-      <p:pic>
-        <p:nvPicPr>
-          <p:cNvPr id="5" name="Picture 4">
-            <a:extLst>
-              <a:ext uri="{FF2B5EF4-FFF2-40B4-BE49-F238E27FC236}">
-                <a16:creationId xmlns:a16="http://schemas.microsoft.com/office/drawing/2014/main" id="{11DC4F3C-905D-4138-A217-73416870671A}"/>
-              </a:ext>
-            </a:extLst>
-          </p:cNvPr>
-          <p:cNvPicPr>
-            <a:picLocks noChangeAspect="1"/>
-          </p:cNvPicPr>
-          <p:nvPr/>
-        </p:nvPicPr>
-        <p:blipFill>
-          <a:blip r:embed="rId2"/>
-          <a:stretch>
-            <a:fillRect/>
-          </a:stretch>
-        </p:blipFill>
-        <p:spPr>
-          <a:xfrm>
-            <a:off x="0" y="0"/>
-            <a:ext cx="12192000" cy="6858000"/>
-          </a:xfrm>
-          <a:prstGeom prst="rect">
-            <a:avLst/>
-          </a:prstGeom>
-        </p:spPr>
-      </p:pic>
-      <p:sp>
-        <p:nvSpPr>
-          <p:cNvPr id="6" name="TextBox 5">
-            <a:extLst>
-              <a:ext uri="{FF2B5EF4-FFF2-40B4-BE49-F238E27FC236}">
-                <a16:creationId xmlns:a16="http://schemas.microsoft.com/office/drawing/2014/main" id="{B6F80E8A-DC7F-48AD-B6D6-D59458D3F739}"/>
-              </a:ext>
-            </a:extLst>
-          </p:cNvPr>
-          <p:cNvSpPr txBox="1"/>
-          <p:nvPr/>
-        </p:nvSpPr>
-        <p:spPr>
-          <a:xfrm>
-            <a:off x="8313487" y="5595457"/>
-            <a:ext cx="3299672" cy="584775"/>
-          </a:xfrm>
-          <a:prstGeom prst="rect">
-            <a:avLst/>
-          </a:prstGeom>
-          <a:noFill/>
-        </p:spPr>
-        <p:txBody>
-          <a:bodyPr wrap="square" rtlCol="0">
-            <a:spAutoFit/>
-          </a:bodyPr>
-          <a:lstStyle/>
-          <a:p>
-            <a:r>
-              <a:rPr lang="en-US" sz="3200" b="1" dirty="0"/>
-              <a:t>Project Structure </a:t>
-            </a:r>
-            <a:endParaRPr lang="ru-RU" sz="3200" b="1" dirty="0"/>
-          </a:p>
-        </p:txBody>
-      </p:sp>
-    </p:spTree>
-    <p:extLst>
-      <p:ext uri="{BB962C8B-B14F-4D97-AF65-F5344CB8AC3E}">
-        <p14:creationId xmlns:p14="http://schemas.microsoft.com/office/powerpoint/2010/main" val="1679720382"/>
-      </p:ext>
-    </p:extLst>
-  </p:cSld>
-  <p:clrMapOvr>
-    <a:masterClrMapping/>
-  </p:clrMapOvr>
-  <p:timing>
-    <p:tnLst>
-      <p:par>
-        <p:cTn id="1" dur="indefinite" restart="never" nodeType="tmRoot">
-          <p:childTnLst>
-            <p:seq concurrent="1" nextAc="seek">
-              <p:cTn id="2" dur="indefinite" nodeType="mainSeq">
-                <p:childTnLst>
-                  <p:par>
-                    <p:cTn id="3" fill="hold">
-                      <p:stCondLst>
-                        <p:cond delay="indefinite"/>
-                      </p:stCondLst>
-                      <p:childTnLst>
-                        <p:par>
-                          <p:cTn id="4" fill="hold">
-                            <p:stCondLst>
-                              <p:cond delay="0"/>
-                            </p:stCondLst>
-                            <p:childTnLst>
-                              <p:par>
-                                <p:cTn id="5" presetID="14" presetClass="entr" presetSubtype="5" fill="hold" nodeType="clickEffect">
-                                  <p:stCondLst>
-                                    <p:cond delay="0"/>
-                                  </p:stCondLst>
-                                  <p:childTnLst>
-                                    <p:set>
-                                      <p:cBhvr>
-                                        <p:cTn id="6" dur="1" fill="hold">
-                                          <p:stCondLst>
-                                            <p:cond delay="0"/>
-                                          </p:stCondLst>
-                                        </p:cTn>
-                                        <p:tgtEl>
-                                          <p:spTgt spid="5"/>
-                                        </p:tgtEl>
-                                        <p:attrNameLst>
-                                          <p:attrName>style.visibility</p:attrName>
-                                        </p:attrNameLst>
-                                      </p:cBhvr>
-                                      <p:to>
-                                        <p:strVal val="visible"/>
-                                      </p:to>
-                                    </p:set>
-                                    <p:animEffect transition="in" filter="randombar(vertical)">
-                                      <p:cBhvr>
-                                        <p:cTn id="7" dur="500"/>
-                                        <p:tgtEl>
-                                          <p:spTgt spid="5"/>
-                                        </p:tgtEl>
-                                      </p:cBhvr>
-                                    </p:animEffect>
-                                  </p:childTnLst>
-                                </p:cTn>
-                              </p:par>
-                            </p:childTnLst>
-                          </p:cTn>
-                        </p:par>
-                      </p:childTnLst>
-                    </p:cTn>
-                  </p:par>
-                </p:childTnLst>
-              </p:cTn>
-              <p:prevCondLst>
-                <p:cond evt="onPrev" delay="0">
-                  <p:tgtEl>
-                    <p:sldTgt/>
-                  </p:tgtEl>
-                </p:cond>
-              </p:prevCondLst>
-              <p:nextCondLst>
-                <p:cond evt="onNext" delay="0">
-                  <p:tgtEl>
-                    <p:sldTgt/>
-                  </p:tgtEl>
-                </p:cond>
-              </p:nextCondLst>
-            </p:seq>
-          </p:childTnLst>
-        </p:cTn>
-      </p:par>
-    </p:tnLst>
-  </p:timing>
-</p:sld>
-</file>
-
-<file path=ppt/slides/slide5.xml><?xml version="1.0" encoding="utf-8"?>
-<p:sld xmlns:a="http://schemas.openxmlformats.org/drawingml/2006/main" xmlns:r="http://schemas.openxmlformats.org/officeDocument/2006/relationships" xmlns:p="http://schemas.openxmlformats.org/presentationml/2006/main">
-  <p:cSld>
-    <p:spTree>
-      <p:nvGrpSpPr>
-        <p:cNvPr id="1" name=""/>
-        <p:cNvGrpSpPr/>
-        <p:nvPr/>
-      </p:nvGrpSpPr>
-      <p:grpSpPr>
-        <a:xfrm>
-          <a:off x="0" y="0"/>
-          <a:ext cx="0" cy="0"/>
-          <a:chOff x="0" y="0"/>
-          <a:chExt cx="0" cy="0"/>
-        </a:xfrm>
-      </p:grpSpPr>
-      <p:sp>
-        <p:nvSpPr>
-          <p:cNvPr id="2" name="Title 1">
-            <a:extLst>
-              <a:ext uri="{FF2B5EF4-FFF2-40B4-BE49-F238E27FC236}">
-                <a16:creationId xmlns:a16="http://schemas.microsoft.com/office/drawing/2014/main" id="{E3B14561-AA31-48E7-8093-C1DAA7DC60F3}"/>
-              </a:ext>
-            </a:extLst>
-          </p:cNvPr>
-          <p:cNvSpPr>
-            <a:spLocks noGrp="1"/>
-          </p:cNvSpPr>
-          <p:nvPr>
-            <p:ph type="title"/>
-          </p:nvPr>
-        </p:nvSpPr>
-        <p:spPr>
-          <a:xfrm>
-            <a:off x="1719203" y="408965"/>
-            <a:ext cx="10018713" cy="838200"/>
-          </a:xfrm>
-        </p:spPr>
-        <p:txBody>
-          <a:bodyPr>
-            <a:normAutofit/>
-          </a:bodyPr>
-          <a:lstStyle/>
-          <a:p>
-            <a:r>
-              <a:rPr lang="en-US" dirty="0"/>
-              <a:t>Infrastructure preparations: </a:t>
-            </a:r>
-            <a:endParaRPr lang="ru-RU" dirty="0"/>
-          </a:p>
-        </p:txBody>
-      </p:sp>
-      <p:sp>
-        <p:nvSpPr>
-          <p:cNvPr id="3" name="Content Placeholder 2">
-            <a:extLst>
-              <a:ext uri="{FF2B5EF4-FFF2-40B4-BE49-F238E27FC236}">
-                <a16:creationId xmlns:a16="http://schemas.microsoft.com/office/drawing/2014/main" id="{0C287CBD-496F-426C-919F-2720DF4698F9}"/>
-              </a:ext>
-            </a:extLst>
-          </p:cNvPr>
-          <p:cNvSpPr>
-            <a:spLocks noGrp="1"/>
-          </p:cNvSpPr>
-          <p:nvPr>
-            <p:ph idx="1"/>
-          </p:nvPr>
-        </p:nvSpPr>
-        <p:spPr>
-          <a:xfrm>
-            <a:off x="1719202" y="1459684"/>
-            <a:ext cx="3188357" cy="3447875"/>
-          </a:xfrm>
-        </p:spPr>
-        <p:txBody>
-          <a:bodyPr>
-            <a:normAutofit/>
-          </a:bodyPr>
-          <a:lstStyle/>
-          <a:p>
-            <a:r>
-              <a:rPr lang="en-US" dirty="0"/>
-              <a:t>Instance</a:t>
-            </a:r>
-            <a:r>
-              <a:rPr lang="ru-RU" dirty="0"/>
-              <a:t>: </a:t>
-            </a:r>
-            <a:endParaRPr lang="en-US" dirty="0"/>
-          </a:p>
-          <a:p>
-            <a:pPr lvl="1"/>
-            <a:r>
-              <a:rPr lang="en-US" dirty="0"/>
-              <a:t>VPC</a:t>
-            </a:r>
-          </a:p>
-          <a:p>
-            <a:pPr lvl="1"/>
-            <a:r>
-              <a:rPr lang="en-US" dirty="0"/>
-              <a:t>Security Group</a:t>
-            </a:r>
-          </a:p>
-          <a:p>
-            <a:pPr lvl="1"/>
-            <a:r>
-              <a:rPr lang="en-US" dirty="0"/>
-              <a:t>OS Platform</a:t>
-            </a:r>
-          </a:p>
-        </p:txBody>
-      </p:sp>
-      <p:sp>
-        <p:nvSpPr>
-          <p:cNvPr id="5" name="Content Placeholder 2">
-            <a:extLst>
-              <a:ext uri="{FF2B5EF4-FFF2-40B4-BE49-F238E27FC236}">
-                <a16:creationId xmlns:a16="http://schemas.microsoft.com/office/drawing/2014/main" id="{5623B18C-C349-45FA-82D6-B6CBFA2080BB}"/>
-              </a:ext>
-            </a:extLst>
-          </p:cNvPr>
-          <p:cNvSpPr txBox="1">
-            <a:spLocks/>
-          </p:cNvSpPr>
-          <p:nvPr/>
-        </p:nvSpPr>
-        <p:spPr>
-          <a:xfrm>
-            <a:off x="7284442" y="1705062"/>
-            <a:ext cx="3188357" cy="3447875"/>
+            <a:off x="2483704" y="1437314"/>
+            <a:ext cx="7224592" cy="3983372"/>
           </a:xfrm>
           <a:prstGeom prst="rect">
             <a:avLst/>
@@ -11004,196 +7858,118 @@
           </a:lstStyle>
           <a:p>
             <a:r>
+              <a:rPr lang="en-US" b="1" dirty="0"/>
+              <a:t>Terraform</a:t>
+            </a:r>
+            <a:r>
               <a:rPr lang="en-US" dirty="0"/>
-              <a:t>Environment setting</a:t>
-            </a:r>
-            <a:r>
-              <a:rPr lang="ru-RU" dirty="0"/>
-              <a:t>: </a:t>
-            </a:r>
-            <a:endParaRPr lang="en-US" dirty="0"/>
-          </a:p>
-          <a:p>
-            <a:pPr lvl="1"/>
+              <a:t> – Infrastructure as a code;</a:t>
+            </a:r>
+          </a:p>
+          <a:p>
+            <a:r>
+              <a:rPr lang="en-US" b="1" dirty="0"/>
+              <a:t>Ansible</a:t>
+            </a:r>
             <a:r>
               <a:rPr lang="en-US" dirty="0"/>
-              <a:t>Build Requirements</a:t>
-            </a:r>
-          </a:p>
-          <a:p>
-            <a:pPr lvl="1"/>
+              <a:t> – Configuration management;</a:t>
+            </a:r>
+          </a:p>
+          <a:p>
+            <a:r>
+              <a:rPr lang="en-US" b="1" dirty="0"/>
+              <a:t>AWS</a:t>
+            </a:r>
             <a:r>
               <a:rPr lang="en-US" dirty="0"/>
-              <a:t>CI/CD platform</a:t>
-            </a:r>
-          </a:p>
-          <a:p>
-            <a:pPr lvl="1"/>
+              <a:t> – Some Cloud provider;</a:t>
+            </a:r>
+            <a:endParaRPr lang="ru-RU" dirty="0"/>
+          </a:p>
+          <a:p>
+            <a:r>
+              <a:rPr lang="en-US" b="1" dirty="0"/>
+              <a:t>Git</a:t>
+            </a:r>
             <a:r>
               <a:rPr lang="en-US" dirty="0"/>
-              <a:t>Web Server</a:t>
-            </a:r>
-          </a:p>
-          <a:p>
-            <a:pPr lvl="1"/>
-            <a:endParaRPr lang="en-US" dirty="0"/>
-          </a:p>
-        </p:txBody>
-      </p:sp>
-      <p:pic>
-        <p:nvPicPr>
-          <p:cNvPr id="7" name="Picture 6">
+              <a:t> – Version control;</a:t>
+            </a:r>
+          </a:p>
+          <a:p>
+            <a:r>
+              <a:rPr lang="en-US" b="1" dirty="0"/>
+              <a:t>Jenkins</a:t>
+            </a:r>
+            <a:r>
+              <a:rPr lang="en-US" dirty="0"/>
+              <a:t> – Continuous integration;</a:t>
+            </a:r>
+          </a:p>
+          <a:p>
+            <a:r>
+              <a:rPr lang="en-US" b="1" dirty="0"/>
+              <a:t>Tomcat</a:t>
+            </a:r>
+            <a:r>
+              <a:rPr lang="en-US" dirty="0"/>
+              <a:t> – Web-Server;</a:t>
+            </a:r>
+          </a:p>
+          <a:p>
+            <a:r>
+              <a:rPr lang="en-US" b="1" dirty="0"/>
+              <a:t>Code</a:t>
+            </a:r>
+            <a:r>
+              <a:rPr lang="en-US" dirty="0"/>
+              <a:t> – Product code.</a:t>
+            </a:r>
+            <a:endParaRPr lang="ru-RU" dirty="0"/>
+          </a:p>
+        </p:txBody>
+      </p:sp>
+      <p:sp>
+        <p:nvSpPr>
+          <p:cNvPr id="6" name="TextBox 5">
             <a:extLst>
               <a:ext uri="{FF2B5EF4-FFF2-40B4-BE49-F238E27FC236}">
-                <a16:creationId xmlns:a16="http://schemas.microsoft.com/office/drawing/2014/main" id="{EAD0E0BF-F965-465B-959D-8F46F847C3D8}"/>
+                <a16:creationId xmlns:a16="http://schemas.microsoft.com/office/drawing/2014/main" id="{1060C26B-18E0-4AA4-99AC-EF49E8C70D59}"/>
               </a:ext>
             </a:extLst>
           </p:cNvPr>
-          <p:cNvPicPr>
-            <a:picLocks noChangeAspect="1"/>
-          </p:cNvPicPr>
+          <p:cNvSpPr txBox="1"/>
           <p:nvPr/>
-        </p:nvPicPr>
-        <p:blipFill>
-          <a:blip r:embed="rId2"/>
-          <a:stretch>
-            <a:fillRect/>
-          </a:stretch>
-        </p:blipFill>
+        </p:nvSpPr>
         <p:spPr>
           <a:xfrm>
-            <a:off x="926598" y="4148182"/>
-            <a:ext cx="3744024" cy="1250134"/>
+            <a:off x="7399090" y="6581001"/>
+            <a:ext cx="4960690" cy="276999"/>
           </a:xfrm>
           <a:prstGeom prst="rect">
             <a:avLst/>
           </a:prstGeom>
+          <a:noFill/>
         </p:spPr>
-      </p:pic>
-      <p:pic>
-        <p:nvPicPr>
-          <p:cNvPr id="8" name="Picture 7">
-            <a:extLst>
-              <a:ext uri="{FF2B5EF4-FFF2-40B4-BE49-F238E27FC236}">
-                <a16:creationId xmlns:a16="http://schemas.microsoft.com/office/drawing/2014/main" id="{028A716C-E6B1-4F65-AA45-24C5DE1D60F1}"/>
-              </a:ext>
-            </a:extLst>
-          </p:cNvPr>
-          <p:cNvPicPr>
-            <a:picLocks noChangeAspect="1"/>
-          </p:cNvPicPr>
-          <p:nvPr/>
-        </p:nvPicPr>
-        <p:blipFill>
-          <a:blip r:embed="rId3"/>
-          <a:stretch>
-            <a:fillRect/>
-          </a:stretch>
-        </p:blipFill>
-        <p:spPr>
-          <a:xfrm>
-            <a:off x="3479732" y="2071906"/>
-            <a:ext cx="2855654" cy="1196655"/>
-          </a:xfrm>
-          <a:prstGeom prst="rect">
-            <a:avLst/>
-          </a:prstGeom>
-        </p:spPr>
-      </p:pic>
-      <p:pic>
-        <p:nvPicPr>
-          <p:cNvPr id="9" name="Picture 8">
-            <a:extLst>
-              <a:ext uri="{FF2B5EF4-FFF2-40B4-BE49-F238E27FC236}">
-                <a16:creationId xmlns:a16="http://schemas.microsoft.com/office/drawing/2014/main" id="{2C0A898D-81D2-476B-8E2D-40AE71046637}"/>
-              </a:ext>
-            </a:extLst>
-          </p:cNvPr>
-          <p:cNvPicPr>
-            <a:picLocks noChangeAspect="1"/>
-          </p:cNvPicPr>
-          <p:nvPr/>
-        </p:nvPicPr>
-        <p:blipFill>
-          <a:blip r:embed="rId4"/>
-          <a:stretch>
-            <a:fillRect/>
-          </a:stretch>
-        </p:blipFill>
-        <p:spPr>
-          <a:xfrm>
-            <a:off x="9563755" y="3678398"/>
-            <a:ext cx="2472487" cy="1250134"/>
-          </a:xfrm>
-          <a:prstGeom prst="rect">
-            <a:avLst/>
-          </a:prstGeom>
-        </p:spPr>
-      </p:pic>
-      <p:pic>
-        <p:nvPicPr>
-          <p:cNvPr id="10" name="Picture 9">
-            <a:extLst>
-              <a:ext uri="{FF2B5EF4-FFF2-40B4-BE49-F238E27FC236}">
-                <a16:creationId xmlns:a16="http://schemas.microsoft.com/office/drawing/2014/main" id="{512F1444-94F9-4D83-A7B1-197DEF573E33}"/>
-              </a:ext>
-            </a:extLst>
-          </p:cNvPr>
-          <p:cNvPicPr>
-            <a:picLocks noChangeAspect="1"/>
-          </p:cNvPicPr>
-          <p:nvPr/>
-        </p:nvPicPr>
-        <p:blipFill>
-          <a:blip r:embed="rId5"/>
-          <a:stretch>
-            <a:fillRect/>
-          </a:stretch>
-        </p:blipFill>
-        <p:spPr>
-          <a:xfrm>
-            <a:off x="7844803" y="1459684"/>
-            <a:ext cx="3975285" cy="825059"/>
-          </a:xfrm>
-          <a:prstGeom prst="rect">
-            <a:avLst/>
-          </a:prstGeom>
-        </p:spPr>
-      </p:pic>
-      <p:pic>
-        <p:nvPicPr>
-          <p:cNvPr id="11" name="Picture 10">
-            <a:extLst>
-              <a:ext uri="{FF2B5EF4-FFF2-40B4-BE49-F238E27FC236}">
-                <a16:creationId xmlns:a16="http://schemas.microsoft.com/office/drawing/2014/main" id="{76C9D7D6-7EA1-4130-977D-A2D88E7AE15D}"/>
-              </a:ext>
-            </a:extLst>
-          </p:cNvPr>
-          <p:cNvPicPr>
-            <a:picLocks noChangeAspect="1"/>
-          </p:cNvPicPr>
-          <p:nvPr/>
-        </p:nvPicPr>
-        <p:blipFill>
-          <a:blip r:embed="rId6"/>
-          <a:stretch>
-            <a:fillRect/>
-          </a:stretch>
-        </p:blipFill>
-        <p:spPr>
-          <a:xfrm>
-            <a:off x="6653978" y="4318772"/>
-            <a:ext cx="2381649" cy="1219519"/>
-          </a:xfrm>
-          <a:prstGeom prst="rect">
-            <a:avLst/>
-          </a:prstGeom>
-        </p:spPr>
-      </p:pic>
+        <p:txBody>
+          <a:bodyPr wrap="square" rtlCol="0">
+            <a:spAutoFit/>
+          </a:bodyPr>
+          <a:lstStyle/>
+          <a:p>
+            <a:r>
+              <a:rPr lang="en-US" sz="1200" dirty="0"/>
+              <a:t>*- Provisioning, Configuration management, and Application-deployment</a:t>
+            </a:r>
+            <a:endParaRPr lang="ru-RU" sz="1200" dirty="0"/>
+          </a:p>
+        </p:txBody>
+      </p:sp>
     </p:spTree>
     <p:extLst>
       <p:ext uri="{BB962C8B-B14F-4D97-AF65-F5344CB8AC3E}">
-        <p14:creationId xmlns:p14="http://schemas.microsoft.com/office/powerpoint/2010/main" val="415195735"/>
+        <p14:creationId xmlns:p14="http://schemas.microsoft.com/office/powerpoint/2010/main" val="4110064638"/>
       </p:ext>
     </p:extLst>
   </p:cSld>
@@ -11221,7 +7997,7 @@
                             </p:stCondLst>
                             <p:childTnLst>
                               <p:par>
-                                <p:cTn id="5" presetID="2" presetClass="entr" presetSubtype="4" fill="hold" grpId="0" nodeType="clickEffect">
+                                <p:cTn id="5" presetID="6" presetClass="entr" presetSubtype="16" fill="hold" grpId="0" nodeType="clickEffect">
                                   <p:stCondLst>
                                     <p:cond delay="0"/>
                                   </p:stCondLst>
@@ -11244,52 +8020,14 @@
                                         <p:strVal val="visible"/>
                                       </p:to>
                                     </p:set>
-                                    <p:anim calcmode="lin" valueType="num">
-                                      <p:cBhvr additive="base">
-                                        <p:cTn id="7" dur="500" fill="hold"/>
+                                    <p:animEffect transition="in" filter="circle(in)">
+                                      <p:cBhvr>
+                                        <p:cTn id="7" dur="2000"/>
                                         <p:tgtEl>
                                           <p:spTgt spid="2"/>
                                         </p:tgtEl>
-                                        <p:attrNameLst>
-                                          <p:attrName>ppt_x</p:attrName>
-                                        </p:attrNameLst>
                                       </p:cBhvr>
-                                      <p:tavLst>
-                                        <p:tav tm="0">
-                                          <p:val>
-                                            <p:strVal val="#ppt_x"/>
-                                          </p:val>
-                                        </p:tav>
-                                        <p:tav tm="100000">
-                                          <p:val>
-                                            <p:strVal val="#ppt_x"/>
-                                          </p:val>
-                                        </p:tav>
-                                      </p:tavLst>
-                                    </p:anim>
-                                    <p:anim calcmode="lin" valueType="num">
-                                      <p:cBhvr additive="base">
-                                        <p:cTn id="8" dur="500" fill="hold"/>
-                                        <p:tgtEl>
-                                          <p:spTgt spid="2"/>
-                                        </p:tgtEl>
-                                        <p:attrNameLst>
-                                          <p:attrName>ppt_y</p:attrName>
-                                        </p:attrNameLst>
-                                      </p:cBhvr>
-                                      <p:tavLst>
-                                        <p:tav tm="0">
-                                          <p:val>
-                                            <p:strVal val="1+#ppt_h/2"/>
-                                          </p:val>
-                                        </p:tav>
-                                        <p:tav tm="100000">
-                                          <p:val>
-                                            <p:strVal val="#ppt_y"/>
-                                          </p:val>
-                                        </p:tav>
-                                      </p:tavLst>
-                                    </p:anim>
+                                    </p:animEffect>
                                   </p:childTnLst>
                                 </p:cTn>
                               </p:par>
@@ -11300,32 +8038,32 @@
                     </p:cTn>
                   </p:par>
                   <p:par>
-                    <p:cTn id="9" fill="hold">
+                    <p:cTn id="8" fill="hold">
                       <p:stCondLst>
                         <p:cond delay="indefinite"/>
                       </p:stCondLst>
                       <p:childTnLst>
                         <p:par>
-                          <p:cTn id="10" fill="hold">
+                          <p:cTn id="9" fill="hold">
                             <p:stCondLst>
                               <p:cond delay="0"/>
                             </p:stCondLst>
                             <p:childTnLst>
                               <p:par>
-                                <p:cTn id="11" presetID="22" presetClass="entr" presetSubtype="4" fill="hold" grpId="0" nodeType="clickEffect">
+                                <p:cTn id="10" presetID="6" presetClass="entr" presetSubtype="16" fill="hold" grpId="0" nodeType="clickEffect">
                                   <p:stCondLst>
                                     <p:cond delay="0"/>
                                   </p:stCondLst>
                                   <p:childTnLst>
                                     <p:set>
                                       <p:cBhvr>
-                                        <p:cTn id="12" dur="1" fill="hold">
+                                        <p:cTn id="11" dur="1" fill="hold">
                                           <p:stCondLst>
                                             <p:cond delay="0"/>
                                           </p:stCondLst>
                                         </p:cTn>
                                         <p:tgtEl>
-                                          <p:spTgt spid="3">
+                                          <p:spTgt spid="5">
                                             <p:txEl>
                                               <p:pRg st="0" end="0"/>
                                             </p:txEl>
@@ -11339,65 +8077,13 @@
                                         <p:strVal val="visible"/>
                                       </p:to>
                                     </p:set>
-                                    <p:animEffect transition="in" filter="wipe(down)">
+                                    <p:animEffect transition="in" filter="circle(in)">
                                       <p:cBhvr>
-                                        <p:cTn id="13" dur="500"/>
+                                        <p:cTn id="12" dur="1000"/>
                                         <p:tgtEl>
-                                          <p:spTgt spid="3">
+                                          <p:spTgt spid="5">
                                             <p:txEl>
                                               <p:pRg st="0" end="0"/>
-                                            </p:txEl>
-                                          </p:spTgt>
-                                        </p:tgtEl>
-                                      </p:cBhvr>
-                                    </p:animEffect>
-                                  </p:childTnLst>
-                                </p:cTn>
-                              </p:par>
-                            </p:childTnLst>
-                          </p:cTn>
-                        </p:par>
-                        <p:par>
-                          <p:cTn id="14" fill="hold">
-                            <p:stCondLst>
-                              <p:cond delay="500"/>
-                            </p:stCondLst>
-                            <p:childTnLst>
-                              <p:par>
-                                <p:cTn id="15" presetID="22" presetClass="entr" presetSubtype="4" fill="hold" grpId="0" nodeType="afterEffect">
-                                  <p:stCondLst>
-                                    <p:cond delay="0"/>
-                                  </p:stCondLst>
-                                  <p:childTnLst>
-                                    <p:set>
-                                      <p:cBhvr>
-                                        <p:cTn id="16" dur="1" fill="hold">
-                                          <p:stCondLst>
-                                            <p:cond delay="0"/>
-                                          </p:stCondLst>
-                                        </p:cTn>
-                                        <p:tgtEl>
-                                          <p:spTgt spid="3">
-                                            <p:txEl>
-                                              <p:pRg st="1" end="1"/>
-                                            </p:txEl>
-                                          </p:spTgt>
-                                        </p:tgtEl>
-                                        <p:attrNameLst>
-                                          <p:attrName>style.visibility</p:attrName>
-                                        </p:attrNameLst>
-                                      </p:cBhvr>
-                                      <p:to>
-                                        <p:strVal val="visible"/>
-                                      </p:to>
-                                    </p:set>
-                                    <p:animEffect transition="in" filter="wipe(down)">
-                                      <p:cBhvr>
-                                        <p:cTn id="17" dur="500"/>
-                                        <p:tgtEl>
-                                          <p:spTgt spid="3">
-                                            <p:txEl>
-                                              <p:pRg st="1" end="1"/>
                                             </p:txEl>
                                           </p:spTgt>
                                         </p:tgtEl>
@@ -11413,32 +8099,36 @@
                     </p:cTn>
                   </p:par>
                   <p:par>
-                    <p:cTn id="18" fill="hold">
+                    <p:cTn id="13" fill="hold">
                       <p:stCondLst>
                         <p:cond delay="indefinite"/>
                       </p:stCondLst>
                       <p:childTnLst>
                         <p:par>
-                          <p:cTn id="19" fill="hold">
+                          <p:cTn id="14" fill="hold">
                             <p:stCondLst>
                               <p:cond delay="0"/>
                             </p:stCondLst>
                             <p:childTnLst>
                               <p:par>
-                                <p:cTn id="20" presetID="10" presetClass="entr" presetSubtype="0" fill="hold" nodeType="clickEffect">
+                                <p:cTn id="15" presetID="6" presetClass="entr" presetSubtype="16" fill="hold" grpId="0" nodeType="clickEffect">
                                   <p:stCondLst>
                                     <p:cond delay="0"/>
                                   </p:stCondLst>
                                   <p:childTnLst>
                                     <p:set>
                                       <p:cBhvr>
-                                        <p:cTn id="21" dur="1" fill="hold">
+                                        <p:cTn id="16" dur="1" fill="hold">
                                           <p:stCondLst>
                                             <p:cond delay="0"/>
                                           </p:stCondLst>
                                         </p:cTn>
                                         <p:tgtEl>
-                                          <p:spTgt spid="8"/>
+                                          <p:spTgt spid="5">
+                                            <p:txEl>
+                                              <p:pRg st="1" end="1"/>
+                                            </p:txEl>
+                                          </p:spTgt>
                                         </p:tgtEl>
                                         <p:attrNameLst>
                                           <p:attrName>style.visibility</p:attrName>
@@ -11448,11 +8138,15 @@
                                         <p:strVal val="visible"/>
                                       </p:to>
                                     </p:set>
-                                    <p:animEffect transition="in" filter="fade">
+                                    <p:animEffect transition="in" filter="circle(in)">
                                       <p:cBhvr>
-                                        <p:cTn id="22" dur="500"/>
+                                        <p:cTn id="17" dur="1000"/>
                                         <p:tgtEl>
-                                          <p:spTgt spid="8"/>
+                                          <p:spTgt spid="5">
+                                            <p:txEl>
+                                              <p:pRg st="1" end="1"/>
+                                            </p:txEl>
+                                          </p:spTgt>
                                         </p:tgtEl>
                                       </p:cBhvr>
                                     </p:animEffect>
@@ -11463,13 +8157,66 @@
                           </p:cTn>
                         </p:par>
                         <p:par>
-                          <p:cTn id="23" fill="hold">
+                          <p:cTn id="18" fill="hold">
                             <p:stCondLst>
-                              <p:cond delay="500"/>
+                              <p:cond delay="1000"/>
                             </p:stCondLst>
                             <p:childTnLst>
                               <p:par>
-                                <p:cTn id="24" presetID="22" presetClass="entr" presetSubtype="4" fill="hold" grpId="0" nodeType="afterEffect">
+                                <p:cTn id="19" presetID="14" presetClass="entr" presetSubtype="10" fill="hold" grpId="0" nodeType="afterEffect">
+                                  <p:stCondLst>
+                                    <p:cond delay="0"/>
+                                  </p:stCondLst>
+                                  <p:childTnLst>
+                                    <p:set>
+                                      <p:cBhvr>
+                                        <p:cTn id="20" dur="1" fill="hold">
+                                          <p:stCondLst>
+                                            <p:cond delay="0"/>
+                                          </p:stCondLst>
+                                        </p:cTn>
+                                        <p:tgtEl>
+                                          <p:spTgt spid="6"/>
+                                        </p:tgtEl>
+                                        <p:attrNameLst>
+                                          <p:attrName>style.visibility</p:attrName>
+                                        </p:attrNameLst>
+                                      </p:cBhvr>
+                                      <p:to>
+                                        <p:strVal val="visible"/>
+                                      </p:to>
+                                    </p:set>
+                                    <p:animEffect transition="in" filter="randombar(horizontal)">
+                                      <p:cBhvr>
+                                        <p:cTn id="21" dur="500"/>
+                                        <p:tgtEl>
+                                          <p:spTgt spid="6"/>
+                                        </p:tgtEl>
+                                      </p:cBhvr>
+                                    </p:animEffect>
+                                  </p:childTnLst>
+                                </p:cTn>
+                              </p:par>
+                            </p:childTnLst>
+                          </p:cTn>
+                        </p:par>
+                      </p:childTnLst>
+                    </p:cTn>
+                  </p:par>
+                  <p:par>
+                    <p:cTn id="22" fill="hold">
+                      <p:stCondLst>
+                        <p:cond delay="indefinite"/>
+                      </p:stCondLst>
+                      <p:childTnLst>
+                        <p:par>
+                          <p:cTn id="23" fill="hold">
+                            <p:stCondLst>
+                              <p:cond delay="0"/>
+                            </p:stCondLst>
+                            <p:childTnLst>
+                              <p:par>
+                                <p:cTn id="24" presetID="6" presetClass="entr" presetSubtype="16" fill="hold" grpId="0" nodeType="clickEffect">
                                   <p:stCondLst>
                                     <p:cond delay="0"/>
                                   </p:stCondLst>
@@ -11482,7 +8229,7 @@
                                           </p:stCondLst>
                                         </p:cTn>
                                         <p:tgtEl>
-                                          <p:spTgt spid="3">
+                                          <p:spTgt spid="5">
                                             <p:txEl>
                                               <p:pRg st="2" end="2"/>
                                             </p:txEl>
@@ -11496,11 +8243,11 @@
                                         <p:strVal val="visible"/>
                                       </p:to>
                                     </p:set>
-                                    <p:animEffect transition="in" filter="wipe(down)">
+                                    <p:animEffect transition="in" filter="circle(in)">
                                       <p:cBhvr>
-                                        <p:cTn id="26" dur="500"/>
+                                        <p:cTn id="26" dur="1000"/>
                                         <p:tgtEl>
-                                          <p:spTgt spid="3">
+                                          <p:spTgt spid="5">
                                             <p:txEl>
                                               <p:pRg st="2" end="2"/>
                                             </p:txEl>
@@ -11514,27 +8261,36 @@
                             </p:childTnLst>
                           </p:cTn>
                         </p:par>
+                      </p:childTnLst>
+                    </p:cTn>
+                  </p:par>
+                  <p:par>
+                    <p:cTn id="27" fill="hold">
+                      <p:stCondLst>
+                        <p:cond delay="indefinite"/>
+                      </p:stCondLst>
+                      <p:childTnLst>
                         <p:par>
-                          <p:cTn id="27" fill="hold">
+                          <p:cTn id="28" fill="hold">
                             <p:stCondLst>
-                              <p:cond delay="1000"/>
+                              <p:cond delay="0"/>
                             </p:stCondLst>
                             <p:childTnLst>
                               <p:par>
-                                <p:cTn id="28" presetID="22" presetClass="entr" presetSubtype="4" fill="hold" grpId="0" nodeType="afterEffect">
+                                <p:cTn id="29" presetID="6" presetClass="entr" presetSubtype="16" fill="hold" grpId="0" nodeType="clickEffect">
                                   <p:stCondLst>
                                     <p:cond delay="0"/>
                                   </p:stCondLst>
                                   <p:childTnLst>
                                     <p:set>
                                       <p:cBhvr>
-                                        <p:cTn id="29" dur="1" fill="hold">
+                                        <p:cTn id="30" dur="1" fill="hold">
                                           <p:stCondLst>
                                             <p:cond delay="0"/>
                                           </p:stCondLst>
                                         </p:cTn>
                                         <p:tgtEl>
-                                          <p:spTgt spid="3">
+                                          <p:spTgt spid="5">
                                             <p:txEl>
                                               <p:pRg st="3" end="3"/>
                                             </p:txEl>
@@ -11548,11 +8304,11 @@
                                         <p:strVal val="visible"/>
                                       </p:to>
                                     </p:set>
-                                    <p:animEffect transition="in" filter="wipe(down)">
+                                    <p:animEffect transition="in" filter="circle(in)">
                                       <p:cBhvr>
-                                        <p:cTn id="30" dur="500"/>
+                                        <p:cTn id="31" dur="1000"/>
                                         <p:tgtEl>
-                                          <p:spTgt spid="3">
+                                          <p:spTgt spid="5">
                                             <p:txEl>
                                               <p:pRg st="3" end="3"/>
                                             </p:txEl>
@@ -11570,32 +8326,36 @@
                     </p:cTn>
                   </p:par>
                   <p:par>
-                    <p:cTn id="31" fill="hold">
+                    <p:cTn id="32" fill="hold">
                       <p:stCondLst>
                         <p:cond delay="indefinite"/>
                       </p:stCondLst>
                       <p:childTnLst>
                         <p:par>
-                          <p:cTn id="32" fill="hold">
+                          <p:cTn id="33" fill="hold">
                             <p:stCondLst>
                               <p:cond delay="0"/>
                             </p:stCondLst>
                             <p:childTnLst>
                               <p:par>
-                                <p:cTn id="33" presetID="10" presetClass="entr" presetSubtype="0" fill="hold" nodeType="clickEffect">
+                                <p:cTn id="34" presetID="6" presetClass="entr" presetSubtype="16" fill="hold" grpId="0" nodeType="clickEffect">
                                   <p:stCondLst>
                                     <p:cond delay="0"/>
                                   </p:stCondLst>
                                   <p:childTnLst>
                                     <p:set>
                                       <p:cBhvr>
-                                        <p:cTn id="34" dur="1" fill="hold">
+                                        <p:cTn id="35" dur="1" fill="hold">
                                           <p:stCondLst>
                                             <p:cond delay="0"/>
                                           </p:stCondLst>
                                         </p:cTn>
                                         <p:tgtEl>
-                                          <p:spTgt spid="7"/>
+                                          <p:spTgt spid="5">
+                                            <p:txEl>
+                                              <p:pRg st="4" end="4"/>
+                                            </p:txEl>
+                                          </p:spTgt>
                                         </p:tgtEl>
                                         <p:attrNameLst>
                                           <p:attrName>style.visibility</p:attrName>
@@ -11605,11 +8365,15 @@
                                         <p:strVal val="visible"/>
                                       </p:to>
                                     </p:set>
-                                    <p:animEffect transition="in" filter="fade">
+                                    <p:animEffect transition="in" filter="circle(in)">
                                       <p:cBhvr>
-                                        <p:cTn id="35" dur="500"/>
+                                        <p:cTn id="36" dur="1000"/>
                                         <p:tgtEl>
-                                          <p:spTgt spid="7"/>
+                                          <p:spTgt spid="5">
+                                            <p:txEl>
+                                              <p:pRg st="4" end="4"/>
+                                            </p:txEl>
+                                          </p:spTgt>
                                         </p:tgtEl>
                                       </p:cBhvr>
                                     </p:animEffect>
@@ -11623,76 +8387,36 @@
                     </p:cTn>
                   </p:par>
                   <p:par>
-                    <p:cTn id="36" fill="hold">
+                    <p:cTn id="37" fill="hold">
                       <p:stCondLst>
                         <p:cond delay="indefinite"/>
                       </p:stCondLst>
                       <p:childTnLst>
                         <p:par>
-                          <p:cTn id="37" fill="hold">
+                          <p:cTn id="38" fill="hold">
                             <p:stCondLst>
                               <p:cond delay="0"/>
                             </p:stCondLst>
                             <p:childTnLst>
                               <p:par>
-                                <p:cTn id="38" presetID="16" presetClass="entr" presetSubtype="21" fill="hold" nodeType="clickEffect">
+                                <p:cTn id="39" presetID="6" presetClass="entr" presetSubtype="16" fill="hold" grpId="0" nodeType="clickEffect">
                                   <p:stCondLst>
                                     <p:cond delay="0"/>
                                   </p:stCondLst>
                                   <p:childTnLst>
                                     <p:set>
                                       <p:cBhvr>
-                                        <p:cTn id="39" dur="1" fill="hold">
+                                        <p:cTn id="40" dur="1" fill="hold">
                                           <p:stCondLst>
                                             <p:cond delay="0"/>
                                           </p:stCondLst>
                                         </p:cTn>
                                         <p:tgtEl>
-                                          <p:spTgt spid="10"/>
-                                        </p:tgtEl>
-                                        <p:attrNameLst>
-                                          <p:attrName>style.visibility</p:attrName>
-                                        </p:attrNameLst>
-                                      </p:cBhvr>
-                                      <p:to>
-                                        <p:strVal val="visible"/>
-                                      </p:to>
-                                    </p:set>
-                                    <p:animEffect transition="in" filter="barn(inVertical)">
-                                      <p:cBhvr>
-                                        <p:cTn id="40" dur="500"/>
-                                        <p:tgtEl>
-                                          <p:spTgt spid="10"/>
-                                        </p:tgtEl>
-                                      </p:cBhvr>
-                                    </p:animEffect>
-                                  </p:childTnLst>
-                                </p:cTn>
-                              </p:par>
-                            </p:childTnLst>
-                          </p:cTn>
-                        </p:par>
-                        <p:par>
-                          <p:cTn id="41" fill="hold">
-                            <p:stCondLst>
-                              <p:cond delay="500"/>
-                            </p:stCondLst>
-                            <p:childTnLst>
-                              <p:par>
-                                <p:cTn id="42" presetID="6" presetClass="entr" presetSubtype="16" fill="hold" grpId="0" nodeType="afterEffect">
-                                  <p:stCondLst>
-                                    <p:cond delay="0"/>
-                                  </p:stCondLst>
-                                  <p:childTnLst>
-                                    <p:set>
-                                      <p:cBhvr>
-                                        <p:cTn id="43" dur="1" fill="hold">
-                                          <p:stCondLst>
-                                            <p:cond delay="0"/>
-                                          </p:stCondLst>
-                                        </p:cTn>
-                                        <p:tgtEl>
-                                          <p:spTgt spid="5"/>
+                                          <p:spTgt spid="5">
+                                            <p:txEl>
+                                              <p:pRg st="5" end="5"/>
+                                            </p:txEl>
+                                          </p:spTgt>
                                         </p:tgtEl>
                                         <p:attrNameLst>
                                           <p:attrName>style.visibility</p:attrName>
@@ -11704,9 +8428,13 @@
                                     </p:set>
                                     <p:animEffect transition="in" filter="circle(in)">
                                       <p:cBhvr>
-                                        <p:cTn id="44" dur="1250"/>
+                                        <p:cTn id="41" dur="1000"/>
                                         <p:tgtEl>
-                                          <p:spTgt spid="5"/>
+                                          <p:spTgt spid="5">
+                                            <p:txEl>
+                                              <p:pRg st="5" end="5"/>
+                                            </p:txEl>
+                                          </p:spTgt>
                                         </p:tgtEl>
                                       </p:cBhvr>
                                     </p:animEffect>
@@ -11720,32 +8448,36 @@
                     </p:cTn>
                   </p:par>
                   <p:par>
-                    <p:cTn id="45" fill="hold">
+                    <p:cTn id="42" fill="hold">
                       <p:stCondLst>
                         <p:cond delay="indefinite"/>
                       </p:stCondLst>
                       <p:childTnLst>
                         <p:par>
-                          <p:cTn id="46" fill="hold">
+                          <p:cTn id="43" fill="hold">
                             <p:stCondLst>
                               <p:cond delay="0"/>
                             </p:stCondLst>
                             <p:childTnLst>
                               <p:par>
-                                <p:cTn id="47" presetID="2" presetClass="entr" presetSubtype="4" fill="hold" nodeType="clickEffect">
+                                <p:cTn id="44" presetID="6" presetClass="entr" presetSubtype="16" fill="hold" grpId="0" nodeType="clickEffect">
                                   <p:stCondLst>
                                     <p:cond delay="0"/>
                                   </p:stCondLst>
                                   <p:childTnLst>
                                     <p:set>
                                       <p:cBhvr>
-                                        <p:cTn id="48" dur="1" fill="hold">
+                                        <p:cTn id="45" dur="1" fill="hold">
                                           <p:stCondLst>
                                             <p:cond delay="0"/>
                                           </p:stCondLst>
                                         </p:cTn>
                                         <p:tgtEl>
-                                          <p:spTgt spid="9"/>
+                                          <p:spTgt spid="5">
+                                            <p:txEl>
+                                              <p:pRg st="6" end="6"/>
+                                            </p:txEl>
+                                          </p:spTgt>
                                         </p:tgtEl>
                                         <p:attrNameLst>
                                           <p:attrName>style.visibility</p:attrName>
@@ -11755,820 +8487,15 @@
                                         <p:strVal val="visible"/>
                                       </p:to>
                                     </p:set>
-                                    <p:anim calcmode="lin" valueType="num">
-                                      <p:cBhvr additive="base">
-                                        <p:cTn id="49" dur="500" fill="hold"/>
+                                    <p:animEffect transition="in" filter="circle(in)">
+                                      <p:cBhvr>
+                                        <p:cTn id="46" dur="1000"/>
                                         <p:tgtEl>
-                                          <p:spTgt spid="9"/>
-                                        </p:tgtEl>
-                                        <p:attrNameLst>
-                                          <p:attrName>ppt_x</p:attrName>
-                                        </p:attrNameLst>
-                                      </p:cBhvr>
-                                      <p:tavLst>
-                                        <p:tav tm="0">
-                                          <p:val>
-                                            <p:strVal val="#ppt_x"/>
-                                          </p:val>
-                                        </p:tav>
-                                        <p:tav tm="100000">
-                                          <p:val>
-                                            <p:strVal val="#ppt_x"/>
-                                          </p:val>
-                                        </p:tav>
-                                      </p:tavLst>
-                                    </p:anim>
-                                    <p:anim calcmode="lin" valueType="num">
-                                      <p:cBhvr additive="base">
-                                        <p:cTn id="50" dur="500" fill="hold"/>
-                                        <p:tgtEl>
-                                          <p:spTgt spid="9"/>
-                                        </p:tgtEl>
-                                        <p:attrNameLst>
-                                          <p:attrName>ppt_y</p:attrName>
-                                        </p:attrNameLst>
-                                      </p:cBhvr>
-                                      <p:tavLst>
-                                        <p:tav tm="0">
-                                          <p:val>
-                                            <p:strVal val="1+#ppt_h/2"/>
-                                          </p:val>
-                                        </p:tav>
-                                        <p:tav tm="100000">
-                                          <p:val>
-                                            <p:strVal val="#ppt_y"/>
-                                          </p:val>
-                                        </p:tav>
-                                      </p:tavLst>
-                                    </p:anim>
-                                  </p:childTnLst>
-                                </p:cTn>
-                              </p:par>
-                              <p:par>
-                                <p:cTn id="51" presetID="2" presetClass="entr" presetSubtype="4" fill="hold" nodeType="withEffect">
-                                  <p:stCondLst>
-                                    <p:cond delay="0"/>
-                                  </p:stCondLst>
-                                  <p:childTnLst>
-                                    <p:set>
-                                      <p:cBhvr>
-                                        <p:cTn id="52" dur="1" fill="hold">
-                                          <p:stCondLst>
-                                            <p:cond delay="0"/>
-                                          </p:stCondLst>
-                                        </p:cTn>
-                                        <p:tgtEl>
-                                          <p:spTgt spid="11"/>
-                                        </p:tgtEl>
-                                        <p:attrNameLst>
-                                          <p:attrName>style.visibility</p:attrName>
-                                        </p:attrNameLst>
-                                      </p:cBhvr>
-                                      <p:to>
-                                        <p:strVal val="visible"/>
-                                      </p:to>
-                                    </p:set>
-                                    <p:anim calcmode="lin" valueType="num">
-                                      <p:cBhvr additive="base">
-                                        <p:cTn id="53" dur="500" fill="hold"/>
-                                        <p:tgtEl>
-                                          <p:spTgt spid="11"/>
-                                        </p:tgtEl>
-                                        <p:attrNameLst>
-                                          <p:attrName>ppt_x</p:attrName>
-                                        </p:attrNameLst>
-                                      </p:cBhvr>
-                                      <p:tavLst>
-                                        <p:tav tm="0">
-                                          <p:val>
-                                            <p:strVal val="#ppt_x"/>
-                                          </p:val>
-                                        </p:tav>
-                                        <p:tav tm="100000">
-                                          <p:val>
-                                            <p:strVal val="#ppt_x"/>
-                                          </p:val>
-                                        </p:tav>
-                                      </p:tavLst>
-                                    </p:anim>
-                                    <p:anim calcmode="lin" valueType="num">
-                                      <p:cBhvr additive="base">
-                                        <p:cTn id="54" dur="500" fill="hold"/>
-                                        <p:tgtEl>
-                                          <p:spTgt spid="11"/>
-                                        </p:tgtEl>
-                                        <p:attrNameLst>
-                                          <p:attrName>ppt_y</p:attrName>
-                                        </p:attrNameLst>
-                                      </p:cBhvr>
-                                      <p:tavLst>
-                                        <p:tav tm="0">
-                                          <p:val>
-                                            <p:strVal val="1+#ppt_h/2"/>
-                                          </p:val>
-                                        </p:tav>
-                                        <p:tav tm="100000">
-                                          <p:val>
-                                            <p:strVal val="#ppt_y"/>
-                                          </p:val>
-                                        </p:tav>
-                                      </p:tavLst>
-                                    </p:anim>
-                                  </p:childTnLst>
-                                </p:cTn>
-                              </p:par>
-                            </p:childTnLst>
-                          </p:cTn>
-                        </p:par>
-                      </p:childTnLst>
-                    </p:cTn>
-                  </p:par>
-                </p:childTnLst>
-              </p:cTn>
-              <p:prevCondLst>
-                <p:cond evt="onPrev" delay="0">
-                  <p:tgtEl>
-                    <p:sldTgt/>
-                  </p:tgtEl>
-                </p:cond>
-              </p:prevCondLst>
-              <p:nextCondLst>
-                <p:cond evt="onNext" delay="0">
-                  <p:tgtEl>
-                    <p:sldTgt/>
-                  </p:tgtEl>
-                </p:cond>
-              </p:nextCondLst>
-            </p:seq>
-          </p:childTnLst>
-        </p:cTn>
-      </p:par>
-    </p:tnLst>
-    <p:bldLst>
-      <p:bldP spid="2" grpId="0"/>
-      <p:bldP spid="3" grpId="0" uiExpand="1" build="p"/>
-      <p:bldP spid="5" grpId="0"/>
-    </p:bldLst>
-  </p:timing>
-</p:sld>
-</file>
-
-<file path=ppt/slides/slide6.xml><?xml version="1.0" encoding="utf-8"?>
-<p:sld xmlns:a="http://schemas.openxmlformats.org/drawingml/2006/main" xmlns:r="http://schemas.openxmlformats.org/officeDocument/2006/relationships" xmlns:p="http://schemas.openxmlformats.org/presentationml/2006/main">
-  <p:cSld>
-    <p:bg>
-      <p:bgPr>
-        <a:blipFill rotWithShape="1">
-          <a:blip r:embed="rId2">
-            <a:duotone>
-              <a:schemeClr val="bg2">
-                <a:shade val="76000"/>
-                <a:satMod val="180000"/>
-              </a:schemeClr>
-              <a:schemeClr val="bg2">
-                <a:tint val="80000"/>
-                <a:satMod val="120000"/>
-                <a:lumMod val="180000"/>
-              </a:schemeClr>
-            </a:duotone>
-          </a:blip>
-          <a:stretch/>
-        </a:blipFill>
-        <a:effectLst/>
-      </p:bgPr>
-    </p:bg>
-    <p:spTree>
-      <p:nvGrpSpPr>
-        <p:cNvPr id="1" name=""/>
-        <p:cNvGrpSpPr/>
-        <p:nvPr/>
-      </p:nvGrpSpPr>
-      <p:grpSpPr>
-        <a:xfrm>
-          <a:off x="0" y="0"/>
-          <a:ext cx="0" cy="0"/>
-          <a:chOff x="0" y="0"/>
-          <a:chExt cx="0" cy="0"/>
-        </a:xfrm>
-      </p:grpSpPr>
-      <p:grpSp>
-        <p:nvGrpSpPr>
-          <p:cNvPr id="22" name="Group 21">
-            <a:extLst>
-              <a:ext uri="{FF2B5EF4-FFF2-40B4-BE49-F238E27FC236}">
-                <a16:creationId xmlns:a16="http://schemas.microsoft.com/office/drawing/2014/main" id="{08F94D66-27EC-4CB8-8226-D7F41C161863}"/>
-              </a:ext>
-              <a:ext uri="{C183D7F6-B498-43B3-948B-1728B52AA6E4}">
-                <adec:decorative xmlns:adec="http://schemas.microsoft.com/office/drawing/2017/decorative" val="1"/>
-              </a:ext>
-            </a:extLst>
-          </p:cNvPr>
-          <p:cNvGrpSpPr>
-            <a:grpSpLocks noGrp="1" noUngrp="1" noRot="1" noChangeAspect="1" noMove="1" noResize="1"/>
-          </p:cNvGrpSpPr>
-          <p:nvPr>
-            <p:extLst>
-              <p:ext uri="{386F3935-93C4-4BCD-93E2-E3B085C9AB24}">
-                <p16:designElem xmlns:p16="http://schemas.microsoft.com/office/powerpoint/2015/main" val="1"/>
-              </p:ext>
-            </p:extLst>
-          </p:nvPr>
-        </p:nvGrpSpPr>
-        <p:grpSpPr>
-          <a:xfrm>
-            <a:off x="546100" y="-4763"/>
-            <a:ext cx="5014912" cy="6862763"/>
-            <a:chOff x="2928938" y="-4763"/>
-            <a:chExt cx="5014912" cy="6862763"/>
-          </a:xfrm>
-        </p:grpSpPr>
-        <p:sp>
-          <p:nvSpPr>
-            <p:cNvPr id="23" name="Freeform 6">
-              <a:extLst>
-                <a:ext uri="{FF2B5EF4-FFF2-40B4-BE49-F238E27FC236}">
-                  <a16:creationId xmlns:a16="http://schemas.microsoft.com/office/drawing/2014/main" id="{1A53964C-7D93-4C48-A4A6-C4C2C393C59D}"/>
-                </a:ext>
-                <a:ext uri="{C183D7F6-B498-43B3-948B-1728B52AA6E4}">
-                  <adec:decorative xmlns:adec="http://schemas.microsoft.com/office/drawing/2017/decorative" val="1"/>
-                </a:ext>
-              </a:extLst>
-            </p:cNvPr>
-            <p:cNvSpPr/>
-            <p:nvPr>
-              <p:extLst>
-                <p:ext uri="{386F3935-93C4-4BCD-93E2-E3B085C9AB24}">
-                  <p16:designElem xmlns:p16="http://schemas.microsoft.com/office/powerpoint/2015/main" val="1"/>
-                </p:ext>
-              </p:extLst>
-            </p:nvPr>
-          </p:nvSpPr>
-          <p:spPr bwMode="auto">
-            <a:xfrm>
-              <a:off x="3367088" y="-4763"/>
-              <a:ext cx="1063625" cy="2782888"/>
-            </a:xfrm>
-            <a:custGeom>
-              <a:avLst/>
-              <a:gdLst/>
-              <a:ahLst/>
-              <a:cxnLst/>
-              <a:rect l="0" t="0" r="r" b="b"/>
-              <a:pathLst>
-                <a:path w="670" h="1753">
-                  <a:moveTo>
-                    <a:pt x="0" y="1696"/>
-                  </a:moveTo>
-                  <a:lnTo>
-                    <a:pt x="225" y="1753"/>
-                  </a:lnTo>
-                  <a:lnTo>
-                    <a:pt x="670" y="0"/>
-                  </a:lnTo>
-                  <a:lnTo>
-                    <a:pt x="430" y="0"/>
-                  </a:lnTo>
-                  <a:lnTo>
-                    <a:pt x="0" y="1696"/>
-                  </a:lnTo>
-                  <a:close/>
-                </a:path>
-              </a:pathLst>
-            </a:custGeom>
-            <a:solidFill>
-              <a:schemeClr val="accent1"/>
-            </a:solidFill>
-            <a:ln>
-              <a:noFill/>
-            </a:ln>
-          </p:spPr>
-        </p:sp>
-        <p:sp>
-          <p:nvSpPr>
-            <p:cNvPr id="24" name="Freeform 7">
-              <a:extLst>
-                <a:ext uri="{FF2B5EF4-FFF2-40B4-BE49-F238E27FC236}">
-                  <a16:creationId xmlns:a16="http://schemas.microsoft.com/office/drawing/2014/main" id="{9C944EEC-539E-4389-8785-58E65D04E8DC}"/>
-                </a:ext>
-                <a:ext uri="{C183D7F6-B498-43B3-948B-1728B52AA6E4}">
-                  <adec:decorative xmlns:adec="http://schemas.microsoft.com/office/drawing/2017/decorative" val="1"/>
-                </a:ext>
-              </a:extLst>
-            </p:cNvPr>
-            <p:cNvSpPr/>
-            <p:nvPr>
-              <p:extLst>
-                <p:ext uri="{386F3935-93C4-4BCD-93E2-E3B085C9AB24}">
-                  <p16:designElem xmlns:p16="http://schemas.microsoft.com/office/powerpoint/2015/main" val="1"/>
-                </p:ext>
-              </p:extLst>
-            </p:nvPr>
-          </p:nvSpPr>
-          <p:spPr bwMode="auto">
-            <a:xfrm>
-              <a:off x="2928938" y="-4763"/>
-              <a:ext cx="1035050" cy="2673350"/>
-            </a:xfrm>
-            <a:custGeom>
-              <a:avLst/>
-              <a:gdLst/>
-              <a:ahLst/>
-              <a:cxnLst/>
-              <a:rect l="0" t="0" r="r" b="b"/>
-              <a:pathLst>
-                <a:path w="652" h="1684">
-                  <a:moveTo>
-                    <a:pt x="225" y="1684"/>
-                  </a:moveTo>
-                  <a:lnTo>
-                    <a:pt x="652" y="0"/>
-                  </a:lnTo>
-                  <a:lnTo>
-                    <a:pt x="411" y="0"/>
-                  </a:lnTo>
-                  <a:lnTo>
-                    <a:pt x="0" y="1627"/>
-                  </a:lnTo>
-                  <a:lnTo>
-                    <a:pt x="219" y="1681"/>
-                  </a:lnTo>
-                  <a:lnTo>
-                    <a:pt x="225" y="1684"/>
-                  </a:lnTo>
-                  <a:close/>
-                </a:path>
-              </a:pathLst>
-            </a:custGeom>
-            <a:solidFill>
-              <a:schemeClr val="tx1">
-                <a:lumMod val="65000"/>
-                <a:lumOff val="35000"/>
-              </a:schemeClr>
-            </a:solidFill>
-            <a:ln>
-              <a:noFill/>
-            </a:ln>
-          </p:spPr>
-        </p:sp>
-        <p:sp>
-          <p:nvSpPr>
-            <p:cNvPr id="25" name="Freeform 9">
-              <a:extLst>
-                <a:ext uri="{FF2B5EF4-FFF2-40B4-BE49-F238E27FC236}">
-                  <a16:creationId xmlns:a16="http://schemas.microsoft.com/office/drawing/2014/main" id="{7836EB7E-895C-4D68-B92E-312B371CBDBF}"/>
-                </a:ext>
-                <a:ext uri="{C183D7F6-B498-43B3-948B-1728B52AA6E4}">
-                  <adec:decorative xmlns:adec="http://schemas.microsoft.com/office/drawing/2017/decorative" val="1"/>
-                </a:ext>
-              </a:extLst>
-            </p:cNvPr>
-            <p:cNvSpPr/>
-            <p:nvPr>
-              <p:extLst>
-                <p:ext uri="{386F3935-93C4-4BCD-93E2-E3B085C9AB24}">
-                  <p16:designElem xmlns:p16="http://schemas.microsoft.com/office/powerpoint/2015/main" val="1"/>
-                </p:ext>
-              </p:extLst>
-            </p:nvPr>
-          </p:nvSpPr>
-          <p:spPr bwMode="auto">
-            <a:xfrm>
-              <a:off x="2928938" y="2582862"/>
-              <a:ext cx="2693987" cy="4275138"/>
-            </a:xfrm>
-            <a:custGeom>
-              <a:avLst/>
-              <a:gdLst/>
-              <a:ahLst/>
-              <a:cxnLst/>
-              <a:rect l="0" t="0" r="r" b="b"/>
-              <a:pathLst>
-                <a:path w="1697" h="2693">
-                  <a:moveTo>
-                    <a:pt x="0" y="0"/>
-                  </a:moveTo>
-                  <a:lnTo>
-                    <a:pt x="1622" y="2693"/>
-                  </a:lnTo>
-                  <a:lnTo>
-                    <a:pt x="1697" y="2693"/>
-                  </a:lnTo>
-                  <a:lnTo>
-                    <a:pt x="0" y="0"/>
-                  </a:lnTo>
-                  <a:close/>
-                </a:path>
-              </a:pathLst>
-            </a:custGeom>
-            <a:solidFill>
-              <a:schemeClr val="tx1">
-                <a:lumMod val="85000"/>
-                <a:lumOff val="15000"/>
-              </a:schemeClr>
-            </a:solidFill>
-            <a:ln>
-              <a:noFill/>
-            </a:ln>
-          </p:spPr>
-        </p:sp>
-        <p:sp>
-          <p:nvSpPr>
-            <p:cNvPr id="26" name="Freeform 10">
-              <a:extLst>
-                <a:ext uri="{FF2B5EF4-FFF2-40B4-BE49-F238E27FC236}">
-                  <a16:creationId xmlns:a16="http://schemas.microsoft.com/office/drawing/2014/main" id="{0F29242B-8CE7-4636-B326-4BEE42EB6D6F}"/>
-                </a:ext>
-                <a:ext uri="{C183D7F6-B498-43B3-948B-1728B52AA6E4}">
-                  <adec:decorative xmlns:adec="http://schemas.microsoft.com/office/drawing/2017/decorative" val="1"/>
-                </a:ext>
-              </a:extLst>
-            </p:cNvPr>
-            <p:cNvSpPr/>
-            <p:nvPr>
-              <p:extLst>
-                <p:ext uri="{386F3935-93C4-4BCD-93E2-E3B085C9AB24}">
-                  <p16:designElem xmlns:p16="http://schemas.microsoft.com/office/powerpoint/2015/main" val="1"/>
-                </p:ext>
-              </p:extLst>
-            </p:nvPr>
-          </p:nvSpPr>
-          <p:spPr bwMode="auto">
-            <a:xfrm>
-              <a:off x="3371850" y="2692400"/>
-              <a:ext cx="3332162" cy="4165600"/>
-            </a:xfrm>
-            <a:custGeom>
-              <a:avLst/>
-              <a:gdLst/>
-              <a:ahLst/>
-              <a:cxnLst/>
-              <a:rect l="0" t="0" r="r" b="b"/>
-              <a:pathLst>
-                <a:path w="2099" h="2624">
-                  <a:moveTo>
-                    <a:pt x="2099" y="2624"/>
-                  </a:moveTo>
-                  <a:lnTo>
-                    <a:pt x="0" y="0"/>
-                  </a:lnTo>
-                  <a:lnTo>
-                    <a:pt x="2021" y="2624"/>
-                  </a:lnTo>
-                  <a:lnTo>
-                    <a:pt x="2099" y="2624"/>
-                  </a:lnTo>
-                  <a:close/>
-                </a:path>
-              </a:pathLst>
-            </a:custGeom>
-            <a:solidFill>
-              <a:schemeClr val="accent1">
-                <a:lumMod val="50000"/>
-              </a:schemeClr>
-            </a:solidFill>
-            <a:ln>
-              <a:noFill/>
-            </a:ln>
-          </p:spPr>
-        </p:sp>
-        <p:sp>
-          <p:nvSpPr>
-            <p:cNvPr id="27" name="Freeform 11">
-              <a:extLst>
-                <a:ext uri="{FF2B5EF4-FFF2-40B4-BE49-F238E27FC236}">
-                  <a16:creationId xmlns:a16="http://schemas.microsoft.com/office/drawing/2014/main" id="{4D0B8E9A-7727-4AD9-974E-8815F0B20EB4}"/>
-                </a:ext>
-                <a:ext uri="{C183D7F6-B498-43B3-948B-1728B52AA6E4}">
-                  <adec:decorative xmlns:adec="http://schemas.microsoft.com/office/drawing/2017/decorative" val="1"/>
-                </a:ext>
-              </a:extLst>
-            </p:cNvPr>
-            <p:cNvSpPr/>
-            <p:nvPr>
-              <p:extLst>
-                <p:ext uri="{386F3935-93C4-4BCD-93E2-E3B085C9AB24}">
-                  <p16:designElem xmlns:p16="http://schemas.microsoft.com/office/powerpoint/2015/main" val="1"/>
-                </p:ext>
-              </p:extLst>
-            </p:nvPr>
-          </p:nvSpPr>
-          <p:spPr bwMode="auto">
-            <a:xfrm>
-              <a:off x="3367088" y="2687637"/>
-              <a:ext cx="4576762" cy="4170363"/>
-            </a:xfrm>
-            <a:custGeom>
-              <a:avLst/>
-              <a:gdLst/>
-              <a:ahLst/>
-              <a:cxnLst/>
-              <a:rect l="0" t="0" r="r" b="b"/>
-              <a:pathLst>
-                <a:path w="2883" h="2627">
-                  <a:moveTo>
-                    <a:pt x="0" y="0"/>
-                  </a:moveTo>
-                  <a:lnTo>
-                    <a:pt x="3" y="3"/>
-                  </a:lnTo>
-                  <a:lnTo>
-                    <a:pt x="2102" y="2627"/>
-                  </a:lnTo>
-                  <a:lnTo>
-                    <a:pt x="2883" y="2627"/>
-                  </a:lnTo>
-                  <a:lnTo>
-                    <a:pt x="225" y="57"/>
-                  </a:lnTo>
-                  <a:lnTo>
-                    <a:pt x="0" y="0"/>
-                  </a:lnTo>
-                  <a:close/>
-                </a:path>
-              </a:pathLst>
-            </a:custGeom>
-            <a:solidFill>
-              <a:schemeClr val="accent1">
-                <a:lumMod val="75000"/>
-              </a:schemeClr>
-            </a:solidFill>
-            <a:ln>
-              <a:noFill/>
-            </a:ln>
-          </p:spPr>
-        </p:sp>
-        <p:sp>
-          <p:nvSpPr>
-            <p:cNvPr id="28" name="Freeform 12">
-              <a:extLst>
-                <a:ext uri="{FF2B5EF4-FFF2-40B4-BE49-F238E27FC236}">
-                  <a16:creationId xmlns:a16="http://schemas.microsoft.com/office/drawing/2014/main" id="{1CD6C65C-71BE-4549-926A-1C1135FD06DF}"/>
-                </a:ext>
-                <a:ext uri="{C183D7F6-B498-43B3-948B-1728B52AA6E4}">
-                  <adec:decorative xmlns:adec="http://schemas.microsoft.com/office/drawing/2017/decorative" val="1"/>
-                </a:ext>
-              </a:extLst>
-            </p:cNvPr>
-            <p:cNvSpPr/>
-            <p:nvPr>
-              <p:extLst>
-                <p:ext uri="{386F3935-93C4-4BCD-93E2-E3B085C9AB24}">
-                  <p16:designElem xmlns:p16="http://schemas.microsoft.com/office/powerpoint/2015/main" val="1"/>
-                </p:ext>
-              </p:extLst>
-            </p:nvPr>
-          </p:nvSpPr>
-          <p:spPr bwMode="auto">
-            <a:xfrm>
-              <a:off x="2928938" y="2578100"/>
-              <a:ext cx="3584575" cy="4279900"/>
-            </a:xfrm>
-            <a:custGeom>
-              <a:avLst/>
-              <a:gdLst/>
-              <a:ahLst/>
-              <a:cxnLst/>
-              <a:rect l="0" t="0" r="r" b="b"/>
-              <a:pathLst>
-                <a:path w="2258" h="2696">
-                  <a:moveTo>
-                    <a:pt x="2258" y="2696"/>
-                  </a:moveTo>
-                  <a:lnTo>
-                    <a:pt x="264" y="111"/>
-                  </a:lnTo>
-                  <a:lnTo>
-                    <a:pt x="228" y="60"/>
-                  </a:lnTo>
-                  <a:lnTo>
-                    <a:pt x="225" y="57"/>
-                  </a:lnTo>
-                  <a:lnTo>
-                    <a:pt x="0" y="0"/>
-                  </a:lnTo>
-                  <a:lnTo>
-                    <a:pt x="0" y="3"/>
-                  </a:lnTo>
-                  <a:lnTo>
-                    <a:pt x="1697" y="2696"/>
-                  </a:lnTo>
-                  <a:lnTo>
-                    <a:pt x="2258" y="2696"/>
-                  </a:lnTo>
-                  <a:close/>
-                </a:path>
-              </a:pathLst>
-            </a:custGeom>
-            <a:solidFill>
-              <a:schemeClr val="tx1">
-                <a:lumMod val="75000"/>
-                <a:lumOff val="25000"/>
-              </a:schemeClr>
-            </a:solidFill>
-            <a:ln>
-              <a:noFill/>
-            </a:ln>
-          </p:spPr>
-        </p:sp>
-      </p:grpSp>
-      <p:sp>
-        <p:nvSpPr>
-          <p:cNvPr id="2" name="Title 1">
-            <a:extLst>
-              <a:ext uri="{FF2B5EF4-FFF2-40B4-BE49-F238E27FC236}">
-                <a16:creationId xmlns:a16="http://schemas.microsoft.com/office/drawing/2014/main" id="{5669F07A-1B70-4FD8-902B-1F01FFCF8139}"/>
-              </a:ext>
-            </a:extLst>
-          </p:cNvPr>
-          <p:cNvSpPr>
-            <a:spLocks noGrp="1"/>
-          </p:cNvSpPr>
-          <p:nvPr>
-            <p:ph type="title"/>
-          </p:nvPr>
-        </p:nvSpPr>
-        <p:spPr>
-          <a:xfrm>
-            <a:off x="4089399" y="4625788"/>
-            <a:ext cx="7413623" cy="835217"/>
-          </a:xfrm>
-        </p:spPr>
-        <p:txBody>
-          <a:bodyPr vert="horz" lIns="91440" tIns="45720" rIns="91440" bIns="45720" rtlCol="0" anchor="b">
-            <a:normAutofit/>
-          </a:bodyPr>
-          <a:lstStyle/>
-          <a:p>
-            <a:pPr algn="r"/>
-            <a:r>
-              <a:rPr lang="en-US" sz="4400" kern="1200" cap="none" dirty="0">
-                <a:ln w="3175" cmpd="sng">
-                  <a:noFill/>
-                </a:ln>
-                <a:solidFill>
-                  <a:schemeClr val="tx1"/>
-                </a:solidFill>
-                <a:effectLst/>
-                <a:latin typeface="+mj-lt"/>
-                <a:ea typeface="+mj-ea"/>
-                <a:cs typeface="+mj-cs"/>
-              </a:rPr>
-              <a:t>Waiting for deployment</a:t>
-            </a:r>
-          </a:p>
-        </p:txBody>
-      </p:sp>
-      <p:pic>
-        <p:nvPicPr>
-          <p:cNvPr id="4" name="Content Placeholder 3" descr="A screenshot of a cell phone&#10;&#10;Description automatically generated">
-            <a:extLst>
-              <a:ext uri="{FF2B5EF4-FFF2-40B4-BE49-F238E27FC236}">
-                <a16:creationId xmlns:a16="http://schemas.microsoft.com/office/drawing/2014/main" id="{FB3649F9-E2CD-4FFB-A271-CE9568E5C36E}"/>
-              </a:ext>
-            </a:extLst>
-          </p:cNvPr>
-          <p:cNvPicPr>
-            <a:picLocks noGrp="1" noChangeAspect="1"/>
-          </p:cNvPicPr>
-          <p:nvPr>
-            <p:ph idx="1"/>
-          </p:nvPr>
-        </p:nvPicPr>
-        <p:blipFill rotWithShape="1">
-          <a:blip r:embed="rId3"/>
-          <a:srcRect r="2098" b="-1"/>
-          <a:stretch/>
-        </p:blipFill>
-        <p:spPr>
-          <a:xfrm>
-            <a:off x="3967843" y="608014"/>
-            <a:ext cx="7487555" cy="3728438"/>
-          </a:xfrm>
-          <a:prstGeom prst="roundRect">
-            <a:avLst>
-              <a:gd name="adj" fmla="val 4380"/>
-            </a:avLst>
-          </a:prstGeom>
-          <a:ln w="38100">
-            <a:gradFill flip="none" rotWithShape="1">
-              <a:gsLst>
-                <a:gs pos="0">
-                  <a:schemeClr val="bg2"/>
-                </a:gs>
-                <a:gs pos="100000">
-                  <a:schemeClr val="bg2">
-                    <a:lumMod val="75000"/>
-                  </a:schemeClr>
-                </a:gs>
-              </a:gsLst>
-              <a:lin ang="5400000" scaled="0"/>
-              <a:tileRect/>
-            </a:gradFill>
-          </a:ln>
-          <a:effectLst>
-            <a:innerShdw blurRad="57150" dist="38100" dir="14460000">
-              <a:srgbClr val="000000">
-                <a:alpha val="70000"/>
-              </a:srgbClr>
-            </a:innerShdw>
-          </a:effectLst>
-        </p:spPr>
-      </p:pic>
-    </p:spTree>
-    <p:extLst>
-      <p:ext uri="{BB962C8B-B14F-4D97-AF65-F5344CB8AC3E}">
-        <p14:creationId xmlns:p14="http://schemas.microsoft.com/office/powerpoint/2010/main" val="3771897505"/>
-      </p:ext>
-    </p:extLst>
-  </p:cSld>
-  <p:clrMapOvr>
-    <a:masterClrMapping/>
-  </p:clrMapOvr>
-  <p:timing>
-    <p:tnLst>
-      <p:par>
-        <p:cTn id="1" dur="indefinite" restart="never" nodeType="tmRoot">
-          <p:childTnLst>
-            <p:seq concurrent="1" nextAc="seek">
-              <p:cTn id="2" dur="indefinite" nodeType="mainSeq">
-                <p:childTnLst>
-                  <p:par>
-                    <p:cTn id="3" fill="hold">
-                      <p:stCondLst>
-                        <p:cond delay="indefinite"/>
-                      </p:stCondLst>
-                      <p:childTnLst>
-                        <p:par>
-                          <p:cTn id="4" fill="hold">
-                            <p:stCondLst>
-                              <p:cond delay="0"/>
-                            </p:stCondLst>
-                            <p:childTnLst>
-                              <p:par>
-                                <p:cTn id="5" presetID="1" presetClass="entr" presetSubtype="0" fill="hold" grpId="0" nodeType="clickEffect">
-                                  <p:stCondLst>
-                                    <p:cond delay="0"/>
-                                  </p:stCondLst>
-                                  <p:childTnLst>
-                                    <p:set>
-                                      <p:cBhvr>
-                                        <p:cTn id="6" dur="1" fill="hold">
-                                          <p:stCondLst>
-                                            <p:cond delay="0"/>
-                                          </p:stCondLst>
-                                        </p:cTn>
-                                        <p:tgtEl>
-                                          <p:spTgt spid="2"/>
-                                        </p:tgtEl>
-                                        <p:attrNameLst>
-                                          <p:attrName>style.visibility</p:attrName>
-                                        </p:attrNameLst>
-                                      </p:cBhvr>
-                                      <p:to>
-                                        <p:strVal val="visible"/>
-                                      </p:to>
-                                    </p:set>
-                                  </p:childTnLst>
-                                </p:cTn>
-                              </p:par>
-                            </p:childTnLst>
-                          </p:cTn>
-                        </p:par>
-                        <p:par>
-                          <p:cTn id="7" fill="hold">
-                            <p:stCondLst>
-                              <p:cond delay="0"/>
-                            </p:stCondLst>
-                            <p:childTnLst>
-                              <p:par>
-                                <p:cTn id="8" presetID="14" presetClass="entr" presetSubtype="10" fill="hold" nodeType="afterEffect">
-                                  <p:stCondLst>
-                                    <p:cond delay="500"/>
-                                  </p:stCondLst>
-                                  <p:childTnLst>
-                                    <p:set>
-                                      <p:cBhvr>
-                                        <p:cTn id="9" dur="1" fill="hold">
-                                          <p:stCondLst>
-                                            <p:cond delay="0"/>
-                                          </p:stCondLst>
-                                        </p:cTn>
-                                        <p:tgtEl>
-                                          <p:spTgt spid="4"/>
-                                        </p:tgtEl>
-                                        <p:attrNameLst>
-                                          <p:attrName>style.visibility</p:attrName>
-                                        </p:attrNameLst>
-                                      </p:cBhvr>
-                                      <p:to>
-                                        <p:strVal val="visible"/>
-                                      </p:to>
-                                    </p:set>
-                                    <p:animEffect transition="in" filter="randombar(horizontal)">
-                                      <p:cBhvr>
-                                        <p:cTn id="10" dur="500"/>
-                                        <p:tgtEl>
-                                          <p:spTgt spid="4"/>
+                                          <p:spTgt spid="5">
+                                            <p:txEl>
+                                              <p:pRg st="6" end="6"/>
+                                            </p:txEl>
+                                          </p:spTgt>
                                         </p:tgtEl>
                                       </p:cBhvr>
                                     </p:animEffect>
@@ -12604,12 +8531,2698 @@
     </p:tnLst>
     <p:bldLst>
       <p:bldP spid="2" grpId="0"/>
+      <p:bldP spid="5" grpId="0" uiExpand="1" build="p"/>
+      <p:bldP spid="6" grpId="0"/>
     </p:bldLst>
   </p:timing>
 </p:sld>
 </file>
 
-<file path=ppt/slides/slide7.xml><?xml version="1.0" encoding="utf-8"?>
+<file path=ppt/slides/slide3.xml><?xml version="1.0" encoding="utf-8"?>
+<p:sld xmlns:a="http://schemas.openxmlformats.org/drawingml/2006/main" xmlns:r="http://schemas.openxmlformats.org/officeDocument/2006/relationships" xmlns:p="http://schemas.openxmlformats.org/presentationml/2006/main">
+  <p:cSld>
+    <p:spTree>
+      <p:nvGrpSpPr>
+        <p:cNvPr id="1" name=""/>
+        <p:cNvGrpSpPr/>
+        <p:nvPr/>
+      </p:nvGrpSpPr>
+      <p:grpSpPr>
+        <a:xfrm>
+          <a:off x="0" y="0"/>
+          <a:ext cx="0" cy="0"/>
+          <a:chOff x="0" y="0"/>
+          <a:chExt cx="0" cy="0"/>
+        </a:xfrm>
+      </p:grpSpPr>
+      <p:sp>
+        <p:nvSpPr>
+          <p:cNvPr id="19" name="Rectangle 18">
+            <a:extLst>
+              <a:ext uri="{FF2B5EF4-FFF2-40B4-BE49-F238E27FC236}">
+                <a16:creationId xmlns:a16="http://schemas.microsoft.com/office/drawing/2014/main" id="{E8EB1F11-5A44-4312-94D2-66639A4FC9C9}"/>
+              </a:ext>
+            </a:extLst>
+          </p:cNvPr>
+          <p:cNvSpPr/>
+          <p:nvPr/>
+        </p:nvSpPr>
+        <p:spPr>
+          <a:xfrm>
+            <a:off x="7751867" y="4141005"/>
+            <a:ext cx="4200192" cy="2011261"/>
+          </a:xfrm>
+          <a:prstGeom prst="rect">
+            <a:avLst/>
+          </a:prstGeom>
+          <a:solidFill>
+            <a:srgbClr val="EFF0F1"/>
+          </a:solidFill>
+          <a:ln>
+            <a:solidFill>
+              <a:schemeClr val="accent4"/>
+            </a:solidFill>
+          </a:ln>
+        </p:spPr>
+        <p:style>
+          <a:lnRef idx="2">
+            <a:schemeClr val="accent1">
+              <a:shade val="50000"/>
+            </a:schemeClr>
+          </a:lnRef>
+          <a:fillRef idx="1">
+            <a:schemeClr val="accent1"/>
+          </a:fillRef>
+          <a:effectRef idx="0">
+            <a:schemeClr val="accent1"/>
+          </a:effectRef>
+          <a:fontRef idx="minor">
+            <a:schemeClr val="lt1"/>
+          </a:fontRef>
+        </p:style>
+        <p:txBody>
+          <a:bodyPr rtlCol="0" anchor="ctr"/>
+          <a:lstStyle/>
+          <a:p>
+            <a:pPr algn="ctr"/>
+            <a:endParaRPr lang="ru-RU"/>
+          </a:p>
+        </p:txBody>
+      </p:sp>
+      <p:sp>
+        <p:nvSpPr>
+          <p:cNvPr id="7" name="Rectangle 6">
+            <a:extLst>
+              <a:ext uri="{FF2B5EF4-FFF2-40B4-BE49-F238E27FC236}">
+                <a16:creationId xmlns:a16="http://schemas.microsoft.com/office/drawing/2014/main" id="{3591661D-3BB5-4D4B-B793-43C54731299A}"/>
+              </a:ext>
+            </a:extLst>
+          </p:cNvPr>
+          <p:cNvSpPr/>
+          <p:nvPr/>
+        </p:nvSpPr>
+        <p:spPr>
+          <a:xfrm>
+            <a:off x="7751867" y="1201105"/>
+            <a:ext cx="4200192" cy="2011261"/>
+          </a:xfrm>
+          <a:prstGeom prst="rect">
+            <a:avLst/>
+          </a:prstGeom>
+          <a:solidFill>
+            <a:srgbClr val="EFF0F1"/>
+          </a:solidFill>
+          <a:ln>
+            <a:solidFill>
+              <a:schemeClr val="accent4"/>
+            </a:solidFill>
+          </a:ln>
+        </p:spPr>
+        <p:style>
+          <a:lnRef idx="2">
+            <a:schemeClr val="accent1">
+              <a:shade val="50000"/>
+            </a:schemeClr>
+          </a:lnRef>
+          <a:fillRef idx="1">
+            <a:schemeClr val="accent1"/>
+          </a:fillRef>
+          <a:effectRef idx="0">
+            <a:schemeClr val="accent1"/>
+          </a:effectRef>
+          <a:fontRef idx="minor">
+            <a:schemeClr val="lt1"/>
+          </a:fontRef>
+        </p:style>
+        <p:txBody>
+          <a:bodyPr rtlCol="0" anchor="ctr"/>
+          <a:lstStyle/>
+          <a:p>
+            <a:pPr algn="ctr"/>
+            <a:endParaRPr lang="ru-RU"/>
+          </a:p>
+        </p:txBody>
+      </p:sp>
+      <p:sp>
+        <p:nvSpPr>
+          <p:cNvPr id="4" name="Rectangle 3">
+            <a:extLst>
+              <a:ext uri="{FF2B5EF4-FFF2-40B4-BE49-F238E27FC236}">
+                <a16:creationId xmlns:a16="http://schemas.microsoft.com/office/drawing/2014/main" id="{977EF3C0-4321-4BB3-99F4-57DD5FA5564D}"/>
+              </a:ext>
+            </a:extLst>
+          </p:cNvPr>
+          <p:cNvSpPr/>
+          <p:nvPr/>
+        </p:nvSpPr>
+        <p:spPr>
+          <a:xfrm>
+            <a:off x="2061451" y="1201575"/>
+            <a:ext cx="4364394" cy="4950691"/>
+          </a:xfrm>
+          <a:prstGeom prst="rect">
+            <a:avLst/>
+          </a:prstGeom>
+          <a:solidFill>
+            <a:srgbClr val="EFF0F1"/>
+          </a:solidFill>
+          <a:ln>
+            <a:solidFill>
+              <a:schemeClr val="accent4"/>
+            </a:solidFill>
+          </a:ln>
+        </p:spPr>
+        <p:style>
+          <a:lnRef idx="2">
+            <a:schemeClr val="accent1">
+              <a:shade val="50000"/>
+            </a:schemeClr>
+          </a:lnRef>
+          <a:fillRef idx="1">
+            <a:schemeClr val="accent1"/>
+          </a:fillRef>
+          <a:effectRef idx="0">
+            <a:schemeClr val="accent1"/>
+          </a:effectRef>
+          <a:fontRef idx="minor">
+            <a:schemeClr val="lt1"/>
+          </a:fontRef>
+        </p:style>
+        <p:txBody>
+          <a:bodyPr rtlCol="0" anchor="ctr"/>
+          <a:lstStyle/>
+          <a:p>
+            <a:pPr algn="ctr"/>
+            <a:endParaRPr lang="ru-RU"/>
+          </a:p>
+        </p:txBody>
+      </p:sp>
+      <p:sp>
+        <p:nvSpPr>
+          <p:cNvPr id="2" name="Title 1">
+            <a:extLst>
+              <a:ext uri="{FF2B5EF4-FFF2-40B4-BE49-F238E27FC236}">
+                <a16:creationId xmlns:a16="http://schemas.microsoft.com/office/drawing/2014/main" id="{AD8947C8-423A-4180-91D4-B3D9F271E871}"/>
+              </a:ext>
+            </a:extLst>
+          </p:cNvPr>
+          <p:cNvSpPr>
+            <a:spLocks noGrp="1"/>
+          </p:cNvSpPr>
+          <p:nvPr>
+            <p:ph type="title"/>
+          </p:nvPr>
+        </p:nvSpPr>
+        <p:spPr>
+          <a:xfrm>
+            <a:off x="1653808" y="18401"/>
+            <a:ext cx="10008606" cy="981462"/>
+          </a:xfrm>
+        </p:spPr>
+        <p:txBody>
+          <a:bodyPr>
+            <a:normAutofit/>
+          </a:bodyPr>
+          <a:lstStyle/>
+          <a:p>
+            <a:r>
+              <a:rPr lang="en-US" dirty="0"/>
+              <a:t>Infrastructure</a:t>
+            </a:r>
+            <a:endParaRPr lang="ru-RU" dirty="0"/>
+          </a:p>
+        </p:txBody>
+      </p:sp>
+      <p:pic>
+        <p:nvPicPr>
+          <p:cNvPr id="2054" name="Picture 6">
+            <a:extLst>
+              <a:ext uri="{FF2B5EF4-FFF2-40B4-BE49-F238E27FC236}">
+                <a16:creationId xmlns:a16="http://schemas.microsoft.com/office/drawing/2014/main" id="{64441031-FF72-46A4-868C-D38496247FA3}"/>
+              </a:ext>
+            </a:extLst>
+          </p:cNvPr>
+          <p:cNvPicPr>
+            <a:picLocks noChangeAspect="1" noChangeArrowheads="1"/>
+          </p:cNvPicPr>
+          <p:nvPr/>
+        </p:nvPicPr>
+        <p:blipFill>
+          <a:blip r:embed="rId2">
+            <a:extLst>
+              <a:ext uri="{28A0092B-C50C-407E-A947-70E740481C1C}">
+                <a14:useLocalDpi xmlns:a14="http://schemas.microsoft.com/office/drawing/2010/main" val="0"/>
+              </a:ext>
+            </a:extLst>
+          </a:blip>
+          <a:srcRect/>
+          <a:stretch>
+            <a:fillRect/>
+          </a:stretch>
+        </p:blipFill>
+        <p:spPr bwMode="auto">
+          <a:xfrm>
+            <a:off x="2552956" y="1487769"/>
+            <a:ext cx="3381384" cy="1690692"/>
+          </a:xfrm>
+          <a:prstGeom prst="rect">
+            <a:avLst/>
+          </a:prstGeom>
+          <a:noFill/>
+          <a:extLst>
+            <a:ext uri="{909E8E84-426E-40DD-AFC4-6F175D3DCCD1}">
+              <a14:hiddenFill xmlns:a14="http://schemas.microsoft.com/office/drawing/2010/main">
+                <a:solidFill>
+                  <a:srgbClr val="FFFFFF"/>
+                </a:solidFill>
+              </a14:hiddenFill>
+            </a:ext>
+          </a:extLst>
+        </p:spPr>
+      </p:pic>
+      <p:pic>
+        <p:nvPicPr>
+          <p:cNvPr id="2056" name="Picture 8">
+            <a:extLst>
+              <a:ext uri="{FF2B5EF4-FFF2-40B4-BE49-F238E27FC236}">
+                <a16:creationId xmlns:a16="http://schemas.microsoft.com/office/drawing/2014/main" id="{C946C705-A7C1-461E-9C3B-287A9CA0625C}"/>
+              </a:ext>
+            </a:extLst>
+          </p:cNvPr>
+          <p:cNvPicPr>
+            <a:picLocks noChangeAspect="1" noChangeArrowheads="1"/>
+          </p:cNvPicPr>
+          <p:nvPr/>
+        </p:nvPicPr>
+        <p:blipFill>
+          <a:blip r:embed="rId3">
+            <a:extLst>
+              <a:ext uri="{28A0092B-C50C-407E-A947-70E740481C1C}">
+                <a14:useLocalDpi xmlns:a14="http://schemas.microsoft.com/office/drawing/2010/main" val="0"/>
+              </a:ext>
+            </a:extLst>
+          </a:blip>
+          <a:srcRect/>
+          <a:stretch>
+            <a:fillRect/>
+          </a:stretch>
+        </p:blipFill>
+        <p:spPr bwMode="auto">
+          <a:xfrm>
+            <a:off x="2290019" y="4272034"/>
+            <a:ext cx="3907259" cy="1138382"/>
+          </a:xfrm>
+          <a:prstGeom prst="rect">
+            <a:avLst/>
+          </a:prstGeom>
+          <a:noFill/>
+          <a:extLst>
+            <a:ext uri="{909E8E84-426E-40DD-AFC4-6F175D3DCCD1}">
+              <a14:hiddenFill xmlns:a14="http://schemas.microsoft.com/office/drawing/2010/main">
+                <a:solidFill>
+                  <a:srgbClr val="FFFFFF"/>
+                </a:solidFill>
+              </a14:hiddenFill>
+            </a:ext>
+          </a:extLst>
+        </p:spPr>
+      </p:pic>
+      <p:cxnSp>
+        <p:nvCxnSpPr>
+          <p:cNvPr id="6" name="Straight Arrow Connector 5">
+            <a:extLst>
+              <a:ext uri="{FF2B5EF4-FFF2-40B4-BE49-F238E27FC236}">
+                <a16:creationId xmlns:a16="http://schemas.microsoft.com/office/drawing/2014/main" id="{134CA5EA-B2B4-41DA-B2C5-843DE9E2C79A}"/>
+              </a:ext>
+            </a:extLst>
+          </p:cNvPr>
+          <p:cNvCxnSpPr/>
+          <p:nvPr/>
+        </p:nvCxnSpPr>
+        <p:spPr>
+          <a:xfrm>
+            <a:off x="4243648" y="2650921"/>
+            <a:ext cx="0" cy="1554480"/>
+          </a:xfrm>
+          <a:prstGeom prst="straightConnector1">
+            <a:avLst/>
+          </a:prstGeom>
+          <a:ln>
+            <a:solidFill>
+              <a:schemeClr val="accent4"/>
+            </a:solidFill>
+            <a:tailEnd type="triangle"/>
+          </a:ln>
+          <a:effectLst>
+            <a:innerShdw blurRad="63500" dist="50800" dir="18900000">
+              <a:prstClr val="black">
+                <a:alpha val="50000"/>
+              </a:prstClr>
+            </a:innerShdw>
+          </a:effectLst>
+        </p:spPr>
+        <p:style>
+          <a:lnRef idx="1">
+            <a:schemeClr val="accent1"/>
+          </a:lnRef>
+          <a:fillRef idx="0">
+            <a:schemeClr val="accent1"/>
+          </a:fillRef>
+          <a:effectRef idx="0">
+            <a:schemeClr val="accent1"/>
+          </a:effectRef>
+          <a:fontRef idx="minor">
+            <a:schemeClr val="tx1"/>
+          </a:fontRef>
+        </p:style>
+      </p:cxnSp>
+      <p:pic>
+        <p:nvPicPr>
+          <p:cNvPr id="2058" name="Picture 10">
+            <a:extLst>
+              <a:ext uri="{FF2B5EF4-FFF2-40B4-BE49-F238E27FC236}">
+                <a16:creationId xmlns:a16="http://schemas.microsoft.com/office/drawing/2014/main" id="{188A60F7-3050-4B1B-9886-00F1CBDBE459}"/>
+              </a:ext>
+            </a:extLst>
+          </p:cNvPr>
+          <p:cNvPicPr>
+            <a:picLocks noChangeAspect="1" noChangeArrowheads="1"/>
+          </p:cNvPicPr>
+          <p:nvPr/>
+        </p:nvPicPr>
+        <p:blipFill>
+          <a:blip r:embed="rId4">
+            <a:extLst>
+              <a:ext uri="{28A0092B-C50C-407E-A947-70E740481C1C}">
+                <a14:useLocalDpi xmlns:a14="http://schemas.microsoft.com/office/drawing/2010/main" val="0"/>
+              </a:ext>
+            </a:extLst>
+          </a:blip>
+          <a:srcRect/>
+          <a:stretch>
+            <a:fillRect/>
+          </a:stretch>
+        </p:blipFill>
+        <p:spPr bwMode="auto">
+          <a:xfrm>
+            <a:off x="7751867" y="1603775"/>
+            <a:ext cx="1026464" cy="1026464"/>
+          </a:xfrm>
+          <a:prstGeom prst="rect">
+            <a:avLst/>
+          </a:prstGeom>
+          <a:noFill/>
+          <a:extLst>
+            <a:ext uri="{909E8E84-426E-40DD-AFC4-6F175D3DCCD1}">
+              <a14:hiddenFill xmlns:a14="http://schemas.microsoft.com/office/drawing/2010/main">
+                <a:solidFill>
+                  <a:srgbClr val="FFFFFF"/>
+                </a:solidFill>
+              </a14:hiddenFill>
+            </a:ext>
+          </a:extLst>
+        </p:spPr>
+      </p:pic>
+      <p:pic>
+        <p:nvPicPr>
+          <p:cNvPr id="12" name="Picture 10">
+            <a:extLst>
+              <a:ext uri="{FF2B5EF4-FFF2-40B4-BE49-F238E27FC236}">
+                <a16:creationId xmlns:a16="http://schemas.microsoft.com/office/drawing/2014/main" id="{A30C0090-ADE5-4E5D-A1B2-624D55ECC5E4}"/>
+              </a:ext>
+            </a:extLst>
+          </p:cNvPr>
+          <p:cNvPicPr>
+            <a:picLocks noChangeAspect="1" noChangeArrowheads="1"/>
+          </p:cNvPicPr>
+          <p:nvPr/>
+        </p:nvPicPr>
+        <p:blipFill>
+          <a:blip r:embed="rId4">
+            <a:extLst>
+              <a:ext uri="{28A0092B-C50C-407E-A947-70E740481C1C}">
+                <a14:useLocalDpi xmlns:a14="http://schemas.microsoft.com/office/drawing/2010/main" val="0"/>
+              </a:ext>
+            </a:extLst>
+          </a:blip>
+          <a:srcRect/>
+          <a:stretch>
+            <a:fillRect/>
+          </a:stretch>
+        </p:blipFill>
+        <p:spPr bwMode="auto">
+          <a:xfrm>
+            <a:off x="8243372" y="4715139"/>
+            <a:ext cx="1026464" cy="1026464"/>
+          </a:xfrm>
+          <a:prstGeom prst="rect">
+            <a:avLst/>
+          </a:prstGeom>
+          <a:noFill/>
+          <a:extLst>
+            <a:ext uri="{909E8E84-426E-40DD-AFC4-6F175D3DCCD1}">
+              <a14:hiddenFill xmlns:a14="http://schemas.microsoft.com/office/drawing/2010/main">
+                <a:solidFill>
+                  <a:srgbClr val="FFFFFF"/>
+                </a:solidFill>
+              </a14:hiddenFill>
+            </a:ext>
+          </a:extLst>
+        </p:spPr>
+      </p:pic>
+      <p:pic>
+        <p:nvPicPr>
+          <p:cNvPr id="2062" name="Picture 14">
+            <a:extLst>
+              <a:ext uri="{FF2B5EF4-FFF2-40B4-BE49-F238E27FC236}">
+                <a16:creationId xmlns:a16="http://schemas.microsoft.com/office/drawing/2014/main" id="{ED92DFD6-C1D6-4677-B7BE-160D6C0151D9}"/>
+              </a:ext>
+            </a:extLst>
+          </p:cNvPr>
+          <p:cNvPicPr>
+            <a:picLocks noChangeAspect="1" noChangeArrowheads="1"/>
+          </p:cNvPicPr>
+          <p:nvPr/>
+        </p:nvPicPr>
+        <p:blipFill>
+          <a:blip r:embed="rId5">
+            <a:extLst>
+              <a:ext uri="{28A0092B-C50C-407E-A947-70E740481C1C}">
+                <a14:useLocalDpi xmlns:a14="http://schemas.microsoft.com/office/drawing/2010/main" val="0"/>
+              </a:ext>
+            </a:extLst>
+          </a:blip>
+          <a:srcRect/>
+          <a:stretch>
+            <a:fillRect/>
+          </a:stretch>
+        </p:blipFill>
+        <p:spPr bwMode="auto">
+          <a:xfrm>
+            <a:off x="10834046" y="1509553"/>
+            <a:ext cx="942115" cy="1214907"/>
+          </a:xfrm>
+          <a:prstGeom prst="rect">
+            <a:avLst/>
+          </a:prstGeom>
+          <a:noFill/>
+          <a:extLst>
+            <a:ext uri="{909E8E84-426E-40DD-AFC4-6F175D3DCCD1}">
+              <a14:hiddenFill xmlns:a14="http://schemas.microsoft.com/office/drawing/2010/main">
+                <a:solidFill>
+                  <a:srgbClr val="FFFFFF"/>
+                </a:solidFill>
+              </a14:hiddenFill>
+            </a:ext>
+          </a:extLst>
+        </p:spPr>
+      </p:pic>
+      <p:pic>
+        <p:nvPicPr>
+          <p:cNvPr id="2064" name="Picture 16">
+            <a:extLst>
+              <a:ext uri="{FF2B5EF4-FFF2-40B4-BE49-F238E27FC236}">
+                <a16:creationId xmlns:a16="http://schemas.microsoft.com/office/drawing/2014/main" id="{DF4EF5B1-597D-4AAD-8731-78A77AD41C3D}"/>
+              </a:ext>
+            </a:extLst>
+          </p:cNvPr>
+          <p:cNvPicPr>
+            <a:picLocks noChangeAspect="1" noChangeArrowheads="1"/>
+          </p:cNvPicPr>
+          <p:nvPr/>
+        </p:nvPicPr>
+        <p:blipFill>
+          <a:blip r:embed="rId6">
+            <a:extLst>
+              <a:ext uri="{28A0092B-C50C-407E-A947-70E740481C1C}">
+                <a14:useLocalDpi xmlns:a14="http://schemas.microsoft.com/office/drawing/2010/main" val="0"/>
+              </a:ext>
+            </a:extLst>
+          </a:blip>
+          <a:srcRect/>
+          <a:stretch>
+            <a:fillRect/>
+          </a:stretch>
+        </p:blipFill>
+        <p:spPr bwMode="auto">
+          <a:xfrm>
+            <a:off x="8214015" y="1378041"/>
+            <a:ext cx="2111642" cy="1900478"/>
+          </a:xfrm>
+          <a:prstGeom prst="rect">
+            <a:avLst/>
+          </a:prstGeom>
+          <a:noFill/>
+          <a:extLst>
+            <a:ext uri="{909E8E84-426E-40DD-AFC4-6F175D3DCCD1}">
+              <a14:hiddenFill xmlns:a14="http://schemas.microsoft.com/office/drawing/2010/main">
+                <a:solidFill>
+                  <a:srgbClr val="FFFFFF"/>
+                </a:solidFill>
+              </a14:hiddenFill>
+            </a:ext>
+          </a:extLst>
+        </p:spPr>
+      </p:pic>
+      <p:pic>
+        <p:nvPicPr>
+          <p:cNvPr id="2066" name="Picture 18">
+            <a:extLst>
+              <a:ext uri="{FF2B5EF4-FFF2-40B4-BE49-F238E27FC236}">
+                <a16:creationId xmlns:a16="http://schemas.microsoft.com/office/drawing/2014/main" id="{0112556C-0360-47F7-99F7-DEB408FA3CC1}"/>
+              </a:ext>
+            </a:extLst>
+          </p:cNvPr>
+          <p:cNvPicPr>
+            <a:picLocks noChangeAspect="1" noChangeArrowheads="1"/>
+          </p:cNvPicPr>
+          <p:nvPr/>
+        </p:nvPicPr>
+        <p:blipFill>
+          <a:blip r:embed="rId7">
+            <a:extLst>
+              <a:ext uri="{28A0092B-C50C-407E-A947-70E740481C1C}">
+                <a14:useLocalDpi xmlns:a14="http://schemas.microsoft.com/office/drawing/2010/main" val="0"/>
+              </a:ext>
+            </a:extLst>
+          </a:blip>
+          <a:srcRect/>
+          <a:stretch>
+            <a:fillRect/>
+          </a:stretch>
+        </p:blipFill>
+        <p:spPr bwMode="auto">
+          <a:xfrm>
+            <a:off x="9499205" y="4184295"/>
+            <a:ext cx="2276956" cy="2276956"/>
+          </a:xfrm>
+          <a:prstGeom prst="rect">
+            <a:avLst/>
+          </a:prstGeom>
+          <a:noFill/>
+          <a:extLst>
+            <a:ext uri="{909E8E84-426E-40DD-AFC4-6F175D3DCCD1}">
+              <a14:hiddenFill xmlns:a14="http://schemas.microsoft.com/office/drawing/2010/main">
+                <a:solidFill>
+                  <a:srgbClr val="FFFFFF"/>
+                </a:solidFill>
+              </a14:hiddenFill>
+            </a:ext>
+          </a:extLst>
+        </p:spPr>
+      </p:pic>
+      <p:pic>
+        <p:nvPicPr>
+          <p:cNvPr id="2068" name="Picture 20">
+            <a:extLst>
+              <a:ext uri="{FF2B5EF4-FFF2-40B4-BE49-F238E27FC236}">
+                <a16:creationId xmlns:a16="http://schemas.microsoft.com/office/drawing/2014/main" id="{97AD8AE2-0C79-441C-91B8-10EC1CAF6845}"/>
+              </a:ext>
+            </a:extLst>
+          </p:cNvPr>
+          <p:cNvPicPr>
+            <a:picLocks noChangeAspect="1" noChangeArrowheads="1"/>
+          </p:cNvPicPr>
+          <p:nvPr/>
+        </p:nvPicPr>
+        <p:blipFill>
+          <a:blip r:embed="rId8">
+            <a:extLst>
+              <a:ext uri="{28A0092B-C50C-407E-A947-70E740481C1C}">
+                <a14:useLocalDpi xmlns:a14="http://schemas.microsoft.com/office/drawing/2010/main" val="0"/>
+              </a:ext>
+            </a:extLst>
+          </a:blip>
+          <a:srcRect/>
+          <a:stretch>
+            <a:fillRect/>
+          </a:stretch>
+        </p:blipFill>
+        <p:spPr bwMode="auto">
+          <a:xfrm>
+            <a:off x="9812563" y="1690139"/>
+            <a:ext cx="853734" cy="853734"/>
+          </a:xfrm>
+          <a:prstGeom prst="rect">
+            <a:avLst/>
+          </a:prstGeom>
+          <a:noFill/>
+          <a:extLst>
+            <a:ext uri="{909E8E84-426E-40DD-AFC4-6F175D3DCCD1}">
+              <a14:hiddenFill xmlns:a14="http://schemas.microsoft.com/office/drawing/2010/main">
+                <a:solidFill>
+                  <a:srgbClr val="FFFFFF"/>
+                </a:solidFill>
+              </a14:hiddenFill>
+            </a:ext>
+          </a:extLst>
+        </p:spPr>
+      </p:pic>
+      <p:sp>
+        <p:nvSpPr>
+          <p:cNvPr id="8" name="TextBox 7">
+            <a:extLst>
+              <a:ext uri="{FF2B5EF4-FFF2-40B4-BE49-F238E27FC236}">
+                <a16:creationId xmlns:a16="http://schemas.microsoft.com/office/drawing/2014/main" id="{80B74CA5-BCEA-404E-B2F2-9F1B24152E03}"/>
+              </a:ext>
+            </a:extLst>
+          </p:cNvPr>
+          <p:cNvSpPr txBox="1"/>
+          <p:nvPr/>
+        </p:nvSpPr>
+        <p:spPr>
+          <a:xfrm>
+            <a:off x="3862774" y="6205633"/>
+            <a:ext cx="780983" cy="369332"/>
+          </a:xfrm>
+          <a:prstGeom prst="rect">
+            <a:avLst/>
+          </a:prstGeom>
+          <a:noFill/>
+        </p:spPr>
+        <p:txBody>
+          <a:bodyPr wrap="none" rtlCol="0">
+            <a:spAutoFit/>
+          </a:bodyPr>
+          <a:lstStyle/>
+          <a:p>
+            <a:r>
+              <a:rPr lang="en-US" b="1" dirty="0"/>
+              <a:t>HOST</a:t>
+            </a:r>
+            <a:endParaRPr lang="ru-RU" b="1" dirty="0"/>
+          </a:p>
+        </p:txBody>
+      </p:sp>
+      <p:sp>
+        <p:nvSpPr>
+          <p:cNvPr id="21" name="TextBox 20">
+            <a:extLst>
+              <a:ext uri="{FF2B5EF4-FFF2-40B4-BE49-F238E27FC236}">
+                <a16:creationId xmlns:a16="http://schemas.microsoft.com/office/drawing/2014/main" id="{D1FC5601-34DE-4908-A2E0-6FB8CAF1206A}"/>
+              </a:ext>
+            </a:extLst>
+          </p:cNvPr>
+          <p:cNvSpPr txBox="1"/>
+          <p:nvPr/>
+        </p:nvSpPr>
+        <p:spPr>
+          <a:xfrm>
+            <a:off x="8994341" y="3212693"/>
+            <a:ext cx="1715244" cy="369332"/>
+          </a:xfrm>
+          <a:prstGeom prst="rect">
+            <a:avLst/>
+          </a:prstGeom>
+          <a:noFill/>
+        </p:spPr>
+        <p:txBody>
+          <a:bodyPr wrap="square" rtlCol="0">
+            <a:spAutoFit/>
+          </a:bodyPr>
+          <a:lstStyle/>
+          <a:p>
+            <a:r>
+              <a:rPr lang="en-US" b="1" dirty="0"/>
+              <a:t>Jenkins Master</a:t>
+            </a:r>
+            <a:endParaRPr lang="ru-RU" b="1" dirty="0"/>
+          </a:p>
+        </p:txBody>
+      </p:sp>
+      <p:sp>
+        <p:nvSpPr>
+          <p:cNvPr id="22" name="TextBox 21">
+            <a:extLst>
+              <a:ext uri="{FF2B5EF4-FFF2-40B4-BE49-F238E27FC236}">
+                <a16:creationId xmlns:a16="http://schemas.microsoft.com/office/drawing/2014/main" id="{857B659B-E04A-43EA-87DC-48F085DB422E}"/>
+              </a:ext>
+            </a:extLst>
+          </p:cNvPr>
+          <p:cNvSpPr txBox="1"/>
+          <p:nvPr/>
+        </p:nvSpPr>
+        <p:spPr>
+          <a:xfrm>
+            <a:off x="9152433" y="6172931"/>
+            <a:ext cx="1426083" cy="369332"/>
+          </a:xfrm>
+          <a:prstGeom prst="rect">
+            <a:avLst/>
+          </a:prstGeom>
+          <a:noFill/>
+        </p:spPr>
+        <p:txBody>
+          <a:bodyPr wrap="square" rtlCol="0">
+            <a:spAutoFit/>
+          </a:bodyPr>
+          <a:lstStyle/>
+          <a:p>
+            <a:r>
+              <a:rPr lang="en-US" b="1" dirty="0"/>
+              <a:t>Web-Server</a:t>
+            </a:r>
+            <a:endParaRPr lang="ru-RU" b="1" dirty="0"/>
+          </a:p>
+        </p:txBody>
+      </p:sp>
+      <p:cxnSp>
+        <p:nvCxnSpPr>
+          <p:cNvPr id="10" name="Straight Arrow Connector 9">
+            <a:extLst>
+              <a:ext uri="{FF2B5EF4-FFF2-40B4-BE49-F238E27FC236}">
+                <a16:creationId xmlns:a16="http://schemas.microsoft.com/office/drawing/2014/main" id="{2427D84D-BF17-4831-94F4-A76DC48F9C2B}"/>
+              </a:ext>
+            </a:extLst>
+          </p:cNvPr>
+          <p:cNvCxnSpPr>
+            <a:stCxn id="4" idx="3"/>
+            <a:endCxn id="2058" idx="1"/>
+          </p:cNvCxnSpPr>
+          <p:nvPr/>
+        </p:nvCxnSpPr>
+        <p:spPr>
+          <a:xfrm flipV="1">
+            <a:off x="6425845" y="2117007"/>
+            <a:ext cx="1326022" cy="1559914"/>
+          </a:xfrm>
+          <a:prstGeom prst="straightConnector1">
+            <a:avLst/>
+          </a:prstGeom>
+          <a:ln w="28575">
+            <a:solidFill>
+              <a:schemeClr val="tx2"/>
+            </a:solidFill>
+            <a:tailEnd type="triangle"/>
+          </a:ln>
+        </p:spPr>
+        <p:style>
+          <a:lnRef idx="1">
+            <a:schemeClr val="accent1"/>
+          </a:lnRef>
+          <a:fillRef idx="0">
+            <a:schemeClr val="accent1"/>
+          </a:fillRef>
+          <a:effectRef idx="0">
+            <a:schemeClr val="accent1"/>
+          </a:effectRef>
+          <a:fontRef idx="minor">
+            <a:schemeClr val="tx1"/>
+          </a:fontRef>
+        </p:style>
+      </p:cxnSp>
+      <p:cxnSp>
+        <p:nvCxnSpPr>
+          <p:cNvPr id="13" name="Straight Arrow Connector 12">
+            <a:extLst>
+              <a:ext uri="{FF2B5EF4-FFF2-40B4-BE49-F238E27FC236}">
+                <a16:creationId xmlns:a16="http://schemas.microsoft.com/office/drawing/2014/main" id="{03494826-1322-439A-B328-5B0E3A447728}"/>
+              </a:ext>
+            </a:extLst>
+          </p:cNvPr>
+          <p:cNvCxnSpPr>
+            <a:stCxn id="4" idx="3"/>
+            <a:endCxn id="19" idx="1"/>
+          </p:cNvCxnSpPr>
+          <p:nvPr/>
+        </p:nvCxnSpPr>
+        <p:spPr>
+          <a:xfrm>
+            <a:off x="6425845" y="3676921"/>
+            <a:ext cx="1326022" cy="1469715"/>
+          </a:xfrm>
+          <a:prstGeom prst="straightConnector1">
+            <a:avLst/>
+          </a:prstGeom>
+          <a:ln w="28575">
+            <a:solidFill>
+              <a:schemeClr val="tx2"/>
+            </a:solidFill>
+            <a:tailEnd type="triangle"/>
+          </a:ln>
+        </p:spPr>
+        <p:style>
+          <a:lnRef idx="1">
+            <a:schemeClr val="accent1"/>
+          </a:lnRef>
+          <a:fillRef idx="0">
+            <a:schemeClr val="accent1"/>
+          </a:fillRef>
+          <a:effectRef idx="0">
+            <a:schemeClr val="accent1"/>
+          </a:effectRef>
+          <a:fontRef idx="minor">
+            <a:schemeClr val="tx1"/>
+          </a:fontRef>
+        </p:style>
+      </p:cxnSp>
+    </p:spTree>
+    <p:extLst>
+      <p:ext uri="{BB962C8B-B14F-4D97-AF65-F5344CB8AC3E}">
+        <p14:creationId xmlns:p14="http://schemas.microsoft.com/office/powerpoint/2010/main" val="3253594678"/>
+      </p:ext>
+    </p:extLst>
+  </p:cSld>
+  <p:clrMapOvr>
+    <a:masterClrMapping/>
+  </p:clrMapOvr>
+</p:sld>
+</file>
+
+<file path=ppt/slides/slide4.xml><?xml version="1.0" encoding="utf-8"?>
+<p:sld xmlns:a="http://schemas.openxmlformats.org/drawingml/2006/main" xmlns:r="http://schemas.openxmlformats.org/officeDocument/2006/relationships" xmlns:p="http://schemas.openxmlformats.org/presentationml/2006/main">
+  <p:cSld>
+    <p:spTree>
+      <p:nvGrpSpPr>
+        <p:cNvPr id="1" name=""/>
+        <p:cNvGrpSpPr/>
+        <p:nvPr/>
+      </p:nvGrpSpPr>
+      <p:grpSpPr>
+        <a:xfrm>
+          <a:off x="0" y="0"/>
+          <a:ext cx="0" cy="0"/>
+          <a:chOff x="0" y="0"/>
+          <a:chExt cx="0" cy="0"/>
+        </a:xfrm>
+      </p:grpSpPr>
+      <p:sp>
+        <p:nvSpPr>
+          <p:cNvPr id="2" name="Title 1">
+            <a:extLst>
+              <a:ext uri="{FF2B5EF4-FFF2-40B4-BE49-F238E27FC236}">
+                <a16:creationId xmlns:a16="http://schemas.microsoft.com/office/drawing/2014/main" id="{3648C7F1-BD74-4FE5-BDD3-E368820C5D77}"/>
+              </a:ext>
+            </a:extLst>
+          </p:cNvPr>
+          <p:cNvSpPr>
+            <a:spLocks noGrp="1"/>
+          </p:cNvSpPr>
+          <p:nvPr>
+            <p:ph type="title"/>
+          </p:nvPr>
+        </p:nvSpPr>
+        <p:spPr>
+          <a:xfrm>
+            <a:off x="2079929" y="822121"/>
+            <a:ext cx="4287315" cy="5882780"/>
+          </a:xfrm>
+        </p:spPr>
+        <p:txBody>
+          <a:bodyPr>
+            <a:noAutofit/>
+          </a:bodyPr>
+          <a:lstStyle/>
+          <a:p>
+            <a:pPr algn="l"/>
+            <a:br>
+              <a:rPr lang="en-US" sz="1400" dirty="0"/>
+            </a:br>
+            <a:r>
+              <a:rPr lang="en-US" sz="1400" dirty="0"/>
+              <a:t>resource "</a:t>
+            </a:r>
+            <a:r>
+              <a:rPr lang="en-US" sz="1400" dirty="0" err="1"/>
+              <a:t>aws_instance</a:t>
+            </a:r>
+            <a:r>
+              <a:rPr lang="en-US" sz="1400" dirty="0"/>
+              <a:t>" "Jenkins" {</a:t>
+            </a:r>
+            <a:br>
+              <a:rPr lang="en-US" sz="1400" dirty="0"/>
+            </a:br>
+            <a:r>
+              <a:rPr lang="en-US" sz="1400" dirty="0"/>
+              <a:t>    </a:t>
+            </a:r>
+            <a:r>
+              <a:rPr lang="en-US" sz="1400" b="1" dirty="0" err="1"/>
+              <a:t>ami</a:t>
+            </a:r>
+            <a:r>
+              <a:rPr lang="en-US" sz="1400" dirty="0"/>
+              <a:t>                          = "ami-00c03f7f7f2ec15c3""</a:t>
+            </a:r>
+            <a:br>
+              <a:rPr lang="en-US" sz="1400" dirty="0"/>
+            </a:br>
+            <a:r>
+              <a:rPr lang="en-US" sz="1400" dirty="0"/>
+              <a:t>    </a:t>
+            </a:r>
+            <a:r>
+              <a:rPr lang="en-US" sz="1400" b="1" dirty="0" err="1"/>
+              <a:t>instance_type</a:t>
+            </a:r>
+            <a:r>
+              <a:rPr lang="en-US" sz="1400" b="1" dirty="0"/>
+              <a:t>                </a:t>
+            </a:r>
+            <a:r>
+              <a:rPr lang="en-US" sz="1400" dirty="0"/>
+              <a:t>= "t2.small"</a:t>
+            </a:r>
+            <a:br>
+              <a:rPr lang="en-US" sz="1400" dirty="0"/>
+            </a:br>
+            <a:r>
+              <a:rPr lang="en-US" sz="1400" dirty="0"/>
+              <a:t>    </a:t>
+            </a:r>
+            <a:r>
+              <a:rPr lang="en-US" sz="1400" b="1" dirty="0" err="1"/>
+              <a:t>key_name</a:t>
+            </a:r>
+            <a:r>
+              <a:rPr lang="en-US" sz="1400" b="1" dirty="0"/>
+              <a:t>                     </a:t>
+            </a:r>
+            <a:r>
+              <a:rPr lang="en-US" sz="1400" dirty="0"/>
+              <a:t>= "</a:t>
+            </a:r>
+            <a:r>
+              <a:rPr lang="en-US" sz="1400" dirty="0" err="1"/>
+              <a:t>newOhio</a:t>
+            </a:r>
+            <a:r>
+              <a:rPr lang="en-US" sz="1400" dirty="0"/>
+              <a:t>"</a:t>
+            </a:r>
+            <a:br>
+              <a:rPr lang="en-US" sz="1400" dirty="0"/>
+            </a:br>
+            <a:r>
+              <a:rPr lang="en-US" sz="1400" dirty="0"/>
+              <a:t>    </a:t>
+            </a:r>
+            <a:r>
+              <a:rPr lang="en-US" sz="1400" b="1" dirty="0" err="1"/>
+              <a:t>private_ip</a:t>
+            </a:r>
+            <a:r>
+              <a:rPr lang="en-US" sz="1400" b="1" dirty="0"/>
+              <a:t>   </a:t>
+            </a:r>
+            <a:r>
+              <a:rPr lang="en-US" sz="1400" dirty="0"/>
+              <a:t>                = "172.31.21.189"</a:t>
+            </a:r>
+            <a:br>
+              <a:rPr lang="en-US" sz="1400" dirty="0"/>
+            </a:br>
+            <a:r>
+              <a:rPr lang="en-US" sz="1400" dirty="0"/>
+              <a:t>    </a:t>
+            </a:r>
+            <a:r>
+              <a:rPr lang="en-US" sz="1400" b="1" dirty="0" err="1"/>
+              <a:t>subnet_id</a:t>
+            </a:r>
+            <a:r>
+              <a:rPr lang="en-US" sz="1400" b="1" dirty="0"/>
+              <a:t>      </a:t>
+            </a:r>
+            <a:r>
+              <a:rPr lang="en-US" sz="1400" dirty="0"/>
+              <a:t>              = "subnet-be6433c4"</a:t>
+            </a:r>
+            <a:br>
+              <a:rPr lang="en-US" sz="1400" dirty="0"/>
+            </a:br>
+            <a:r>
+              <a:rPr lang="en-US" sz="1400" dirty="0"/>
+              <a:t>    </a:t>
+            </a:r>
+            <a:r>
+              <a:rPr lang="en-US" sz="1400" b="1" dirty="0" err="1"/>
+              <a:t>vpc_security_group_ids</a:t>
+            </a:r>
+            <a:r>
+              <a:rPr lang="en-US" sz="1400" b="1" dirty="0"/>
+              <a:t>       </a:t>
+            </a:r>
+            <a:r>
+              <a:rPr lang="en-US" sz="1400" dirty="0"/>
+              <a:t>= [aws_security_group.jenkinssg.id]</a:t>
+            </a:r>
+            <a:br>
+              <a:rPr lang="en-US" sz="1400" dirty="0"/>
+            </a:br>
+            <a:r>
+              <a:rPr lang="en-US" sz="1400" dirty="0"/>
+              <a:t>    </a:t>
+            </a:r>
+            <a:r>
+              <a:rPr lang="en-US" sz="1400" b="1" dirty="0" err="1"/>
+              <a:t>root_block_device</a:t>
+            </a:r>
+            <a:r>
+              <a:rPr lang="en-US" sz="1400" b="1" dirty="0"/>
+              <a:t> </a:t>
+            </a:r>
+            <a:r>
+              <a:rPr lang="en-US" sz="1400" dirty="0"/>
+              <a:t>{</a:t>
+            </a:r>
+            <a:br>
+              <a:rPr lang="en-US" sz="1400" dirty="0"/>
+            </a:br>
+            <a:r>
+              <a:rPr lang="en-US" sz="1400" dirty="0"/>
+              <a:t>    </a:t>
+            </a:r>
+            <a:r>
+              <a:rPr lang="en-US" sz="1400" dirty="0" err="1"/>
+              <a:t>volume_size</a:t>
+            </a:r>
+            <a:r>
+              <a:rPr lang="en-US" sz="1400" dirty="0"/>
+              <a:t> = 20</a:t>
+            </a:r>
+            <a:br>
+              <a:rPr lang="en-US" sz="1400" dirty="0"/>
+            </a:br>
+            <a:r>
+              <a:rPr lang="en-US" sz="1400" dirty="0"/>
+              <a:t>    </a:t>
+            </a:r>
+            <a:r>
+              <a:rPr lang="en-US" sz="1400" dirty="0" err="1"/>
+              <a:t>volume_type</a:t>
+            </a:r>
+            <a:r>
+              <a:rPr lang="en-US" sz="1400" dirty="0"/>
+              <a:t> = "gp2"</a:t>
+            </a:r>
+            <a:br>
+              <a:rPr lang="en-US" sz="1400" dirty="0"/>
+            </a:br>
+            <a:r>
+              <a:rPr lang="en-US" sz="1400" dirty="0"/>
+              <a:t>    </a:t>
+            </a:r>
+            <a:r>
+              <a:rPr lang="en-US" sz="1400" dirty="0" err="1"/>
+              <a:t>delete_on_termination</a:t>
+            </a:r>
+            <a:r>
+              <a:rPr lang="en-US" sz="1400" dirty="0"/>
+              <a:t> = true</a:t>
+            </a:r>
+            <a:br>
+              <a:rPr lang="en-US" sz="1400" dirty="0"/>
+            </a:br>
+            <a:r>
+              <a:rPr lang="en-US" sz="1400" dirty="0"/>
+              <a:t>  }</a:t>
+            </a:r>
+            <a:br>
+              <a:rPr lang="en-US" sz="1400" dirty="0"/>
+            </a:br>
+            <a:r>
+              <a:rPr lang="en-US" sz="1400" dirty="0"/>
+              <a:t>    tags                         = {</a:t>
+            </a:r>
+            <a:br>
+              <a:rPr lang="en-US" sz="1400" dirty="0"/>
+            </a:br>
+            <a:r>
+              <a:rPr lang="en-US" sz="1400" dirty="0"/>
+              <a:t>          Name = "Masters"</a:t>
+            </a:r>
+            <a:br>
+              <a:rPr lang="en-US" sz="1400" dirty="0"/>
+            </a:br>
+            <a:r>
+              <a:rPr lang="en-US" sz="1400" dirty="0"/>
+              <a:t>        }</a:t>
+            </a:r>
+            <a:br>
+              <a:rPr lang="en-US" sz="1400" dirty="0"/>
+            </a:br>
+            <a:r>
+              <a:rPr lang="en-US" sz="1400" dirty="0"/>
+              <a:t>    </a:t>
+            </a:r>
+            <a:r>
+              <a:rPr lang="en-US" sz="1400" b="1" dirty="0"/>
+              <a:t>provisioner "local-exec"</a:t>
+            </a:r>
+            <a:r>
+              <a:rPr lang="en-US" sz="1400" dirty="0"/>
+              <a:t> {</a:t>
+            </a:r>
+            <a:br>
+              <a:rPr lang="en-US" sz="1400" dirty="0"/>
+            </a:br>
+            <a:r>
+              <a:rPr lang="en-US" sz="1400" dirty="0"/>
+              <a:t>      command = &lt;&lt;EOT</a:t>
+            </a:r>
+            <a:br>
+              <a:rPr lang="en-US" sz="1400" dirty="0"/>
+            </a:br>
+            <a:r>
+              <a:rPr lang="en-US" sz="1400" dirty="0"/>
+              <a:t>      sleep 50;</a:t>
+            </a:r>
+            <a:br>
+              <a:rPr lang="en-US" sz="1400" dirty="0"/>
+            </a:br>
+            <a:r>
+              <a:rPr lang="en-US" sz="1400" dirty="0"/>
+              <a:t>      </a:t>
+            </a:r>
+            <a:r>
+              <a:rPr lang="en-US" sz="1400" dirty="0" err="1"/>
+              <a:t>working_dir</a:t>
+            </a:r>
+            <a:r>
+              <a:rPr lang="en-US" sz="1400" dirty="0"/>
+              <a:t> = "${</a:t>
+            </a:r>
+            <a:r>
+              <a:rPr lang="en-US" sz="1400" dirty="0" err="1"/>
+              <a:t>var.ansible_dir</a:t>
+            </a:r>
+            <a:r>
+              <a:rPr lang="en-US" sz="1400" dirty="0"/>
+              <a:t>}"</a:t>
+            </a:r>
+            <a:br>
+              <a:rPr lang="en-US" sz="1400" dirty="0"/>
+            </a:br>
+            <a:r>
+              <a:rPr lang="en-US" sz="1400" dirty="0"/>
+              <a:t>      ansible-playbook -</a:t>
+            </a:r>
+            <a:r>
+              <a:rPr lang="en-US" sz="1400" dirty="0" err="1"/>
+              <a:t>i</a:t>
+            </a:r>
+            <a:r>
+              <a:rPr lang="en-US" sz="1400" dirty="0"/>
+              <a:t> hosts.txt </a:t>
+            </a:r>
+            <a:r>
+              <a:rPr lang="en-US" sz="1400" dirty="0" err="1"/>
+              <a:t>java.yml</a:t>
+            </a:r>
+            <a:br>
+              <a:rPr lang="en-US" sz="1400" dirty="0"/>
+            </a:br>
+            <a:r>
+              <a:rPr lang="en-US" sz="1400" dirty="0"/>
+              <a:t>      ansible-playbook -</a:t>
+            </a:r>
+            <a:r>
+              <a:rPr lang="en-US" sz="1400" dirty="0" err="1"/>
+              <a:t>i</a:t>
+            </a:r>
+            <a:r>
+              <a:rPr lang="en-US" sz="1400" dirty="0"/>
+              <a:t> hosts.txt </a:t>
+            </a:r>
+            <a:r>
+              <a:rPr lang="en-US" sz="1400" dirty="0" err="1"/>
+              <a:t>maven.yml</a:t>
+            </a:r>
+            <a:br>
+              <a:rPr lang="en-US" sz="1400" dirty="0"/>
+            </a:br>
+            <a:r>
+              <a:rPr lang="en-US" sz="1400" dirty="0"/>
+              <a:t>      ansible-playbook -</a:t>
+            </a:r>
+            <a:r>
+              <a:rPr lang="en-US" sz="1400" dirty="0" err="1"/>
+              <a:t>i</a:t>
+            </a:r>
+            <a:r>
+              <a:rPr lang="en-US" sz="1400" dirty="0"/>
+              <a:t> hosts.txt Playbook-</a:t>
+            </a:r>
+            <a:r>
+              <a:rPr lang="en-US" sz="1400" dirty="0" err="1"/>
+              <a:t>jenkins.yml</a:t>
+            </a:r>
+            <a:br>
+              <a:rPr lang="en-US" sz="1400" dirty="0"/>
+            </a:br>
+            <a:r>
+              <a:rPr lang="en-US" sz="1400" dirty="0"/>
+              <a:t>    EOT</a:t>
+            </a:r>
+            <a:br>
+              <a:rPr lang="en-US" sz="1400" dirty="0"/>
+            </a:br>
+            <a:r>
+              <a:rPr lang="en-US" sz="1400" dirty="0"/>
+              <a:t>  }</a:t>
+            </a:r>
+            <a:br>
+              <a:rPr lang="en-US" sz="1400" dirty="0"/>
+            </a:br>
+            <a:r>
+              <a:rPr lang="en-US" sz="1400" dirty="0"/>
+              <a:t>}</a:t>
+            </a:r>
+            <a:br>
+              <a:rPr lang="en-US" sz="1400" dirty="0"/>
+            </a:br>
+            <a:endParaRPr lang="ru-RU" sz="1400" dirty="0"/>
+          </a:p>
+        </p:txBody>
+      </p:sp>
+      <p:sp>
+        <p:nvSpPr>
+          <p:cNvPr id="4" name="Rectangle 3">
+            <a:extLst>
+              <a:ext uri="{FF2B5EF4-FFF2-40B4-BE49-F238E27FC236}">
+                <a16:creationId xmlns:a16="http://schemas.microsoft.com/office/drawing/2014/main" id="{1267E51D-F422-4C17-B81F-070EA93EC73A}"/>
+              </a:ext>
+            </a:extLst>
+          </p:cNvPr>
+          <p:cNvSpPr/>
+          <p:nvPr/>
+        </p:nvSpPr>
+        <p:spPr>
+          <a:xfrm>
+            <a:off x="6367244" y="939567"/>
+            <a:ext cx="5220749" cy="3970318"/>
+          </a:xfrm>
+          <a:prstGeom prst="rect">
+            <a:avLst/>
+          </a:prstGeom>
+        </p:spPr>
+        <p:txBody>
+          <a:bodyPr wrap="square">
+            <a:spAutoFit/>
+          </a:bodyPr>
+          <a:lstStyle/>
+          <a:p>
+            <a:r>
+              <a:rPr lang="en-US" sz="1400" dirty="0"/>
+              <a:t>resource "</a:t>
+            </a:r>
+            <a:r>
+              <a:rPr lang="en-US" sz="1400" dirty="0" err="1"/>
+              <a:t>aws_security_group</a:t>
+            </a:r>
+            <a:r>
+              <a:rPr lang="en-US" sz="1400" dirty="0"/>
+              <a:t>" "</a:t>
+            </a:r>
+            <a:r>
+              <a:rPr lang="en-US" sz="1400" dirty="0" err="1"/>
+              <a:t>jenkinssg</a:t>
+            </a:r>
+            <a:r>
+              <a:rPr lang="en-US" sz="1400" dirty="0"/>
+              <a:t>" {</a:t>
+            </a:r>
+            <a:br>
+              <a:rPr lang="en-US" sz="1400" dirty="0"/>
+            </a:br>
+            <a:r>
+              <a:rPr lang="en-US" sz="1400" dirty="0"/>
+              <a:t>    </a:t>
+            </a:r>
+            <a:r>
+              <a:rPr lang="en-US" sz="1400" b="1" dirty="0"/>
+              <a:t>name</a:t>
+            </a:r>
+            <a:r>
+              <a:rPr lang="en-US" sz="1400" dirty="0"/>
+              <a:t>        = "Jenkins security group"</a:t>
+            </a:r>
+            <a:br>
+              <a:rPr lang="en-US" sz="1400" dirty="0"/>
+            </a:br>
+            <a:r>
+              <a:rPr lang="en-US" sz="1400" dirty="0"/>
+              <a:t>    </a:t>
+            </a:r>
+            <a:r>
+              <a:rPr lang="en-US" sz="1400" b="1" dirty="0"/>
+              <a:t>description</a:t>
+            </a:r>
+            <a:r>
+              <a:rPr lang="en-US" sz="1400" dirty="0"/>
+              <a:t> = "Security group for my needs for using Jenkins"</a:t>
+            </a:r>
+            <a:br>
+              <a:rPr lang="en-US" sz="1400" dirty="0"/>
+            </a:br>
+            <a:r>
+              <a:rPr lang="en-US" sz="1400" dirty="0"/>
+              <a:t>    </a:t>
+            </a:r>
+            <a:r>
+              <a:rPr lang="en-US" sz="1400" b="1" dirty="0" err="1"/>
+              <a:t>vpc_id</a:t>
+            </a:r>
+            <a:r>
+              <a:rPr lang="en-US" sz="1400" b="1" dirty="0"/>
+              <a:t>                 </a:t>
+            </a:r>
+            <a:r>
+              <a:rPr lang="en-US" sz="1400" dirty="0"/>
+              <a:t>= "vpc-b4a051df"</a:t>
+            </a:r>
+            <a:br>
+              <a:rPr lang="en-US" sz="1400" dirty="0"/>
+            </a:br>
+            <a:r>
+              <a:rPr lang="en-US" sz="1400" dirty="0"/>
+              <a:t>    </a:t>
+            </a:r>
+            <a:r>
+              <a:rPr lang="en-US" sz="1400" b="1" dirty="0"/>
+              <a:t>ingress</a:t>
+            </a:r>
+            <a:r>
+              <a:rPr lang="en-US" sz="1400" dirty="0"/>
+              <a:t> {</a:t>
+            </a:r>
+            <a:br>
+              <a:rPr lang="en-US" sz="1400" dirty="0"/>
+            </a:br>
+            <a:r>
+              <a:rPr lang="en-US" sz="1400" dirty="0"/>
+              <a:t>      </a:t>
+            </a:r>
+            <a:r>
+              <a:rPr lang="en-US" sz="1400" b="1" dirty="0" err="1"/>
+              <a:t>from_port</a:t>
+            </a:r>
+            <a:r>
+              <a:rPr lang="en-US" sz="1400" b="1" dirty="0"/>
+              <a:t>     </a:t>
+            </a:r>
+            <a:r>
+              <a:rPr lang="en-US" sz="1400" dirty="0"/>
+              <a:t>= 8080</a:t>
+            </a:r>
+            <a:br>
+              <a:rPr lang="en-US" sz="1400" dirty="0"/>
+            </a:br>
+            <a:r>
+              <a:rPr lang="en-US" sz="1400" dirty="0"/>
+              <a:t>      </a:t>
+            </a:r>
+            <a:r>
+              <a:rPr lang="en-US" sz="1400" b="1" dirty="0" err="1"/>
+              <a:t>to_port</a:t>
+            </a:r>
+            <a:r>
+              <a:rPr lang="en-US" sz="1400" b="1" dirty="0"/>
+              <a:t>       </a:t>
+            </a:r>
+            <a:r>
+              <a:rPr lang="en-US" sz="1400" dirty="0"/>
+              <a:t>= 8080</a:t>
+            </a:r>
+            <a:br>
+              <a:rPr lang="en-US" sz="1400" dirty="0"/>
+            </a:br>
+            <a:r>
+              <a:rPr lang="en-US" sz="1400" dirty="0"/>
+              <a:t>      protocol      = "</a:t>
+            </a:r>
+            <a:r>
+              <a:rPr lang="en-US" sz="1400" dirty="0" err="1"/>
+              <a:t>tcp</a:t>
+            </a:r>
+            <a:r>
+              <a:rPr lang="en-US" sz="1400" dirty="0"/>
+              <a:t>"</a:t>
+            </a:r>
+            <a:br>
+              <a:rPr lang="en-US" sz="1400" dirty="0"/>
+            </a:br>
+            <a:r>
+              <a:rPr lang="en-US" sz="1400" dirty="0"/>
+              <a:t>      </a:t>
+            </a:r>
+            <a:r>
+              <a:rPr lang="en-US" sz="1400" dirty="0" err="1"/>
+              <a:t>cidr_blocks</a:t>
+            </a:r>
+            <a:r>
+              <a:rPr lang="en-US" sz="1400" dirty="0"/>
+              <a:t>   = ["0.0.0.0/0"]</a:t>
+            </a:r>
+            <a:br>
+              <a:rPr lang="en-US" sz="1400" dirty="0"/>
+            </a:br>
+            <a:r>
+              <a:rPr lang="en-US" sz="1400" dirty="0"/>
+              <a:t>    }</a:t>
+            </a:r>
+            <a:br>
+              <a:rPr lang="en-US" sz="1400" dirty="0"/>
+            </a:br>
+            <a:br>
+              <a:rPr lang="en-US" sz="1400" dirty="0"/>
+            </a:br>
+            <a:r>
+              <a:rPr lang="en-US" sz="1400" dirty="0"/>
+              <a:t>    egress {</a:t>
+            </a:r>
+            <a:br>
+              <a:rPr lang="en-US" sz="1400" dirty="0"/>
+            </a:br>
+            <a:r>
+              <a:rPr lang="en-US" sz="1400" dirty="0"/>
+              <a:t>      </a:t>
+            </a:r>
+            <a:r>
+              <a:rPr lang="en-US" sz="1400" dirty="0" err="1"/>
+              <a:t>from_port</a:t>
+            </a:r>
+            <a:r>
+              <a:rPr lang="en-US" sz="1400" dirty="0"/>
+              <a:t>     = 0</a:t>
+            </a:r>
+            <a:br>
+              <a:rPr lang="en-US" sz="1400" dirty="0"/>
+            </a:br>
+            <a:r>
+              <a:rPr lang="en-US" sz="1400" dirty="0"/>
+              <a:t>      </a:t>
+            </a:r>
+            <a:r>
+              <a:rPr lang="en-US" sz="1400" dirty="0" err="1"/>
+              <a:t>to_port</a:t>
+            </a:r>
+            <a:r>
+              <a:rPr lang="en-US" sz="1400" dirty="0"/>
+              <a:t>       = 0</a:t>
+            </a:r>
+            <a:br>
+              <a:rPr lang="en-US" sz="1400" dirty="0"/>
+            </a:br>
+            <a:r>
+              <a:rPr lang="en-US" sz="1400" dirty="0"/>
+              <a:t>      protocol      = "-1"</a:t>
+            </a:r>
+            <a:br>
+              <a:rPr lang="en-US" sz="1400" dirty="0"/>
+            </a:br>
+            <a:r>
+              <a:rPr lang="en-US" sz="1400" dirty="0"/>
+              <a:t>      </a:t>
+            </a:r>
+            <a:r>
+              <a:rPr lang="en-US" sz="1400" dirty="0" err="1"/>
+              <a:t>cidr_blocks</a:t>
+            </a:r>
+            <a:r>
+              <a:rPr lang="en-US" sz="1400" dirty="0"/>
+              <a:t>   = ["0.0.0.0/0"]</a:t>
+            </a:r>
+            <a:br>
+              <a:rPr lang="en-US" sz="1400" dirty="0"/>
+            </a:br>
+            <a:r>
+              <a:rPr lang="en-US" sz="1400" dirty="0"/>
+              <a:t>    }</a:t>
+            </a:r>
+            <a:br>
+              <a:rPr lang="en-US" sz="1400" dirty="0"/>
+            </a:br>
+            <a:r>
+              <a:rPr lang="en-US" sz="1400" dirty="0"/>
+              <a:t>}</a:t>
+            </a:r>
+            <a:endParaRPr lang="ru-RU" sz="1400" dirty="0"/>
+          </a:p>
+        </p:txBody>
+      </p:sp>
+      <p:sp>
+        <p:nvSpPr>
+          <p:cNvPr id="6" name="TextBox 5">
+            <a:extLst>
+              <a:ext uri="{FF2B5EF4-FFF2-40B4-BE49-F238E27FC236}">
+                <a16:creationId xmlns:a16="http://schemas.microsoft.com/office/drawing/2014/main" id="{4F145DD7-912E-484E-B3DD-19CD875DC020}"/>
+              </a:ext>
+            </a:extLst>
+          </p:cNvPr>
+          <p:cNvSpPr txBox="1"/>
+          <p:nvPr/>
+        </p:nvSpPr>
+        <p:spPr>
+          <a:xfrm>
+            <a:off x="3179427" y="153099"/>
+            <a:ext cx="6375633" cy="523220"/>
+          </a:xfrm>
+          <a:prstGeom prst="rect">
+            <a:avLst/>
+          </a:prstGeom>
+          <a:noFill/>
+        </p:spPr>
+        <p:txBody>
+          <a:bodyPr wrap="square" rtlCol="0">
+            <a:spAutoFit/>
+          </a:bodyPr>
+          <a:lstStyle/>
+          <a:p>
+            <a:pPr algn="ctr"/>
+            <a:r>
+              <a:rPr lang="en-US" sz="2800" b="1" dirty="0"/>
+              <a:t>Jenkins</a:t>
+            </a:r>
+            <a:r>
+              <a:rPr lang="ru-RU" sz="2800" b="1" dirty="0"/>
+              <a:t> </a:t>
+            </a:r>
+            <a:r>
+              <a:rPr lang="en-US" sz="2800" b="1" dirty="0"/>
+              <a:t>Master instance configuration.</a:t>
+            </a:r>
+            <a:endParaRPr lang="ru-RU" sz="2800" b="1" dirty="0"/>
+          </a:p>
+        </p:txBody>
+      </p:sp>
+    </p:spTree>
+    <p:extLst>
+      <p:ext uri="{BB962C8B-B14F-4D97-AF65-F5344CB8AC3E}">
+        <p14:creationId xmlns:p14="http://schemas.microsoft.com/office/powerpoint/2010/main" val="3284080362"/>
+      </p:ext>
+    </p:extLst>
+  </p:cSld>
+  <p:clrMapOvr>
+    <a:masterClrMapping/>
+  </p:clrMapOvr>
+</p:sld>
+</file>
+
+<file path=ppt/slides/slide5.xml><?xml version="1.0" encoding="utf-8"?>
+<p:sld xmlns:a="http://schemas.openxmlformats.org/drawingml/2006/main" xmlns:r="http://schemas.openxmlformats.org/officeDocument/2006/relationships" xmlns:p="http://schemas.openxmlformats.org/presentationml/2006/main">
+  <p:cSld>
+    <p:spTree>
+      <p:nvGrpSpPr>
+        <p:cNvPr id="1" name=""/>
+        <p:cNvGrpSpPr/>
+        <p:nvPr/>
+      </p:nvGrpSpPr>
+      <p:grpSpPr>
+        <a:xfrm>
+          <a:off x="0" y="0"/>
+          <a:ext cx="0" cy="0"/>
+          <a:chOff x="0" y="0"/>
+          <a:chExt cx="0" cy="0"/>
+        </a:xfrm>
+      </p:grpSpPr>
+      <p:cxnSp>
+        <p:nvCxnSpPr>
+          <p:cNvPr id="21" name="Прямая со стрелкой 50">
+            <a:extLst>
+              <a:ext uri="{FF2B5EF4-FFF2-40B4-BE49-F238E27FC236}">
+                <a16:creationId xmlns:a16="http://schemas.microsoft.com/office/drawing/2014/main" id="{6A693045-5B63-4A78-ACBE-F0548CCD2E63}"/>
+              </a:ext>
+            </a:extLst>
+          </p:cNvPr>
+          <p:cNvCxnSpPr>
+            <a:cxnSpLocks/>
+            <a:stCxn id="30" idx="0"/>
+          </p:cNvCxnSpPr>
+          <p:nvPr/>
+        </p:nvCxnSpPr>
+        <p:spPr>
+          <a:xfrm flipV="1">
+            <a:off x="7253874" y="2946596"/>
+            <a:ext cx="1292678" cy="472014"/>
+          </a:xfrm>
+          <a:prstGeom prst="straightConnector1">
+            <a:avLst/>
+          </a:prstGeom>
+          <a:ln>
+            <a:tailEnd type="triangle"/>
+          </a:ln>
+        </p:spPr>
+        <p:style>
+          <a:lnRef idx="1">
+            <a:schemeClr val="dk1"/>
+          </a:lnRef>
+          <a:fillRef idx="0">
+            <a:schemeClr val="dk1"/>
+          </a:fillRef>
+          <a:effectRef idx="0">
+            <a:schemeClr val="dk1"/>
+          </a:effectRef>
+          <a:fontRef idx="minor">
+            <a:schemeClr val="tx1"/>
+          </a:fontRef>
+        </p:style>
+      </p:cxnSp>
+      <p:cxnSp>
+        <p:nvCxnSpPr>
+          <p:cNvPr id="20" name="Прямая со стрелкой 48">
+            <a:extLst>
+              <a:ext uri="{FF2B5EF4-FFF2-40B4-BE49-F238E27FC236}">
+                <a16:creationId xmlns:a16="http://schemas.microsoft.com/office/drawing/2014/main" id="{B2ECEDAD-3F61-49C9-A8B2-094CE972D803}"/>
+              </a:ext>
+            </a:extLst>
+          </p:cNvPr>
+          <p:cNvCxnSpPr>
+            <a:cxnSpLocks/>
+            <a:stCxn id="14" idx="2"/>
+            <a:endCxn id="5" idx="0"/>
+          </p:cNvCxnSpPr>
+          <p:nvPr/>
+        </p:nvCxnSpPr>
+        <p:spPr>
+          <a:xfrm>
+            <a:off x="5323126" y="2640780"/>
+            <a:ext cx="1378080" cy="695819"/>
+          </a:xfrm>
+          <a:prstGeom prst="straightConnector1">
+            <a:avLst/>
+          </a:prstGeom>
+          <a:ln>
+            <a:tailEnd type="triangle"/>
+          </a:ln>
+        </p:spPr>
+        <p:style>
+          <a:lnRef idx="1">
+            <a:schemeClr val="dk1"/>
+          </a:lnRef>
+          <a:fillRef idx="0">
+            <a:schemeClr val="dk1"/>
+          </a:fillRef>
+          <a:effectRef idx="0">
+            <a:schemeClr val="dk1"/>
+          </a:effectRef>
+          <a:fontRef idx="minor">
+            <a:schemeClr val="tx1"/>
+          </a:fontRef>
+        </p:style>
+      </p:cxnSp>
+      <p:pic>
+        <p:nvPicPr>
+          <p:cNvPr id="4" name="Picture 2" descr="ÐÐ¾Ñ+Ð¾Ð¶ÐµÐµ Ð¸Ð·Ð¾Ð±ÑÐ°Ð¶ÐµÐ½Ð¸Ðµ">
+            <a:extLst>
+              <a:ext uri="{FF2B5EF4-FFF2-40B4-BE49-F238E27FC236}">
+                <a16:creationId xmlns:a16="http://schemas.microsoft.com/office/drawing/2014/main" id="{779728BE-71B2-4784-9951-6C01136A96AC}"/>
+              </a:ext>
+            </a:extLst>
+          </p:cNvPr>
+          <p:cNvPicPr>
+            <a:picLocks noChangeAspect="1" noChangeArrowheads="1"/>
+          </p:cNvPicPr>
+          <p:nvPr/>
+        </p:nvPicPr>
+        <p:blipFill>
+          <a:blip r:embed="rId2" cstate="print">
+            <a:extLst>
+              <a:ext uri="{28A0092B-C50C-407E-A947-70E740481C1C}">
+                <a14:useLocalDpi xmlns:a14="http://schemas.microsoft.com/office/drawing/2010/main" val="0"/>
+              </a:ext>
+            </a:extLst>
+          </a:blip>
+          <a:srcRect/>
+          <a:stretch>
+            <a:fillRect/>
+          </a:stretch>
+        </p:blipFill>
+        <p:spPr bwMode="auto">
+          <a:xfrm>
+            <a:off x="1151832" y="421816"/>
+            <a:ext cx="1595120" cy="1595121"/>
+          </a:xfrm>
+          <a:prstGeom prst="rect">
+            <a:avLst/>
+          </a:prstGeom>
+          <a:noFill/>
+          <a:extLst>
+            <a:ext uri="{909E8E84-426E-40DD-AFC4-6F175D3DCCD1}">
+              <a14:hiddenFill xmlns:a14="http://schemas.microsoft.com/office/drawing/2010/main">
+                <a:solidFill>
+                  <a:srgbClr val="FFFFFF"/>
+                </a:solidFill>
+              </a14:hiddenFill>
+            </a:ext>
+          </a:extLst>
+        </p:spPr>
+      </p:pic>
+      <p:pic>
+        <p:nvPicPr>
+          <p:cNvPr id="5" name="Рисунок 2">
+            <a:extLst>
+              <a:ext uri="{FF2B5EF4-FFF2-40B4-BE49-F238E27FC236}">
+                <a16:creationId xmlns:a16="http://schemas.microsoft.com/office/drawing/2014/main" id="{AB2151EB-CEE4-4402-BBA3-285F50BD1345}"/>
+              </a:ext>
+            </a:extLst>
+          </p:cNvPr>
+          <p:cNvPicPr>
+            <a:picLocks noChangeAspect="1"/>
+          </p:cNvPicPr>
+          <p:nvPr/>
+        </p:nvPicPr>
+        <p:blipFill>
+          <a:blip r:embed="rId3">
+            <a:extLst>
+              <a:ext uri="{28A0092B-C50C-407E-A947-70E740481C1C}">
+                <a14:useLocalDpi xmlns:a14="http://schemas.microsoft.com/office/drawing/2010/main" val="0"/>
+              </a:ext>
+            </a:extLst>
+          </a:blip>
+          <a:stretch>
+            <a:fillRect/>
+          </a:stretch>
+        </p:blipFill>
+        <p:spPr>
+          <a:xfrm>
+            <a:off x="4838890" y="3336599"/>
+            <a:ext cx="3724631" cy="2577233"/>
+          </a:xfrm>
+          <a:prstGeom prst="rect">
+            <a:avLst/>
+          </a:prstGeom>
+        </p:spPr>
+      </p:pic>
+      <p:pic>
+        <p:nvPicPr>
+          <p:cNvPr id="6" name="Рисунок 1">
+            <a:extLst>
+              <a:ext uri="{FF2B5EF4-FFF2-40B4-BE49-F238E27FC236}">
+                <a16:creationId xmlns:a16="http://schemas.microsoft.com/office/drawing/2014/main" id="{7C6A645D-7A7F-44D4-97D7-AD4141022335}"/>
+              </a:ext>
+            </a:extLst>
+          </p:cNvPr>
+          <p:cNvPicPr>
+            <a:picLocks noChangeAspect="1"/>
+          </p:cNvPicPr>
+          <p:nvPr/>
+        </p:nvPicPr>
+        <p:blipFill>
+          <a:blip r:embed="rId4" cstate="print">
+            <a:extLst>
+              <a:ext uri="{28A0092B-C50C-407E-A947-70E740481C1C}">
+                <a14:useLocalDpi xmlns:a14="http://schemas.microsoft.com/office/drawing/2010/main" val="0"/>
+              </a:ext>
+            </a:extLst>
+          </a:blip>
+          <a:stretch>
+            <a:fillRect/>
+          </a:stretch>
+        </p:blipFill>
+        <p:spPr>
+          <a:xfrm>
+            <a:off x="7199024" y="4801011"/>
+            <a:ext cx="961062" cy="961062"/>
+          </a:xfrm>
+          <a:prstGeom prst="rect">
+            <a:avLst/>
+          </a:prstGeom>
+        </p:spPr>
+      </p:pic>
+      <p:pic>
+        <p:nvPicPr>
+          <p:cNvPr id="8" name="Picture 12" descr="ÐÐ°ÑÑÐ¸Ð½ÐºÐ¸ Ð¿Ð¾ Ð·Ð°Ð¿ÑÐ¾ÑÑ jenkins png">
+            <a:extLst>
+              <a:ext uri="{FF2B5EF4-FFF2-40B4-BE49-F238E27FC236}">
+                <a16:creationId xmlns:a16="http://schemas.microsoft.com/office/drawing/2014/main" id="{9A868442-BEAE-48E5-BC54-F4EE2C1A579C}"/>
+              </a:ext>
+            </a:extLst>
+          </p:cNvPr>
+          <p:cNvPicPr>
+            <a:picLocks noChangeAspect="1" noChangeArrowheads="1"/>
+          </p:cNvPicPr>
+          <p:nvPr/>
+        </p:nvPicPr>
+        <p:blipFill>
+          <a:blip r:embed="rId5" cstate="print">
+            <a:extLst>
+              <a:ext uri="{28A0092B-C50C-407E-A947-70E740481C1C}">
+                <a14:useLocalDpi xmlns:a14="http://schemas.microsoft.com/office/drawing/2010/main" val="0"/>
+              </a:ext>
+            </a:extLst>
+          </a:blip>
+          <a:srcRect/>
+          <a:stretch>
+            <a:fillRect/>
+          </a:stretch>
+        </p:blipFill>
+        <p:spPr bwMode="auto">
+          <a:xfrm>
+            <a:off x="7734151" y="621498"/>
+            <a:ext cx="2013670" cy="2332435"/>
+          </a:xfrm>
+          <a:prstGeom prst="rect">
+            <a:avLst/>
+          </a:prstGeom>
+          <a:noFill/>
+          <a:extLst>
+            <a:ext uri="{909E8E84-426E-40DD-AFC4-6F175D3DCCD1}">
+              <a14:hiddenFill xmlns:a14="http://schemas.microsoft.com/office/drawing/2010/main">
+                <a:solidFill>
+                  <a:srgbClr val="FFFFFF"/>
+                </a:solidFill>
+              </a14:hiddenFill>
+            </a:ext>
+          </a:extLst>
+        </p:spPr>
+      </p:pic>
+      <p:pic>
+        <p:nvPicPr>
+          <p:cNvPr id="9" name="Рисунок 9">
+            <a:extLst>
+              <a:ext uri="{FF2B5EF4-FFF2-40B4-BE49-F238E27FC236}">
+                <a16:creationId xmlns:a16="http://schemas.microsoft.com/office/drawing/2014/main" id="{2DDD5C91-1EE7-4586-A518-371B79AB5B14}"/>
+              </a:ext>
+            </a:extLst>
+          </p:cNvPr>
+          <p:cNvPicPr>
+            <a:picLocks noChangeAspect="1"/>
+          </p:cNvPicPr>
+          <p:nvPr/>
+        </p:nvPicPr>
+        <p:blipFill>
+          <a:blip r:embed="rId3">
+            <a:extLst>
+              <a:ext uri="{28A0092B-C50C-407E-A947-70E740481C1C}">
+                <a14:useLocalDpi xmlns:a14="http://schemas.microsoft.com/office/drawing/2010/main" val="0"/>
+              </a:ext>
+            </a:extLst>
+          </a:blip>
+          <a:stretch>
+            <a:fillRect/>
+          </a:stretch>
+        </p:blipFill>
+        <p:spPr>
+          <a:xfrm>
+            <a:off x="8889686" y="3501432"/>
+            <a:ext cx="3652851" cy="2527565"/>
+          </a:xfrm>
+          <a:prstGeom prst="rect">
+            <a:avLst/>
+          </a:prstGeom>
+        </p:spPr>
+      </p:pic>
+      <p:pic>
+        <p:nvPicPr>
+          <p:cNvPr id="11" name="Рисунок 19">
+            <a:extLst>
+              <a:ext uri="{FF2B5EF4-FFF2-40B4-BE49-F238E27FC236}">
+                <a16:creationId xmlns:a16="http://schemas.microsoft.com/office/drawing/2014/main" id="{2191B32F-F27B-42DB-8A5C-DC2A4E3105D4}"/>
+              </a:ext>
+            </a:extLst>
+          </p:cNvPr>
+          <p:cNvPicPr>
+            <a:picLocks noChangeAspect="1"/>
+          </p:cNvPicPr>
+          <p:nvPr/>
+        </p:nvPicPr>
+        <p:blipFill>
+          <a:blip r:embed="rId6" cstate="print">
+            <a:extLst>
+              <a:ext uri="{28A0092B-C50C-407E-A947-70E740481C1C}">
+                <a14:useLocalDpi xmlns:a14="http://schemas.microsoft.com/office/drawing/2010/main" val="0"/>
+              </a:ext>
+            </a:extLst>
+          </a:blip>
+          <a:stretch>
+            <a:fillRect/>
+          </a:stretch>
+        </p:blipFill>
+        <p:spPr>
+          <a:xfrm>
+            <a:off x="11221044" y="4032074"/>
+            <a:ext cx="818175" cy="818175"/>
+          </a:xfrm>
+          <a:prstGeom prst="rect">
+            <a:avLst/>
+          </a:prstGeom>
+        </p:spPr>
+      </p:pic>
+      <p:cxnSp>
+        <p:nvCxnSpPr>
+          <p:cNvPr id="12" name="Прямая со стрелкой 11">
+            <a:extLst>
+              <a:ext uri="{FF2B5EF4-FFF2-40B4-BE49-F238E27FC236}">
+                <a16:creationId xmlns:a16="http://schemas.microsoft.com/office/drawing/2014/main" id="{5B0653A1-AA81-48D8-95F8-C9E3F9B62C99}"/>
+              </a:ext>
+            </a:extLst>
+          </p:cNvPr>
+          <p:cNvCxnSpPr>
+            <a:cxnSpLocks/>
+            <a:endCxn id="1028" idx="0"/>
+          </p:cNvCxnSpPr>
+          <p:nvPr/>
+        </p:nvCxnSpPr>
+        <p:spPr>
+          <a:xfrm>
+            <a:off x="1949392" y="1957848"/>
+            <a:ext cx="581327" cy="2307909"/>
+          </a:xfrm>
+          <a:prstGeom prst="straightConnector1">
+            <a:avLst/>
+          </a:prstGeom>
+          <a:ln>
+            <a:tailEnd type="triangle"/>
+          </a:ln>
+        </p:spPr>
+        <p:style>
+          <a:lnRef idx="1">
+            <a:schemeClr val="dk1"/>
+          </a:lnRef>
+          <a:fillRef idx="0">
+            <a:schemeClr val="dk1"/>
+          </a:fillRef>
+          <a:effectRef idx="0">
+            <a:schemeClr val="dk1"/>
+          </a:effectRef>
+          <a:fontRef idx="minor">
+            <a:schemeClr val="tx1"/>
+          </a:fontRef>
+        </p:style>
+      </p:cxnSp>
+      <p:sp>
+        <p:nvSpPr>
+          <p:cNvPr id="13" name="TextBox 12">
+            <a:extLst>
+              <a:ext uri="{FF2B5EF4-FFF2-40B4-BE49-F238E27FC236}">
+                <a16:creationId xmlns:a16="http://schemas.microsoft.com/office/drawing/2014/main" id="{6F7C91E3-AD7B-4D33-B25F-8563E6E12863}"/>
+              </a:ext>
+            </a:extLst>
+          </p:cNvPr>
+          <p:cNvSpPr txBox="1"/>
+          <p:nvPr/>
+        </p:nvSpPr>
+        <p:spPr>
+          <a:xfrm>
+            <a:off x="4452898" y="2574351"/>
+            <a:ext cx="1785080" cy="584775"/>
+          </a:xfrm>
+          <a:prstGeom prst="rect">
+            <a:avLst/>
+          </a:prstGeom>
+          <a:noFill/>
+        </p:spPr>
+        <p:txBody>
+          <a:bodyPr wrap="square" rtlCol="0">
+            <a:spAutoFit/>
+          </a:bodyPr>
+          <a:lstStyle/>
+          <a:p>
+            <a:r>
+              <a:rPr lang="en-US" sz="3200" b="1" dirty="0">
+                <a:latin typeface="Century Gothic" panose="020B0502020202020204" pitchFamily="34" charset="0"/>
+                <a:cs typeface="Times New Roman" panose="02020603050405020304" pitchFamily="18" charset="0"/>
+              </a:rPr>
+              <a:t>MASTER</a:t>
+            </a:r>
+            <a:endParaRPr lang="ru-RU" sz="3200" b="1" dirty="0">
+              <a:latin typeface="Century Gothic" panose="020B0502020202020204" pitchFamily="34" charset="0"/>
+              <a:cs typeface="Times New Roman" panose="02020603050405020304" pitchFamily="18" charset="0"/>
+            </a:endParaRPr>
+          </a:p>
+        </p:txBody>
+      </p:sp>
+      <p:pic>
+        <p:nvPicPr>
+          <p:cNvPr id="14" name="Рисунок 34">
+            <a:extLst>
+              <a:ext uri="{FF2B5EF4-FFF2-40B4-BE49-F238E27FC236}">
+                <a16:creationId xmlns:a16="http://schemas.microsoft.com/office/drawing/2014/main" id="{4011FBBB-354F-4A09-A77B-3EA0CF7BBBEF}"/>
+              </a:ext>
+            </a:extLst>
+          </p:cNvPr>
+          <p:cNvPicPr>
+            <a:picLocks noChangeAspect="1"/>
+          </p:cNvPicPr>
+          <p:nvPr/>
+        </p:nvPicPr>
+        <p:blipFill>
+          <a:blip r:embed="rId7"/>
+          <a:stretch>
+            <a:fillRect/>
+          </a:stretch>
+        </p:blipFill>
+        <p:spPr>
+          <a:xfrm>
+            <a:off x="4463767" y="683352"/>
+            <a:ext cx="1718717" cy="1957428"/>
+          </a:xfrm>
+          <a:prstGeom prst="rect">
+            <a:avLst/>
+          </a:prstGeom>
+        </p:spPr>
+      </p:pic>
+      <p:cxnSp>
+        <p:nvCxnSpPr>
+          <p:cNvPr id="15" name="Прямая со стрелкой 39">
+            <a:extLst>
+              <a:ext uri="{FF2B5EF4-FFF2-40B4-BE49-F238E27FC236}">
+                <a16:creationId xmlns:a16="http://schemas.microsoft.com/office/drawing/2014/main" id="{A63BF343-6C6B-4577-80A9-E4DDAE21E8FF}"/>
+              </a:ext>
+            </a:extLst>
+          </p:cNvPr>
+          <p:cNvCxnSpPr>
+            <a:cxnSpLocks/>
+            <a:stCxn id="1028" idx="3"/>
+            <a:endCxn id="13" idx="2"/>
+          </p:cNvCxnSpPr>
+          <p:nvPr/>
+        </p:nvCxnSpPr>
+        <p:spPr>
+          <a:xfrm flipV="1">
+            <a:off x="3328279" y="3159126"/>
+            <a:ext cx="2017159" cy="1904191"/>
+          </a:xfrm>
+          <a:prstGeom prst="straightConnector1">
+            <a:avLst/>
+          </a:prstGeom>
+          <a:ln>
+            <a:tailEnd type="triangle"/>
+          </a:ln>
+        </p:spPr>
+        <p:style>
+          <a:lnRef idx="1">
+            <a:schemeClr val="dk1"/>
+          </a:lnRef>
+          <a:fillRef idx="0">
+            <a:schemeClr val="dk1"/>
+          </a:fillRef>
+          <a:effectRef idx="0">
+            <a:schemeClr val="dk1"/>
+          </a:effectRef>
+          <a:fontRef idx="minor">
+            <a:schemeClr val="tx1"/>
+          </a:fontRef>
+        </p:style>
+      </p:cxnSp>
+      <p:sp>
+        <p:nvSpPr>
+          <p:cNvPr id="16" name="TextBox 15">
+            <a:extLst>
+              <a:ext uri="{FF2B5EF4-FFF2-40B4-BE49-F238E27FC236}">
+                <a16:creationId xmlns:a16="http://schemas.microsoft.com/office/drawing/2014/main" id="{5AE8371E-1836-4043-85CC-D4CE2D5FA91D}"/>
+              </a:ext>
+            </a:extLst>
+          </p:cNvPr>
+          <p:cNvSpPr txBox="1"/>
+          <p:nvPr/>
+        </p:nvSpPr>
+        <p:spPr>
+          <a:xfrm>
+            <a:off x="1543850" y="1835586"/>
+            <a:ext cx="1249680" cy="646331"/>
+          </a:xfrm>
+          <a:prstGeom prst="rect">
+            <a:avLst/>
+          </a:prstGeom>
+          <a:noFill/>
+        </p:spPr>
+        <p:txBody>
+          <a:bodyPr wrap="square" rtlCol="0">
+            <a:spAutoFit/>
+          </a:bodyPr>
+          <a:lstStyle/>
+          <a:p>
+            <a:r>
+              <a:rPr lang="en-US" sz="3600" b="1" dirty="0">
+                <a:latin typeface="Century Gothic" panose="020B0502020202020204" pitchFamily="34" charset="0"/>
+              </a:rPr>
+              <a:t>dev</a:t>
+            </a:r>
+            <a:endParaRPr lang="ru-RU" sz="3600" b="1" dirty="0">
+              <a:latin typeface="Century Gothic" panose="020B0502020202020204" pitchFamily="34" charset="0"/>
+            </a:endParaRPr>
+          </a:p>
+        </p:txBody>
+      </p:sp>
+      <p:sp>
+        <p:nvSpPr>
+          <p:cNvPr id="17" name="TextBox 16">
+            <a:extLst>
+              <a:ext uri="{FF2B5EF4-FFF2-40B4-BE49-F238E27FC236}">
+                <a16:creationId xmlns:a16="http://schemas.microsoft.com/office/drawing/2014/main" id="{B1A25013-20FA-4800-9762-DA76EE4AC1C3}"/>
+              </a:ext>
+            </a:extLst>
+          </p:cNvPr>
+          <p:cNvSpPr txBox="1"/>
+          <p:nvPr/>
+        </p:nvSpPr>
+        <p:spPr>
+          <a:xfrm>
+            <a:off x="1803325" y="5817627"/>
+            <a:ext cx="1466051" cy="584775"/>
+          </a:xfrm>
+          <a:prstGeom prst="rect">
+            <a:avLst/>
+          </a:prstGeom>
+          <a:noFill/>
+        </p:spPr>
+        <p:txBody>
+          <a:bodyPr wrap="square" rtlCol="0">
+            <a:spAutoFit/>
+          </a:bodyPr>
+          <a:lstStyle/>
+          <a:p>
+            <a:r>
+              <a:rPr lang="en-US" sz="3200" b="1" dirty="0" err="1">
+                <a:latin typeface="Century Gothic" panose="020B0502020202020204" pitchFamily="34" charset="0"/>
+              </a:rPr>
+              <a:t>github</a:t>
+            </a:r>
+            <a:endParaRPr lang="ru-RU" sz="3200" b="1" dirty="0">
+              <a:latin typeface="Century Gothic" panose="020B0502020202020204" pitchFamily="34" charset="0"/>
+            </a:endParaRPr>
+          </a:p>
+        </p:txBody>
+      </p:sp>
+      <p:sp>
+        <p:nvSpPr>
+          <p:cNvPr id="18" name="TextBox 17">
+            <a:extLst>
+              <a:ext uri="{FF2B5EF4-FFF2-40B4-BE49-F238E27FC236}">
+                <a16:creationId xmlns:a16="http://schemas.microsoft.com/office/drawing/2014/main" id="{EC1A69B1-5B93-4926-9878-672EC08088C1}"/>
+              </a:ext>
+            </a:extLst>
+          </p:cNvPr>
+          <p:cNvSpPr txBox="1"/>
+          <p:nvPr/>
+        </p:nvSpPr>
+        <p:spPr>
+          <a:xfrm>
+            <a:off x="5550841" y="5748124"/>
+            <a:ext cx="3012680" cy="584775"/>
+          </a:xfrm>
+          <a:prstGeom prst="rect">
+            <a:avLst/>
+          </a:prstGeom>
+          <a:noFill/>
+        </p:spPr>
+        <p:txBody>
+          <a:bodyPr wrap="square" rtlCol="0">
+            <a:spAutoFit/>
+          </a:bodyPr>
+          <a:lstStyle/>
+          <a:p>
+            <a:r>
+              <a:rPr lang="en-US" sz="3200" b="1" dirty="0">
+                <a:latin typeface="Century Gothic" panose="020B0502020202020204" pitchFamily="34" charset="0"/>
+              </a:rPr>
+              <a:t>Jenkins Server</a:t>
+            </a:r>
+            <a:endParaRPr lang="ru-RU" sz="3200" b="1" dirty="0">
+              <a:latin typeface="Century Gothic" panose="020B0502020202020204" pitchFamily="34" charset="0"/>
+            </a:endParaRPr>
+          </a:p>
+        </p:txBody>
+      </p:sp>
+      <p:sp>
+        <p:nvSpPr>
+          <p:cNvPr id="19" name="TextBox 18">
+            <a:extLst>
+              <a:ext uri="{FF2B5EF4-FFF2-40B4-BE49-F238E27FC236}">
+                <a16:creationId xmlns:a16="http://schemas.microsoft.com/office/drawing/2014/main" id="{65FB37DC-3202-4A07-AB25-13AA9CB512AF}"/>
+              </a:ext>
+            </a:extLst>
+          </p:cNvPr>
+          <p:cNvSpPr txBox="1"/>
+          <p:nvPr/>
+        </p:nvSpPr>
+        <p:spPr>
+          <a:xfrm>
+            <a:off x="7698330" y="2771794"/>
+            <a:ext cx="1991360" cy="584775"/>
+          </a:xfrm>
+          <a:prstGeom prst="rect">
+            <a:avLst/>
+          </a:prstGeom>
+          <a:noFill/>
+        </p:spPr>
+        <p:txBody>
+          <a:bodyPr wrap="square" rtlCol="0">
+            <a:spAutoFit/>
+          </a:bodyPr>
+          <a:lstStyle/>
+          <a:p>
+            <a:r>
+              <a:rPr lang="en-US" sz="3200" b="1" dirty="0" err="1">
+                <a:latin typeface="Century Gothic" panose="020B0502020202020204" pitchFamily="34" charset="0"/>
+              </a:rPr>
+              <a:t>Deployer</a:t>
+            </a:r>
+            <a:endParaRPr lang="ru-RU" sz="3200" b="1" dirty="0">
+              <a:latin typeface="Century Gothic" panose="020B0502020202020204" pitchFamily="34" charset="0"/>
+            </a:endParaRPr>
+          </a:p>
+        </p:txBody>
+      </p:sp>
+      <p:cxnSp>
+        <p:nvCxnSpPr>
+          <p:cNvPr id="23" name="Прямая со стрелкой 54">
+            <a:extLst>
+              <a:ext uri="{FF2B5EF4-FFF2-40B4-BE49-F238E27FC236}">
+                <a16:creationId xmlns:a16="http://schemas.microsoft.com/office/drawing/2014/main" id="{7326BAE1-746B-4634-9727-70D87EE0BF29}"/>
+              </a:ext>
+            </a:extLst>
+          </p:cNvPr>
+          <p:cNvCxnSpPr>
+            <a:cxnSpLocks/>
+          </p:cNvCxnSpPr>
+          <p:nvPr/>
+        </p:nvCxnSpPr>
+        <p:spPr>
+          <a:xfrm>
+            <a:off x="9581864" y="2788105"/>
+            <a:ext cx="1029925" cy="1259840"/>
+          </a:xfrm>
+          <a:prstGeom prst="straightConnector1">
+            <a:avLst/>
+          </a:prstGeom>
+          <a:ln>
+            <a:tailEnd type="triangle"/>
+          </a:ln>
+        </p:spPr>
+        <p:style>
+          <a:lnRef idx="1">
+            <a:schemeClr val="dk1"/>
+          </a:lnRef>
+          <a:fillRef idx="0">
+            <a:schemeClr val="dk1"/>
+          </a:fillRef>
+          <a:effectRef idx="0">
+            <a:schemeClr val="dk1"/>
+          </a:effectRef>
+          <a:fontRef idx="minor">
+            <a:schemeClr val="tx1"/>
+          </a:fontRef>
+        </p:style>
+      </p:cxnSp>
+      <p:sp>
+        <p:nvSpPr>
+          <p:cNvPr id="24" name="TextBox 23">
+            <a:extLst>
+              <a:ext uri="{FF2B5EF4-FFF2-40B4-BE49-F238E27FC236}">
+                <a16:creationId xmlns:a16="http://schemas.microsoft.com/office/drawing/2014/main" id="{158BB6F2-53CF-4F77-ABEA-EC9013A8E1FD}"/>
+              </a:ext>
+            </a:extLst>
+          </p:cNvPr>
+          <p:cNvSpPr txBox="1"/>
+          <p:nvPr/>
+        </p:nvSpPr>
+        <p:spPr>
+          <a:xfrm>
+            <a:off x="10528897" y="5714597"/>
+            <a:ext cx="1620103" cy="584775"/>
+          </a:xfrm>
+          <a:prstGeom prst="rect">
+            <a:avLst/>
+          </a:prstGeom>
+          <a:noFill/>
+        </p:spPr>
+        <p:txBody>
+          <a:bodyPr wrap="square" rtlCol="0">
+            <a:spAutoFit/>
+          </a:bodyPr>
+          <a:lstStyle/>
+          <a:p>
+            <a:r>
+              <a:rPr lang="en-US" sz="3200" b="1" dirty="0">
+                <a:latin typeface="Century Gothic" panose="020B0502020202020204" pitchFamily="34" charset="0"/>
+              </a:rPr>
+              <a:t>Server</a:t>
+            </a:r>
+            <a:endParaRPr lang="ru-RU" sz="3200" b="1" dirty="0">
+              <a:latin typeface="Century Gothic" panose="020B0502020202020204" pitchFamily="34" charset="0"/>
+            </a:endParaRPr>
+          </a:p>
+        </p:txBody>
+      </p:sp>
+      <p:sp>
+        <p:nvSpPr>
+          <p:cNvPr id="26" name="TextBox 25">
+            <a:extLst>
+              <a:ext uri="{FF2B5EF4-FFF2-40B4-BE49-F238E27FC236}">
+                <a16:creationId xmlns:a16="http://schemas.microsoft.com/office/drawing/2014/main" id="{F568335D-C757-4704-A8B3-AF4F81A458CC}"/>
+              </a:ext>
+            </a:extLst>
+          </p:cNvPr>
+          <p:cNvSpPr txBox="1"/>
+          <p:nvPr/>
+        </p:nvSpPr>
+        <p:spPr>
+          <a:xfrm>
+            <a:off x="1331991" y="2659383"/>
+            <a:ext cx="1544320" cy="523220"/>
+          </a:xfrm>
+          <a:prstGeom prst="rect">
+            <a:avLst/>
+          </a:prstGeom>
+          <a:noFill/>
+        </p:spPr>
+        <p:txBody>
+          <a:bodyPr wrap="square" rtlCol="0">
+            <a:spAutoFit/>
+          </a:bodyPr>
+          <a:lstStyle/>
+          <a:p>
+            <a:r>
+              <a:rPr lang="en-US" sz="2800" b="1" dirty="0">
+                <a:latin typeface="Century Gothic" panose="020B0502020202020204" pitchFamily="34" charset="0"/>
+              </a:rPr>
+              <a:t>commit</a:t>
+            </a:r>
+            <a:endParaRPr lang="ru-RU" sz="2800" b="1" dirty="0">
+              <a:latin typeface="Century Gothic" panose="020B0502020202020204" pitchFamily="34" charset="0"/>
+            </a:endParaRPr>
+          </a:p>
+        </p:txBody>
+      </p:sp>
+      <p:sp>
+        <p:nvSpPr>
+          <p:cNvPr id="29" name="TextBox 28">
+            <a:extLst>
+              <a:ext uri="{FF2B5EF4-FFF2-40B4-BE49-F238E27FC236}">
+                <a16:creationId xmlns:a16="http://schemas.microsoft.com/office/drawing/2014/main" id="{73F3C5FE-A05A-4641-BE42-208C7E64A7F0}"/>
+              </a:ext>
+            </a:extLst>
+          </p:cNvPr>
+          <p:cNvSpPr txBox="1"/>
+          <p:nvPr/>
+        </p:nvSpPr>
+        <p:spPr>
+          <a:xfrm>
+            <a:off x="10168419" y="3198167"/>
+            <a:ext cx="1230237" cy="461665"/>
+          </a:xfrm>
+          <a:prstGeom prst="rect">
+            <a:avLst/>
+          </a:prstGeom>
+          <a:noFill/>
+        </p:spPr>
+        <p:txBody>
+          <a:bodyPr wrap="square" rtlCol="0">
+            <a:spAutoFit/>
+          </a:bodyPr>
+          <a:lstStyle/>
+          <a:p>
+            <a:r>
+              <a:rPr lang="en-US" sz="2400" b="1" dirty="0">
+                <a:latin typeface="Century Gothic" panose="020B0502020202020204" pitchFamily="34" charset="0"/>
+              </a:rPr>
+              <a:t>deploy</a:t>
+            </a:r>
+            <a:endParaRPr lang="ru-RU" sz="2400" b="1" dirty="0">
+              <a:latin typeface="Century Gothic" panose="020B0502020202020204" pitchFamily="34" charset="0"/>
+            </a:endParaRPr>
+          </a:p>
+        </p:txBody>
+      </p:sp>
+      <p:sp>
+        <p:nvSpPr>
+          <p:cNvPr id="30" name="TextBox 29">
+            <a:extLst>
+              <a:ext uri="{FF2B5EF4-FFF2-40B4-BE49-F238E27FC236}">
+                <a16:creationId xmlns:a16="http://schemas.microsoft.com/office/drawing/2014/main" id="{A0D3CC72-D9E5-4C9B-A5EE-821CB6070018}"/>
+              </a:ext>
+            </a:extLst>
+          </p:cNvPr>
+          <p:cNvSpPr txBox="1"/>
+          <p:nvPr/>
+        </p:nvSpPr>
+        <p:spPr>
+          <a:xfrm>
+            <a:off x="5679074" y="3418610"/>
+            <a:ext cx="3149600" cy="461665"/>
+          </a:xfrm>
+          <a:prstGeom prst="rect">
+            <a:avLst/>
+          </a:prstGeom>
+          <a:noFill/>
+        </p:spPr>
+        <p:txBody>
+          <a:bodyPr wrap="square" rtlCol="0">
+            <a:spAutoFit/>
+          </a:bodyPr>
+          <a:lstStyle/>
+          <a:p>
+            <a:r>
+              <a:rPr lang="en-US" sz="2400" b="1" dirty="0" err="1">
+                <a:latin typeface="Century Gothic" panose="020B0502020202020204" pitchFamily="34" charset="0"/>
+              </a:rPr>
+              <a:t>Buiding</a:t>
+            </a:r>
+            <a:r>
+              <a:rPr lang="en-US" sz="2400" b="1" dirty="0">
+                <a:latin typeface="Century Gothic" panose="020B0502020202020204" pitchFamily="34" charset="0"/>
+              </a:rPr>
+              <a:t>/testing</a:t>
+            </a:r>
+            <a:endParaRPr lang="ru-RU" sz="2400" b="1" dirty="0">
+              <a:latin typeface="Century Gothic" panose="020B0502020202020204" pitchFamily="34" charset="0"/>
+            </a:endParaRPr>
+          </a:p>
+        </p:txBody>
+      </p:sp>
+      <p:pic>
+        <p:nvPicPr>
+          <p:cNvPr id="1026" name="Picture 2">
+            <a:extLst>
+              <a:ext uri="{FF2B5EF4-FFF2-40B4-BE49-F238E27FC236}">
+                <a16:creationId xmlns:a16="http://schemas.microsoft.com/office/drawing/2014/main" id="{164EBEB6-DC51-412F-AC13-E0B1B06820B9}"/>
+              </a:ext>
+            </a:extLst>
+          </p:cNvPr>
+          <p:cNvPicPr>
+            <a:picLocks noChangeAspect="1" noChangeArrowheads="1"/>
+          </p:cNvPicPr>
+          <p:nvPr/>
+        </p:nvPicPr>
+        <p:blipFill>
+          <a:blip r:embed="rId8">
+            <a:extLst>
+              <a:ext uri="{28A0092B-C50C-407E-A947-70E740481C1C}">
+                <a14:useLocalDpi xmlns:a14="http://schemas.microsoft.com/office/drawing/2010/main" val="0"/>
+              </a:ext>
+            </a:extLst>
+          </a:blip>
+          <a:srcRect/>
+          <a:stretch>
+            <a:fillRect/>
+          </a:stretch>
+        </p:blipFill>
+        <p:spPr bwMode="auto">
+          <a:xfrm>
+            <a:off x="10308858" y="4699017"/>
+            <a:ext cx="2013750" cy="1342500"/>
+          </a:xfrm>
+          <a:prstGeom prst="rect">
+            <a:avLst/>
+          </a:prstGeom>
+          <a:noFill/>
+          <a:extLst>
+            <a:ext uri="{909E8E84-426E-40DD-AFC4-6F175D3DCCD1}">
+              <a14:hiddenFill xmlns:a14="http://schemas.microsoft.com/office/drawing/2010/main">
+                <a:solidFill>
+                  <a:srgbClr val="FFFFFF"/>
+                </a:solidFill>
+              </a14:hiddenFill>
+            </a:ext>
+          </a:extLst>
+        </p:spPr>
+      </p:pic>
+      <p:pic>
+        <p:nvPicPr>
+          <p:cNvPr id="1028" name="Picture 4">
+            <a:extLst>
+              <a:ext uri="{FF2B5EF4-FFF2-40B4-BE49-F238E27FC236}">
+                <a16:creationId xmlns:a16="http://schemas.microsoft.com/office/drawing/2014/main" id="{605869EA-9559-482C-B389-4FC5D4CAACA7}"/>
+              </a:ext>
+            </a:extLst>
+          </p:cNvPr>
+          <p:cNvPicPr>
+            <a:picLocks noChangeAspect="1" noChangeArrowheads="1"/>
+          </p:cNvPicPr>
+          <p:nvPr/>
+        </p:nvPicPr>
+        <p:blipFill>
+          <a:blip r:embed="rId9">
+            <a:extLst>
+              <a:ext uri="{28A0092B-C50C-407E-A947-70E740481C1C}">
+                <a14:useLocalDpi xmlns:a14="http://schemas.microsoft.com/office/drawing/2010/main" val="0"/>
+              </a:ext>
+            </a:extLst>
+          </a:blip>
+          <a:srcRect/>
+          <a:stretch>
+            <a:fillRect/>
+          </a:stretch>
+        </p:blipFill>
+        <p:spPr bwMode="auto">
+          <a:xfrm>
+            <a:off x="1733159" y="4265757"/>
+            <a:ext cx="1595120" cy="1595120"/>
+          </a:xfrm>
+          <a:prstGeom prst="rect">
+            <a:avLst/>
+          </a:prstGeom>
+          <a:noFill/>
+          <a:extLst>
+            <a:ext uri="{909E8E84-426E-40DD-AFC4-6F175D3DCCD1}">
+              <a14:hiddenFill xmlns:a14="http://schemas.microsoft.com/office/drawing/2010/main">
+                <a:solidFill>
+                  <a:srgbClr val="FFFFFF"/>
+                </a:solidFill>
+              </a14:hiddenFill>
+            </a:ext>
+          </a:extLst>
+        </p:spPr>
+      </p:pic>
+      <p:pic>
+        <p:nvPicPr>
+          <p:cNvPr id="1030" name="Picture 6">
+            <a:extLst>
+              <a:ext uri="{FF2B5EF4-FFF2-40B4-BE49-F238E27FC236}">
+                <a16:creationId xmlns:a16="http://schemas.microsoft.com/office/drawing/2014/main" id="{8B909E3E-512C-4065-987B-60F87FF1F952}"/>
+              </a:ext>
+            </a:extLst>
+          </p:cNvPr>
+          <p:cNvPicPr>
+            <a:picLocks noChangeAspect="1" noChangeArrowheads="1"/>
+          </p:cNvPicPr>
+          <p:nvPr/>
+        </p:nvPicPr>
+        <p:blipFill>
+          <a:blip r:embed="rId10">
+            <a:extLst>
+              <a:ext uri="{28A0092B-C50C-407E-A947-70E740481C1C}">
+                <a14:useLocalDpi xmlns:a14="http://schemas.microsoft.com/office/drawing/2010/main" val="0"/>
+              </a:ext>
+            </a:extLst>
+          </a:blip>
+          <a:srcRect/>
+          <a:stretch>
+            <a:fillRect/>
+          </a:stretch>
+        </p:blipFill>
+        <p:spPr bwMode="auto">
+          <a:xfrm>
+            <a:off x="3827726" y="4172049"/>
+            <a:ext cx="1374002" cy="1068668"/>
+          </a:xfrm>
+          <a:prstGeom prst="rect">
+            <a:avLst/>
+          </a:prstGeom>
+          <a:noFill/>
+          <a:extLst>
+            <a:ext uri="{909E8E84-426E-40DD-AFC4-6F175D3DCCD1}">
+              <a14:hiddenFill xmlns:a14="http://schemas.microsoft.com/office/drawing/2010/main">
+                <a:solidFill>
+                  <a:srgbClr val="FFFFFF"/>
+                </a:solidFill>
+              </a14:hiddenFill>
+            </a:ext>
+          </a:extLst>
+        </p:spPr>
+      </p:pic>
+      <p:sp>
+        <p:nvSpPr>
+          <p:cNvPr id="27" name="TextBox 26">
+            <a:extLst>
+              <a:ext uri="{FF2B5EF4-FFF2-40B4-BE49-F238E27FC236}">
+                <a16:creationId xmlns:a16="http://schemas.microsoft.com/office/drawing/2014/main" id="{D5FF3103-D71F-4BDF-A310-BD43D3FD7040}"/>
+              </a:ext>
+            </a:extLst>
+          </p:cNvPr>
+          <p:cNvSpPr txBox="1"/>
+          <p:nvPr/>
+        </p:nvSpPr>
+        <p:spPr>
+          <a:xfrm>
+            <a:off x="3387127" y="3880275"/>
+            <a:ext cx="1814601" cy="461665"/>
+          </a:xfrm>
+          <a:prstGeom prst="rect">
+            <a:avLst/>
+          </a:prstGeom>
+          <a:noFill/>
+        </p:spPr>
+        <p:txBody>
+          <a:bodyPr wrap="square" rtlCol="0">
+            <a:spAutoFit/>
+          </a:bodyPr>
+          <a:lstStyle/>
+          <a:p>
+            <a:r>
+              <a:rPr lang="en-US" sz="2400" b="1" dirty="0" err="1">
+                <a:latin typeface="Century Gothic" panose="020B0502020202020204" pitchFamily="34" charset="0"/>
+              </a:rPr>
+              <a:t>webhook</a:t>
+            </a:r>
+            <a:endParaRPr lang="ru-RU" sz="2400" b="1" dirty="0">
+              <a:latin typeface="Century Gothic" panose="020B0502020202020204" pitchFamily="34" charset="0"/>
+            </a:endParaRPr>
+          </a:p>
+        </p:txBody>
+      </p:sp>
+      <p:sp>
+        <p:nvSpPr>
+          <p:cNvPr id="45" name="TextBox 44">
+            <a:extLst>
+              <a:ext uri="{FF2B5EF4-FFF2-40B4-BE49-F238E27FC236}">
+                <a16:creationId xmlns:a16="http://schemas.microsoft.com/office/drawing/2014/main" id="{7C6BB59B-88AD-4388-9981-E2E5F667EC89}"/>
+              </a:ext>
+            </a:extLst>
+          </p:cNvPr>
+          <p:cNvSpPr txBox="1"/>
+          <p:nvPr/>
+        </p:nvSpPr>
+        <p:spPr>
+          <a:xfrm>
+            <a:off x="4640541" y="-98908"/>
+            <a:ext cx="4833279" cy="707886"/>
+          </a:xfrm>
+          <a:prstGeom prst="rect">
+            <a:avLst/>
+          </a:prstGeom>
+          <a:noFill/>
+        </p:spPr>
+        <p:txBody>
+          <a:bodyPr wrap="square" rtlCol="0">
+            <a:spAutoFit/>
+          </a:bodyPr>
+          <a:lstStyle/>
+          <a:p>
+            <a:r>
+              <a:rPr lang="en-US" sz="4000" b="1" dirty="0">
+                <a:latin typeface="Century Gothic" panose="020B0502020202020204" pitchFamily="34" charset="0"/>
+                <a:cs typeface="Times New Roman" panose="02020603050405020304" pitchFamily="18" charset="0"/>
+              </a:rPr>
+              <a:t>CI/CD Workflow</a:t>
+            </a:r>
+            <a:endParaRPr lang="ru-RU" sz="4000" b="1" dirty="0">
+              <a:latin typeface="Century Gothic" panose="020B0502020202020204" pitchFamily="34" charset="0"/>
+              <a:cs typeface="Times New Roman" panose="02020603050405020304" pitchFamily="18" charset="0"/>
+            </a:endParaRPr>
+          </a:p>
+        </p:txBody>
+      </p:sp>
+    </p:spTree>
+    <p:extLst>
+      <p:ext uri="{BB962C8B-B14F-4D97-AF65-F5344CB8AC3E}">
+        <p14:creationId xmlns:p14="http://schemas.microsoft.com/office/powerpoint/2010/main" val="200181189"/>
+      </p:ext>
+    </p:extLst>
+  </p:cSld>
+  <p:clrMapOvr>
+    <a:masterClrMapping/>
+  </p:clrMapOvr>
+</p:sld>
+</file>
+
+<file path=ppt/slides/slide6.xml><?xml version="1.0" encoding="utf-8"?>
 <p:sld xmlns:a="http://schemas.openxmlformats.org/drawingml/2006/main" xmlns:r="http://schemas.openxmlformats.org/officeDocument/2006/relationships" xmlns:p="http://schemas.openxmlformats.org/presentationml/2006/main">
   <p:cSld>
     <p:bg>
@@ -13244,7 +11857,7 @@
 </p:sld>
 </file>
 
-<file path=ppt/slides/slide8.xml><?xml version="1.0" encoding="utf-8"?>
+<file path=ppt/slides/slide7.xml><?xml version="1.0" encoding="utf-8"?>
 <p:sld xmlns:a="http://schemas.openxmlformats.org/drawingml/2006/main" xmlns:r="http://schemas.openxmlformats.org/officeDocument/2006/relationships" xmlns:p="http://schemas.openxmlformats.org/presentationml/2006/main">
   <p:cSld>
     <p:bg>
@@ -14107,7 +12720,7 @@
 </p:sld>
 </file>
 
-<file path=ppt/slides/slide9.xml><?xml version="1.0" encoding="utf-8"?>
+<file path=ppt/slides/slide8.xml><?xml version="1.0" encoding="utf-8"?>
 <p:sld xmlns:a="http://schemas.openxmlformats.org/drawingml/2006/main" xmlns:r="http://schemas.openxmlformats.org/officeDocument/2006/relationships" xmlns:p="http://schemas.openxmlformats.org/presentationml/2006/main">
   <p:cSld>
     <p:bg>
@@ -14175,7 +12788,15 @@
           <a:p>
             <a:r>
               <a:rPr lang="en-US" sz="2800" b="1" dirty="0"/>
-              <a:t>I’m create a Free-Style project. Configure everything necessary for build and deployment.</a:t>
+              <a:t>I create a </a:t>
+            </a:r>
+            <a:r>
+              <a:rPr lang="en-US" sz="2800" b="1" dirty="0" err="1"/>
+              <a:t>FreeStyle</a:t>
+            </a:r>
+            <a:r>
+              <a:rPr lang="en-US" sz="2800" b="1" dirty="0"/>
+              <a:t> project. Configure everything necessary for build and deployment.</a:t>
             </a:r>
             <a:endParaRPr lang="ru-RU" sz="2800" b="1" dirty="0"/>
           </a:p>
@@ -14983,6 +13604,130 @@
 </p:sld>
 </file>
 
+<file path=ppt/slides/slide9.xml><?xml version="1.0" encoding="utf-8"?>
+<p:sld xmlns:a="http://schemas.openxmlformats.org/drawingml/2006/main" xmlns:r="http://schemas.openxmlformats.org/officeDocument/2006/relationships" xmlns:p="http://schemas.openxmlformats.org/presentationml/2006/main">
+  <p:cSld>
+    <p:spTree>
+      <p:nvGrpSpPr>
+        <p:cNvPr id="1" name=""/>
+        <p:cNvGrpSpPr/>
+        <p:nvPr/>
+      </p:nvGrpSpPr>
+      <p:grpSpPr>
+        <a:xfrm>
+          <a:off x="0" y="0"/>
+          <a:ext cx="0" cy="0"/>
+          <a:chOff x="0" y="0"/>
+          <a:chExt cx="0" cy="0"/>
+        </a:xfrm>
+      </p:grpSpPr>
+      <p:sp>
+        <p:nvSpPr>
+          <p:cNvPr id="2" name="Title 1">
+            <a:extLst>
+              <a:ext uri="{FF2B5EF4-FFF2-40B4-BE49-F238E27FC236}">
+                <a16:creationId xmlns:a16="http://schemas.microsoft.com/office/drawing/2014/main" id="{9B3E6011-FB1C-4390-8BEB-88D15C543458}"/>
+              </a:ext>
+            </a:extLst>
+          </p:cNvPr>
+          <p:cNvSpPr>
+            <a:spLocks noGrp="1"/>
+          </p:cNvSpPr>
+          <p:nvPr>
+            <p:ph type="title"/>
+          </p:nvPr>
+        </p:nvSpPr>
+        <p:spPr>
+          <a:xfrm>
+            <a:off x="1484309" y="234357"/>
+            <a:ext cx="10018713" cy="1017165"/>
+          </a:xfrm>
+        </p:spPr>
+        <p:txBody>
+          <a:bodyPr/>
+          <a:lstStyle/>
+          <a:p>
+            <a:r>
+              <a:rPr lang="en-US" dirty="0"/>
+              <a:t> Or, as a Pipeline project.</a:t>
+            </a:r>
+            <a:endParaRPr lang="ru-RU" dirty="0"/>
+          </a:p>
+        </p:txBody>
+      </p:sp>
+      <p:sp>
+        <p:nvSpPr>
+          <p:cNvPr id="3" name="Content Placeholder 2">
+            <a:extLst>
+              <a:ext uri="{FF2B5EF4-FFF2-40B4-BE49-F238E27FC236}">
+                <a16:creationId xmlns:a16="http://schemas.microsoft.com/office/drawing/2014/main" id="{54AC630E-FC9B-4135-9078-778FCBF23682}"/>
+              </a:ext>
+            </a:extLst>
+          </p:cNvPr>
+          <p:cNvSpPr>
+            <a:spLocks noGrp="1"/>
+          </p:cNvSpPr>
+          <p:nvPr>
+            <p:ph idx="1"/>
+          </p:nvPr>
+        </p:nvSpPr>
+        <p:spPr>
+          <a:xfrm>
+            <a:off x="1484310" y="1866899"/>
+            <a:ext cx="10018713" cy="3124201"/>
+          </a:xfrm>
+        </p:spPr>
+        <p:txBody>
+          <a:bodyPr/>
+          <a:lstStyle/>
+          <a:p>
+            <a:endParaRPr lang="ru-RU" dirty="0"/>
+          </a:p>
+        </p:txBody>
+      </p:sp>
+      <p:pic>
+        <p:nvPicPr>
+          <p:cNvPr id="4" name="Picture 3">
+            <a:extLst>
+              <a:ext uri="{FF2B5EF4-FFF2-40B4-BE49-F238E27FC236}">
+                <a16:creationId xmlns:a16="http://schemas.microsoft.com/office/drawing/2014/main" id="{4D200C84-67C8-42AC-A9A5-B2D7A2B9D923}"/>
+              </a:ext>
+            </a:extLst>
+          </p:cNvPr>
+          <p:cNvPicPr>
+            <a:picLocks noChangeAspect="1"/>
+          </p:cNvPicPr>
+          <p:nvPr/>
+        </p:nvPicPr>
+        <p:blipFill>
+          <a:blip r:embed="rId2"/>
+          <a:stretch>
+            <a:fillRect/>
+          </a:stretch>
+        </p:blipFill>
+        <p:spPr>
+          <a:xfrm>
+            <a:off x="1397311" y="1764145"/>
+            <a:ext cx="10499125" cy="4121881"/>
+          </a:xfrm>
+          <a:prstGeom prst="rect">
+            <a:avLst/>
+          </a:prstGeom>
+        </p:spPr>
+      </p:pic>
+    </p:spTree>
+    <p:extLst>
+      <p:ext uri="{BB962C8B-B14F-4D97-AF65-F5344CB8AC3E}">
+        <p14:creationId xmlns:p14="http://schemas.microsoft.com/office/powerpoint/2010/main" val="3963440086"/>
+      </p:ext>
+    </p:extLst>
+  </p:cSld>
+  <p:clrMapOvr>
+    <a:masterClrMapping/>
+  </p:clrMapOvr>
+</p:sld>
+</file>
+
 <file path=ppt/theme/theme1.xml><?xml version="1.0" encoding="utf-8"?>
 <a:theme xmlns:a="http://schemas.openxmlformats.org/drawingml/2006/main" name="Parallax">
   <a:themeElements>
